--- a/data-system/ZooKeeper_share1_v5.pptx
+++ b/data-system/ZooKeeper_share1_v5.pptx
@@ -5,7 +5,7 @@
     <p:sldMasterId id="2147483648" r:id="rId1"/>
   </p:sldMasterIdLst>
   <p:notesMasterIdLst>
-    <p:notesMasterId r:id="rId35"/>
+    <p:notesMasterId r:id="rId39"/>
   </p:notesMasterIdLst>
   <p:sldIdLst>
     <p:sldId id="256" r:id="rId2"/>
@@ -26,21 +26,25 @@
     <p:sldId id="267" r:id="rId17"/>
     <p:sldId id="268" r:id="rId18"/>
     <p:sldId id="269" r:id="rId19"/>
-    <p:sldId id="283" r:id="rId20"/>
-    <p:sldId id="270" r:id="rId21"/>
-    <p:sldId id="271" r:id="rId22"/>
-    <p:sldId id="284" r:id="rId23"/>
-    <p:sldId id="285" r:id="rId24"/>
-    <p:sldId id="272" r:id="rId25"/>
-    <p:sldId id="273" r:id="rId26"/>
-    <p:sldId id="275" r:id="rId27"/>
-    <p:sldId id="274" r:id="rId28"/>
-    <p:sldId id="286" r:id="rId29"/>
-    <p:sldId id="276" r:id="rId30"/>
-    <p:sldId id="287" r:id="rId31"/>
-    <p:sldId id="288" r:id="rId32"/>
-    <p:sldId id="277" r:id="rId33"/>
-    <p:sldId id="278" r:id="rId34"/>
+    <p:sldId id="290" r:id="rId20"/>
+    <p:sldId id="283" r:id="rId21"/>
+    <p:sldId id="270" r:id="rId22"/>
+    <p:sldId id="271" r:id="rId23"/>
+    <p:sldId id="284" r:id="rId24"/>
+    <p:sldId id="285" r:id="rId25"/>
+    <p:sldId id="272" r:id="rId26"/>
+    <p:sldId id="273" r:id="rId27"/>
+    <p:sldId id="275" r:id="rId28"/>
+    <p:sldId id="274" r:id="rId29"/>
+    <p:sldId id="286" r:id="rId30"/>
+    <p:sldId id="276" r:id="rId31"/>
+    <p:sldId id="287" r:id="rId32"/>
+    <p:sldId id="288" r:id="rId33"/>
+    <p:sldId id="289" r:id="rId34"/>
+    <p:sldId id="277" r:id="rId35"/>
+    <p:sldId id="278" r:id="rId36"/>
+    <p:sldId id="291" r:id="rId37"/>
+    <p:sldId id="292" r:id="rId38"/>
   </p:sldIdLst>
   <p:sldSz cx="12192000" cy="6858000"/>
   <p:notesSz cx="6858000" cy="1543050"/>
@@ -1010,22 +1014,17 @@
           <a:lstStyle/>
           <a:p>
             <a:r>
-              <a:rPr lang="ja-JP" altLang="en-US">
+              <a:rPr lang="ja-JP" altLang="en-US" dirty="0">
                 <a:latin typeface="Calibri"/>
                 <a:ea typeface="游ゴシック"/>
                 <a:cs typeface="Calibri"/>
               </a:rPr>
               <a:t>计算机上的时钟一般通过同步 NTP 服务器尽量保持时间的正确。但是这种方式照样存在时间不同步的问题。</a:t>
             </a:r>
-            <a:endParaRPr lang="ja-JP" altLang="en-US" dirty="0">
-              <a:latin typeface="Calibri"/>
-              <a:ea typeface="游ゴシック"/>
-              <a:cs typeface="Calibri"/>
-            </a:endParaRPr>
-          </a:p>
-          <a:p>
-            <a:r>
-              <a:rPr lang="ja-JP" altLang="en-US">
+          </a:p>
+          <a:p>
+            <a:r>
+              <a:rPr lang="ja-JP" altLang="en-US" dirty="0">
                 <a:latin typeface="Calibri"/>
                 <a:ea typeface="游ゴシック"/>
                 <a:cs typeface="Calibri"/>
@@ -1035,18 +1034,13 @@
           </a:p>
           <a:p>
             <a:r>
-              <a:rPr lang="ja-JP" altLang="en-US">
+              <a:rPr lang="ja-JP" altLang="en-US" dirty="0">
                 <a:latin typeface="Calibri"/>
                 <a:ea typeface="游ゴシック"/>
                 <a:cs typeface="Calibri"/>
               </a:rPr>
               <a:t>时钟漂移：计算机中的石英钟不够准确，速度时快时慢。</a:t>
             </a:r>
-            <a:endParaRPr lang="ja-JP" altLang="en-US" dirty="0">
-              <a:latin typeface="Calibri"/>
-              <a:ea typeface="游ゴシック"/>
-              <a:cs typeface="Calibri"/>
-            </a:endParaRPr>
           </a:p>
         </p:txBody>
       </p:sp>
@@ -1322,30 +1316,42 @@
           <a:lstStyle/>
           <a:p>
             <a:r>
-              <a:rPr lang="en-US" altLang="zh-CN">
+              <a:rPr lang="en-US" altLang="zh-CN" dirty="0" err="1">
                 <a:ea typeface="等线"/>
               </a:rPr>
-              <a:t>到目前为止，我们发现：</a:t>
-            </a:r>
-          </a:p>
-          <a:p>
-            <a:r>
-              <a:rPr lang="ja-JP" altLang="en-US">
+              <a:t>到目前为止，我们发现</a:t>
+            </a:r>
+            <a:r>
+              <a:rPr lang="en-US" altLang="zh-CN" dirty="0">
+                <a:ea typeface="等线"/>
+              </a:rPr>
+              <a:t>：</a:t>
+            </a:r>
+          </a:p>
+          <a:p>
+            <a:r>
+              <a:rPr lang="ja-JP" altLang="en-US" dirty="0">
                 <a:ea typeface="游ゴシック"/>
               </a:rPr>
               <a:t>但是作为技术人员，我们应该以严谨的态度认真对待所有可能的情况</a:t>
             </a:r>
             <a:r>
-              <a:rPr lang="en-US"/>
+              <a:rPr lang="en-US" dirty="0"/>
               <a:t>，</a:t>
+            </a:r>
+            <a:r>
+              <a:rPr lang="ja-JP" altLang="en-US" dirty="0">
+                <a:ea typeface="等线"/>
+              </a:rPr>
+              <a:t>就像墨菲定律所</a:t>
             </a:r>
             <a:r>
               <a:rPr lang="ja-JP" altLang="en-US">
                 <a:ea typeface="等线"/>
               </a:rPr>
-              <a:t>就像墨菲定律所说：</a:t>
-            </a:r>
-            <a:endParaRPr lang="en-US">
+              <a:t>说：</a:t>
+            </a:r>
+            <a:endParaRPr lang="en-US" dirty="0">
               <a:ea typeface="等线"/>
             </a:endParaRPr>
           </a:p>
@@ -2024,7 +2030,7 @@
           <a:p>
             <a:fld id="{B29B0859-3CF9-4522-8BD4-7CFA1BC8768C}" type="slidenum">
               <a:rPr lang="zh-CN" altLang="en-US" smtClean="0"/>
-              <a:t>19</a:t>
+              <a:t>20</a:t>
             </a:fld>
             <a:endParaRPr lang="zh-CN" altLang="en-US"/>
           </a:p>
@@ -2247,7 +2253,7 @@
           <a:p>
             <a:fld id="{B29B0859-3CF9-4522-8BD4-7CFA1BC8768C}" type="slidenum">
               <a:rPr lang="zh-CN" altLang="en-US" smtClean="0"/>
-              <a:t>20</a:t>
+              <a:t>21</a:t>
             </a:fld>
             <a:endParaRPr lang="zh-CN" altLang="en-US"/>
           </a:p>
@@ -2562,7 +2568,7 @@
           <a:p>
             <a:fld id="{B29B0859-3CF9-4522-8BD4-7CFA1BC8768C}" type="slidenum">
               <a:rPr lang="zh-CN" altLang="en-US" smtClean="0"/>
-              <a:t>21</a:t>
+              <a:t>22</a:t>
             </a:fld>
             <a:endParaRPr lang="zh-CN" altLang="en-US"/>
           </a:p>
@@ -2626,7 +2632,7 @@
           <a:lstStyle/>
           <a:p>
             <a:r>
-              <a:rPr lang="ja-JP" altLang="en-US">
+              <a:rPr lang="ja-JP" altLang="en-US" dirty="0">
                 <a:latin typeface="Calibri"/>
                 <a:ea typeface="游ゴシック"/>
                 <a:cs typeface="Calibri"/>
@@ -2636,7 +2642,7 @@
           </a:p>
           <a:p>
             <a:r>
-              <a:rPr lang="ja-JP" altLang="en-US">
+              <a:rPr lang="ja-JP" altLang="en-US" dirty="0">
                 <a:latin typeface="Calibri"/>
                 <a:ea typeface="游ゴシック"/>
                 <a:cs typeface="Calibri"/>
@@ -2663,7 +2669,7 @@
           <a:p>
             <a:fld id="{B29B0859-3CF9-4522-8BD4-7CFA1BC8768C}" type="slidenum">
               <a:rPr lang="zh-CN" altLang="en-US" smtClean="0"/>
-              <a:t>22</a:t>
+              <a:t>23</a:t>
             </a:fld>
             <a:endParaRPr lang="zh-CN" altLang="en-US"/>
           </a:p>
@@ -2727,18 +2733,13 @@
           <a:lstStyle/>
           <a:p>
             <a:r>
-              <a:rPr lang="ja-JP" altLang="en-US">
+              <a:rPr lang="ja-JP" altLang="en-US" dirty="0">
                 <a:latin typeface="Calibri"/>
                 <a:ea typeface="游ゴシック"/>
                 <a:cs typeface="Calibri"/>
               </a:rPr>
               <a:t>接下来聊一聊具体的工程实践：ZooKeeper</a:t>
             </a:r>
-            <a:endParaRPr lang="ja-JP" altLang="en-US" dirty="0">
-              <a:latin typeface="Calibri"/>
-              <a:ea typeface="游ゴシック"/>
-              <a:cs typeface="Calibri"/>
-            </a:endParaRPr>
           </a:p>
         </p:txBody>
       </p:sp>
@@ -2759,7 +2760,7 @@
           <a:p>
             <a:fld id="{B29B0859-3CF9-4522-8BD4-7CFA1BC8768C}" type="slidenum">
               <a:rPr lang="zh-CN" altLang="en-US" smtClean="0"/>
-              <a:t>23</a:t>
+              <a:t>24</a:t>
             </a:fld>
             <a:endParaRPr lang="zh-CN" altLang="en-US"/>
           </a:p>
@@ -3020,7 +3021,7 @@
           <a:p>
             <a:fld id="{B29B0859-3CF9-4522-8BD4-7CFA1BC8768C}" type="slidenum">
               <a:rPr lang="zh-CN" altLang="en-US" smtClean="0"/>
-              <a:t>24</a:t>
+              <a:t>25</a:t>
             </a:fld>
             <a:endParaRPr lang="zh-CN" altLang="en-US"/>
           </a:p>
@@ -3248,7 +3249,7 @@
           <a:p>
             <a:fld id="{B29B0859-3CF9-4522-8BD4-7CFA1BC8768C}" type="slidenum">
               <a:rPr lang="zh-CN" altLang="en-US" smtClean="0"/>
-              <a:t>25</a:t>
+              <a:t>26</a:t>
             </a:fld>
             <a:endParaRPr lang="zh-CN" altLang="en-US"/>
           </a:p>
@@ -3374,7 +3375,7 @@
           <a:p>
             <a:fld id="{B29B0859-3CF9-4522-8BD4-7CFA1BC8768C}" type="slidenum">
               <a:rPr lang="zh-CN" altLang="en-US" smtClean="0"/>
-              <a:t>26</a:t>
+              <a:t>27</a:t>
             </a:fld>
             <a:endParaRPr lang="zh-CN" altLang="en-US"/>
           </a:p>
@@ -3491,7 +3492,7 @@
           <a:p>
             <a:fld id="{B29B0859-3CF9-4522-8BD4-7CFA1BC8768C}" type="slidenum">
               <a:rPr lang="zh-CN" altLang="en-US" smtClean="0"/>
-              <a:t>27</a:t>
+              <a:t>28</a:t>
             </a:fld>
             <a:endParaRPr lang="zh-CN" altLang="en-US"/>
           </a:p>
@@ -3607,7 +3608,7 @@
           <a:p>
             <a:fld id="{B29B0859-3CF9-4522-8BD4-7CFA1BC8768C}" type="slidenum">
               <a:rPr lang="zh-CN" altLang="en-US" smtClean="0"/>
-              <a:t>28</a:t>
+              <a:t>29</a:t>
             </a:fld>
             <a:endParaRPr lang="zh-CN" altLang="en-US"/>
           </a:p>
@@ -3750,7 +3751,7 @@
           <a:p>
             <a:fld id="{B29B0859-3CF9-4522-8BD4-7CFA1BC8768C}" type="slidenum">
               <a:rPr lang="zh-CN" altLang="en-US" smtClean="0"/>
-              <a:t>29</a:t>
+              <a:t>30</a:t>
             </a:fld>
             <a:endParaRPr lang="zh-CN" altLang="en-US"/>
           </a:p>
@@ -3988,7 +3989,7 @@
           <a:p>
             <a:fld id="{B29B0859-3CF9-4522-8BD4-7CFA1BC8768C}" type="slidenum">
               <a:rPr lang="zh-CN" altLang="en-US" smtClean="0"/>
-              <a:t>30</a:t>
+              <a:t>31</a:t>
             </a:fld>
             <a:endParaRPr lang="zh-CN" altLang="en-US"/>
           </a:p>
@@ -3998,6 +3999,193 @@
     <p:extLst>
       <p:ext uri="{BB962C8B-B14F-4D97-AF65-F5344CB8AC3E}">
         <p14:creationId xmlns:p14="http://schemas.microsoft.com/office/powerpoint/2010/main" val="3947050328"/>
+      </p:ext>
+    </p:extLst>
+  </p:cSld>
+  <p:clrMapOvr>
+    <a:masterClrMapping/>
+  </p:clrMapOvr>
+</p:notes>
+</file>
+
+<file path=ppt/notesSlides/notesSlide31.xml><?xml version="1.0" encoding="utf-8"?>
+<p:notes xmlns:a="http://schemas.openxmlformats.org/drawingml/2006/main" xmlns:r="http://schemas.openxmlformats.org/officeDocument/2006/relationships" xmlns:p="http://schemas.openxmlformats.org/presentationml/2006/main">
+  <p:cSld>
+    <p:spTree>
+      <p:nvGrpSpPr>
+        <p:cNvPr id="1" name=""/>
+        <p:cNvGrpSpPr/>
+        <p:nvPr/>
+      </p:nvGrpSpPr>
+      <p:grpSpPr>
+        <a:xfrm>
+          <a:off x="0" y="0"/>
+          <a:ext cx="0" cy="0"/>
+          <a:chOff x="0" y="0"/>
+          <a:chExt cx="0" cy="0"/>
+        </a:xfrm>
+      </p:grpSpPr>
+      <p:sp>
+        <p:nvSpPr>
+          <p:cNvPr id="2" name="幻灯片图像占位符 1"/>
+          <p:cNvSpPr>
+            <a:spLocks noGrp="1" noRot="1" noChangeAspect="1"/>
+          </p:cNvSpPr>
+          <p:nvPr>
+            <p:ph type="sldImg"/>
+          </p:nvPr>
+        </p:nvSpPr>
+        <p:spPr/>
+      </p:sp>
+      <p:sp>
+        <p:nvSpPr>
+          <p:cNvPr id="3" name="备注占位符 2"/>
+          <p:cNvSpPr>
+            <a:spLocks noGrp="1"/>
+          </p:cNvSpPr>
+          <p:nvPr>
+            <p:ph type="body" idx="1"/>
+          </p:nvPr>
+        </p:nvSpPr>
+        <p:spPr/>
+        <p:txBody>
+          <a:bodyPr/>
+          <a:lstStyle/>
+          <a:p>
+            <a:endParaRPr lang="zh-CN" altLang="en-US" dirty="0"/>
+          </a:p>
+        </p:txBody>
+      </p:sp>
+      <p:sp>
+        <p:nvSpPr>
+          <p:cNvPr id="4" name="灯片编号占位符 3"/>
+          <p:cNvSpPr>
+            <a:spLocks noGrp="1"/>
+          </p:cNvSpPr>
+          <p:nvPr>
+            <p:ph type="sldNum" sz="quarter" idx="10"/>
+          </p:nvPr>
+        </p:nvSpPr>
+        <p:spPr/>
+        <p:txBody>
+          <a:bodyPr/>
+          <a:lstStyle/>
+          <a:p>
+            <a:fld id="{B29B0859-3CF9-4522-8BD4-7CFA1BC8768C}" type="slidenum">
+              <a:rPr lang="zh-CN" altLang="en-US" smtClean="0"/>
+              <a:t>36</a:t>
+            </a:fld>
+            <a:endParaRPr lang="zh-CN" altLang="en-US"/>
+          </a:p>
+        </p:txBody>
+      </p:sp>
+    </p:spTree>
+    <p:extLst>
+      <p:ext uri="{BB962C8B-B14F-4D97-AF65-F5344CB8AC3E}">
+        <p14:creationId xmlns:p14="http://schemas.microsoft.com/office/powerpoint/2010/main" val="523135470"/>
+      </p:ext>
+    </p:extLst>
+  </p:cSld>
+  <p:clrMapOvr>
+    <a:masterClrMapping/>
+  </p:clrMapOvr>
+</p:notes>
+</file>
+
+<file path=ppt/notesSlides/notesSlide32.xml><?xml version="1.0" encoding="utf-8"?>
+<p:notes xmlns:a="http://schemas.openxmlformats.org/drawingml/2006/main" xmlns:r="http://schemas.openxmlformats.org/officeDocument/2006/relationships" xmlns:p="http://schemas.openxmlformats.org/presentationml/2006/main">
+  <p:cSld>
+    <p:spTree>
+      <p:nvGrpSpPr>
+        <p:cNvPr id="1" name=""/>
+        <p:cNvGrpSpPr/>
+        <p:nvPr/>
+      </p:nvGrpSpPr>
+      <p:grpSpPr>
+        <a:xfrm>
+          <a:off x="0" y="0"/>
+          <a:ext cx="0" cy="0"/>
+          <a:chOff x="0" y="0"/>
+          <a:chExt cx="0" cy="0"/>
+        </a:xfrm>
+      </p:grpSpPr>
+      <p:sp>
+        <p:nvSpPr>
+          <p:cNvPr id="2" name="幻灯片图像占位符 1"/>
+          <p:cNvSpPr>
+            <a:spLocks noGrp="1" noRot="1" noChangeAspect="1"/>
+          </p:cNvSpPr>
+          <p:nvPr>
+            <p:ph type="sldImg"/>
+          </p:nvPr>
+        </p:nvSpPr>
+        <p:spPr/>
+      </p:sp>
+      <p:sp>
+        <p:nvSpPr>
+          <p:cNvPr id="3" name="备注占位符 2"/>
+          <p:cNvSpPr>
+            <a:spLocks noGrp="1"/>
+          </p:cNvSpPr>
+          <p:nvPr>
+            <p:ph type="body" idx="1"/>
+          </p:nvPr>
+        </p:nvSpPr>
+        <p:spPr/>
+        <p:txBody>
+          <a:bodyPr/>
+          <a:lstStyle/>
+          <a:p>
+            <a:pPr marL="0" marR="0" indent="0" algn="l" defTabSz="914400" rtl="0" eaLnBrk="1" fontAlgn="auto" latinLnBrk="0" hangingPunct="1">
+              <a:lnSpc>
+                <a:spcPct val="100000"/>
+              </a:lnSpc>
+              <a:spcBef>
+                <a:spcPts val="0"/>
+              </a:spcBef>
+              <a:spcAft>
+                <a:spcPts val="0"/>
+              </a:spcAft>
+              <a:buClrTx/>
+              <a:buSzTx/>
+              <a:buFontTx/>
+              <a:buNone/>
+              <a:tabLst/>
+              <a:defRPr/>
+            </a:pPr>
+            <a:endParaRPr lang="en-US" altLang="zh-CN" dirty="0">
+              <a:ea typeface="等线"/>
+            </a:endParaRPr>
+          </a:p>
+        </p:txBody>
+      </p:sp>
+      <p:sp>
+        <p:nvSpPr>
+          <p:cNvPr id="4" name="灯片编号占位符 3"/>
+          <p:cNvSpPr>
+            <a:spLocks noGrp="1"/>
+          </p:cNvSpPr>
+          <p:nvPr>
+            <p:ph type="sldNum" sz="quarter" idx="10"/>
+          </p:nvPr>
+        </p:nvSpPr>
+        <p:spPr/>
+        <p:txBody>
+          <a:bodyPr/>
+          <a:lstStyle/>
+          <a:p>
+            <a:fld id="{B29B0859-3CF9-4522-8BD4-7CFA1BC8768C}" type="slidenum">
+              <a:rPr lang="zh-CN" altLang="en-US" smtClean="0"/>
+              <a:t>37</a:t>
+            </a:fld>
+            <a:endParaRPr lang="zh-CN" altLang="en-US"/>
+          </a:p>
+        </p:txBody>
+      </p:sp>
+    </p:spTree>
+    <p:extLst>
+      <p:ext uri="{BB962C8B-B14F-4D97-AF65-F5344CB8AC3E}">
+        <p14:creationId xmlns:p14="http://schemas.microsoft.com/office/powerpoint/2010/main" val="1519632308"/>
       </p:ext>
     </p:extLst>
   </p:cSld>
@@ -8029,7 +8217,7 @@
         </p:nvSpPr>
         <p:spPr>
           <a:xfrm>
-            <a:off x="816921" y="2411483"/>
+            <a:off x="816922" y="1970809"/>
             <a:ext cx="10638765" cy="1323439"/>
           </a:xfrm>
           <a:prstGeom prst="rect">
@@ -8140,7 +8328,7 @@
         </p:nvSpPr>
         <p:spPr>
           <a:xfrm>
-            <a:off x="816921" y="1197571"/>
+            <a:off x="816922" y="1208588"/>
             <a:ext cx="9890837" cy="400110"/>
           </a:xfrm>
           <a:prstGeom prst="rect">
@@ -8781,13 +8969,13 @@
           <a:lstStyle/>
           <a:p>
             <a:r>
-              <a:rPr lang="zh-CN" altLang="en-US" sz="2000">
+              <a:rPr lang="zh-CN" altLang="en-US" sz="2000" dirty="0">
                 <a:latin typeface="微软雅黑" panose="020B0503020204020204" pitchFamily="34" charset="-122"/>
                 <a:ea typeface="微软雅黑" panose="020B0503020204020204" pitchFamily="34" charset="-122"/>
               </a:rPr>
               <a:t>不可靠的网络：动态分配网络宽带的方式，请求会出现排队，响应超时等各种情况</a:t>
             </a:r>
-            <a:endParaRPr lang="en-US" altLang="zh-CN" sz="2000">
+            <a:endParaRPr lang="en-US" altLang="zh-CN" sz="2000" dirty="0">
               <a:latin typeface="微软雅黑" panose="020B0503020204020204" pitchFamily="34" charset="-122"/>
               <a:ea typeface="微软雅黑" panose="020B0503020204020204" pitchFamily="34" charset="-122"/>
             </a:endParaRPr>
@@ -9682,20 +9870,20 @@
           </a:lstStyle>
           <a:p>
             <a:r>
-              <a:rPr lang="zh-CN" altLang="en-US" sz="2000">
+              <a:rPr lang="zh-CN" altLang="en-US" sz="2000" dirty="0">
                 <a:latin typeface="微软雅黑" panose="020B0503020204020204" pitchFamily="34" charset="-122"/>
                 <a:ea typeface="微软雅黑" panose="020B0503020204020204" pitchFamily="34" charset="-122"/>
               </a:rPr>
               <a:t>如何在复杂的分布式环境下做有意义的事情呢</a:t>
             </a:r>
             <a:r>
-              <a:rPr lang="en-US" altLang="zh-CN" sz="2000">
+              <a:rPr lang="en-US" altLang="zh-CN" sz="2000" dirty="0">
                 <a:latin typeface="微软雅黑" panose="020B0503020204020204" pitchFamily="34" charset="-122"/>
                 <a:ea typeface="微软雅黑" panose="020B0503020204020204" pitchFamily="34" charset="-122"/>
               </a:rPr>
               <a:t>?</a:t>
             </a:r>
-            <a:endParaRPr lang="en-US">
+            <a:endParaRPr lang="en-US" dirty="0">
               <a:latin typeface="微软雅黑" panose="020B0503020204020204" pitchFamily="34" charset="-122"/>
               <a:ea typeface="微软雅黑" panose="020B0503020204020204" pitchFamily="34" charset="-122"/>
             </a:endParaRPr>
@@ -9825,13 +10013,13 @@
           </a:lstStyle>
           <a:p>
             <a:r>
-              <a:rPr lang="zh-CN" altLang="en-US" sz="2000">
+              <a:rPr lang="zh-CN" altLang="en-US" sz="2000" dirty="0">
                 <a:latin typeface="微软雅黑" panose="020B0503020204020204" pitchFamily="34" charset="-122"/>
                 <a:ea typeface="微软雅黑" panose="020B0503020204020204" pitchFamily="34" charset="-122"/>
               </a:rPr>
               <a:t>墨菲定律：所有可能出错的事情一定会出错。</a:t>
             </a:r>
-            <a:endParaRPr lang="en-US" altLang="zh-CN" sz="2000">
+            <a:endParaRPr lang="en-US" altLang="zh-CN" sz="2000" dirty="0">
               <a:latin typeface="微软雅黑" panose="020B0503020204020204" pitchFamily="34" charset="-122"/>
               <a:ea typeface="微软雅黑" panose="020B0503020204020204" pitchFamily="34" charset="-122"/>
             </a:endParaRPr>
@@ -9961,90 +10149,90 @@
           </a:lstStyle>
           <a:p>
             <a:r>
-              <a:rPr lang="zh-CN" sz="2000">
+              <a:rPr lang="zh-CN" sz="2000" dirty="0">
                 <a:latin typeface="微软雅黑" panose="020B0503020204020204" pitchFamily="34" charset="-122"/>
                 <a:ea typeface="微软雅黑" panose="020B0503020204020204" pitchFamily="34" charset="-122"/>
               </a:rPr>
               <a:t>多节点数据系统存在复制滞后</a:t>
             </a:r>
             <a:r>
-              <a:rPr lang="zh-CN" altLang="en-US" sz="2000">
+              <a:rPr lang="zh-CN" altLang="en-US" sz="2000" dirty="0">
                 <a:latin typeface="微软雅黑" panose="020B0503020204020204" pitchFamily="34" charset="-122"/>
                 <a:ea typeface="微软雅黑" panose="020B0503020204020204" pitchFamily="34" charset="-122"/>
               </a:rPr>
               <a:t>、</a:t>
             </a:r>
             <a:r>
-              <a:rPr lang="zh-CN" sz="2000">
+              <a:rPr lang="zh-CN" sz="2000" dirty="0">
                 <a:latin typeface="微软雅黑" panose="020B0503020204020204" pitchFamily="34" charset="-122"/>
                 <a:ea typeface="微软雅黑" panose="020B0503020204020204" pitchFamily="34" charset="-122"/>
               </a:rPr>
               <a:t>节点失效</a:t>
             </a:r>
             <a:r>
-              <a:rPr lang="zh-CN" altLang="en-US" sz="2000">
+              <a:rPr lang="zh-CN" altLang="en-US" sz="2000" dirty="0">
                 <a:latin typeface="微软雅黑" panose="020B0503020204020204" pitchFamily="34" charset="-122"/>
                 <a:ea typeface="微软雅黑" panose="020B0503020204020204" pitchFamily="34" charset="-122"/>
               </a:rPr>
               <a:t>、</a:t>
             </a:r>
             <a:r>
-              <a:rPr lang="zh-CN" sz="2000">
+              <a:rPr lang="zh-CN" sz="2000" dirty="0">
                 <a:latin typeface="微软雅黑" panose="020B0503020204020204" pitchFamily="34" charset="-122"/>
                 <a:ea typeface="微软雅黑" panose="020B0503020204020204" pitchFamily="34" charset="-122"/>
               </a:rPr>
               <a:t>脑裂</a:t>
             </a:r>
             <a:r>
-              <a:rPr lang="zh-CN" altLang="en-US" sz="2000">
+              <a:rPr lang="zh-CN" altLang="en-US" sz="2000" dirty="0">
                 <a:latin typeface="微软雅黑" panose="020B0503020204020204" pitchFamily="34" charset="-122"/>
                 <a:ea typeface="微软雅黑" panose="020B0503020204020204" pitchFamily="34" charset="-122"/>
               </a:rPr>
               <a:t>、</a:t>
             </a:r>
             <a:r>
-              <a:rPr lang="zh-CN" sz="2000">
+              <a:rPr lang="zh-CN" sz="2000" dirty="0">
                 <a:latin typeface="微软雅黑" panose="020B0503020204020204" pitchFamily="34" charset="-122"/>
                 <a:ea typeface="微软雅黑" panose="020B0503020204020204" pitchFamily="34" charset="-122"/>
               </a:rPr>
               <a:t>网</a:t>
             </a:r>
             <a:r>
-              <a:rPr lang="zh-CN" altLang="en-US" sz="2000">
+              <a:rPr lang="zh-CN" altLang="en-US" sz="2000" dirty="0">
                 <a:latin typeface="微软雅黑" panose="020B0503020204020204" pitchFamily="34" charset="-122"/>
                 <a:ea typeface="微软雅黑" panose="020B0503020204020204" pitchFamily="34" charset="-122"/>
               </a:rPr>
               <a:t>络、</a:t>
             </a:r>
             <a:r>
-              <a:rPr lang="zh-CN" sz="2000">
+              <a:rPr lang="zh-CN" sz="2000" dirty="0">
                 <a:latin typeface="微软雅黑" panose="020B0503020204020204" pitchFamily="34" charset="-122"/>
                 <a:ea typeface="微软雅黑" panose="020B0503020204020204" pitchFamily="34" charset="-122"/>
               </a:rPr>
               <a:t>时钟</a:t>
             </a:r>
             <a:r>
-              <a:rPr lang="zh-CN" altLang="en-US" sz="2000">
+              <a:rPr lang="zh-CN" altLang="en-US" sz="2000" dirty="0">
                 <a:latin typeface="微软雅黑" panose="020B0503020204020204" pitchFamily="34" charset="-122"/>
                 <a:ea typeface="微软雅黑" panose="020B0503020204020204" pitchFamily="34" charset="-122"/>
               </a:rPr>
               <a:t>、</a:t>
             </a:r>
             <a:r>
-              <a:rPr lang="zh-CN" sz="2000">
+              <a:rPr lang="zh-CN" sz="2000" dirty="0">
                 <a:latin typeface="微软雅黑" panose="020B0503020204020204" pitchFamily="34" charset="-122"/>
                 <a:ea typeface="微软雅黑" panose="020B0503020204020204" pitchFamily="34" charset="-122"/>
               </a:rPr>
               <a:t>拜占庭故障等诸多问</a:t>
             </a:r>
             <a:r>
-              <a:rPr lang="zh-CN" altLang="en-US" sz="2000">
+              <a:rPr lang="zh-CN" altLang="en-US" sz="2000" dirty="0">
                 <a:latin typeface="微软雅黑" panose="020B0503020204020204" pitchFamily="34" charset="-122"/>
                 <a:ea typeface="微软雅黑" panose="020B0503020204020204" pitchFamily="34" charset="-122"/>
               </a:rPr>
               <a:t>题。</a:t>
             </a:r>
-            <a:endParaRPr lang="en-US">
+            <a:endParaRPr lang="en-US" dirty="0">
               <a:latin typeface="微软雅黑" panose="020B0503020204020204" pitchFamily="34" charset="-122"/>
               <a:ea typeface="微软雅黑" panose="020B0503020204020204" pitchFamily="34" charset="-122"/>
             </a:endParaRPr>
@@ -11558,8 +11746,8 @@
         </p:nvSpPr>
         <p:spPr>
           <a:xfrm>
-            <a:off x="827249" y="629104"/>
-            <a:ext cx="10319481" cy="400110"/>
+            <a:off x="4272270" y="2864304"/>
+            <a:ext cx="3439538" cy="400110"/>
           </a:xfrm>
           <a:prstGeom prst="rect">
             <a:avLst/>
@@ -11573,32 +11761,11 @@
           <a:lstStyle/>
           <a:p>
             <a:r>
-              <a:rPr lang="en-US" altLang="zh-CN" sz="2000" dirty="0">
-                <a:latin typeface="微软雅黑" panose="020B0503020204020204" pitchFamily="34" charset="-122"/>
-                <a:ea typeface="微软雅黑" panose="020B0503020204020204" pitchFamily="34" charset="-122"/>
-              </a:rPr>
-              <a:t>two-phase commit - 2PC</a:t>
-            </a:r>
-            <a:r>
               <a:rPr lang="zh-CN" altLang="en-US" sz="2000" dirty="0">
                 <a:latin typeface="微软雅黑" panose="020B0503020204020204" pitchFamily="34" charset="-122"/>
                 <a:ea typeface="微软雅黑" panose="020B0503020204020204" pitchFamily="34" charset="-122"/>
               </a:rPr>
-              <a:t> </a:t>
-            </a:r>
-            <a:r>
-              <a:rPr lang="en-US" altLang="zh-CN" sz="2000" dirty="0">
-                <a:latin typeface="微软雅黑" panose="020B0503020204020204" pitchFamily="34" charset="-122"/>
-                <a:ea typeface="微软雅黑" panose="020B0503020204020204" pitchFamily="34" charset="-122"/>
-              </a:rPr>
-              <a:t>- </a:t>
-            </a:r>
-            <a:r>
-              <a:rPr lang="zh-CN" altLang="en-US" sz="2000" dirty="0">
-                <a:latin typeface="微软雅黑" panose="020B0503020204020204" pitchFamily="34" charset="-122"/>
-                <a:ea typeface="微软雅黑" panose="020B0503020204020204" pitchFamily="34" charset="-122"/>
-              </a:rPr>
-              <a:t>两阶段提交</a:t>
+              <a:t>如何实现共识呢？</a:t>
             </a:r>
             <a:endParaRPr lang="en-US" altLang="zh-CN" sz="2000" dirty="0">
               <a:latin typeface="微软雅黑" panose="020B0503020204020204" pitchFamily="34" charset="-122"/>
@@ -11607,525 +11774,10 @@
           </a:p>
         </p:txBody>
       </p:sp>
-      <p:sp>
-        <p:nvSpPr>
-          <p:cNvPr id="5" name="矩形 4"/>
-          <p:cNvSpPr/>
-          <p:nvPr/>
-        </p:nvSpPr>
-        <p:spPr>
-          <a:xfrm>
-            <a:off x="827249" y="1687691"/>
-            <a:ext cx="9277855" cy="2048858"/>
-          </a:xfrm>
-          <a:prstGeom prst="rect">
-            <a:avLst/>
-          </a:prstGeom>
-          <a:noFill/>
-          <a:ln>
-            <a:prstDash val="sysDot"/>
-          </a:ln>
-        </p:spPr>
-        <p:style>
-          <a:lnRef idx="2">
-            <a:schemeClr val="accent1">
-              <a:shade val="50000"/>
-            </a:schemeClr>
-          </a:lnRef>
-          <a:fillRef idx="1">
-            <a:schemeClr val="accent1"/>
-          </a:fillRef>
-          <a:effectRef idx="0">
-            <a:schemeClr val="accent1"/>
-          </a:effectRef>
-          <a:fontRef idx="minor">
-            <a:schemeClr val="lt1"/>
-          </a:fontRef>
-        </p:style>
-        <p:txBody>
-          <a:bodyPr rtlCol="0" anchor="ctr"/>
-          <a:lstStyle/>
-          <a:p>
-            <a:pPr algn="ctr"/>
-            <a:endParaRPr lang="zh-CN" altLang="en-US"/>
-          </a:p>
-        </p:txBody>
-      </p:sp>
-      <p:cxnSp>
-        <p:nvCxnSpPr>
-          <p:cNvPr id="6" name="直接连接符 5"/>
-          <p:cNvCxnSpPr/>
-          <p:nvPr/>
-        </p:nvCxnSpPr>
-        <p:spPr>
-          <a:xfrm>
-            <a:off x="2089664" y="2112687"/>
-            <a:ext cx="7362908" cy="0"/>
-          </a:xfrm>
-          <a:prstGeom prst="line">
-            <a:avLst/>
-          </a:prstGeom>
-          <a:ln w="9525">
-            <a:solidFill>
-              <a:schemeClr val="tx1"/>
-            </a:solidFill>
-            <a:prstDash val="lgDash"/>
-            <a:headEnd type="none" w="med" len="med"/>
-            <a:tailEnd type="triangle" w="med" len="med"/>
-          </a:ln>
-        </p:spPr>
-        <p:style>
-          <a:lnRef idx="1">
-            <a:schemeClr val="accent1"/>
-          </a:lnRef>
-          <a:fillRef idx="0">
-            <a:schemeClr val="accent1"/>
-          </a:fillRef>
-          <a:effectRef idx="0">
-            <a:schemeClr val="accent1"/>
-          </a:effectRef>
-          <a:fontRef idx="minor">
-            <a:schemeClr val="tx1"/>
-          </a:fontRef>
-        </p:style>
-      </p:cxnSp>
-      <p:cxnSp>
-        <p:nvCxnSpPr>
-          <p:cNvPr id="7" name="直接连接符 6"/>
-          <p:cNvCxnSpPr/>
-          <p:nvPr/>
-        </p:nvCxnSpPr>
-        <p:spPr>
-          <a:xfrm>
-            <a:off x="2089664" y="2756742"/>
-            <a:ext cx="7362908" cy="0"/>
-          </a:xfrm>
-          <a:prstGeom prst="line">
-            <a:avLst/>
-          </a:prstGeom>
-          <a:ln w="9525">
-            <a:solidFill>
-              <a:schemeClr val="tx1"/>
-            </a:solidFill>
-            <a:prstDash val="lgDash"/>
-            <a:headEnd type="none" w="med" len="med"/>
-            <a:tailEnd type="triangle" w="med" len="med"/>
-          </a:ln>
-        </p:spPr>
-        <p:style>
-          <a:lnRef idx="1">
-            <a:schemeClr val="accent1"/>
-          </a:lnRef>
-          <a:fillRef idx="0">
-            <a:schemeClr val="accent1"/>
-          </a:fillRef>
-          <a:effectRef idx="0">
-            <a:schemeClr val="accent1"/>
-          </a:effectRef>
-          <a:fontRef idx="minor">
-            <a:schemeClr val="tx1"/>
-          </a:fontRef>
-        </p:style>
-      </p:cxnSp>
-      <p:cxnSp>
-        <p:nvCxnSpPr>
-          <p:cNvPr id="8" name="直接连接符 7"/>
-          <p:cNvCxnSpPr/>
-          <p:nvPr/>
-        </p:nvCxnSpPr>
-        <p:spPr>
-          <a:xfrm>
-            <a:off x="2089664" y="3359790"/>
-            <a:ext cx="7362908" cy="0"/>
-          </a:xfrm>
-          <a:prstGeom prst="line">
-            <a:avLst/>
-          </a:prstGeom>
-          <a:ln w="9525">
-            <a:solidFill>
-              <a:schemeClr val="tx1"/>
-            </a:solidFill>
-            <a:prstDash val="lgDash"/>
-            <a:headEnd type="none" w="med" len="med"/>
-            <a:tailEnd type="triangle" w="med" len="med"/>
-          </a:ln>
-        </p:spPr>
-        <p:style>
-          <a:lnRef idx="1">
-            <a:schemeClr val="accent1"/>
-          </a:lnRef>
-          <a:fillRef idx="0">
-            <a:schemeClr val="accent1"/>
-          </a:fillRef>
-          <a:effectRef idx="0">
-            <a:schemeClr val="accent1"/>
-          </a:effectRef>
-          <a:fontRef idx="minor">
-            <a:schemeClr val="tx1"/>
-          </a:fontRef>
-        </p:style>
-      </p:cxnSp>
-      <p:cxnSp>
-        <p:nvCxnSpPr>
-          <p:cNvPr id="9" name="直接连接符 8"/>
-          <p:cNvCxnSpPr/>
-          <p:nvPr/>
-        </p:nvCxnSpPr>
-        <p:spPr>
-          <a:xfrm>
-            <a:off x="3624266" y="2112687"/>
-            <a:ext cx="3617843" cy="0"/>
-          </a:xfrm>
-          <a:prstGeom prst="line">
-            <a:avLst/>
-          </a:prstGeom>
-          <a:ln w="12700">
-            <a:solidFill>
-              <a:schemeClr val="tx1"/>
-            </a:solidFill>
-          </a:ln>
-        </p:spPr>
-        <p:style>
-          <a:lnRef idx="1">
-            <a:schemeClr val="accent1"/>
-          </a:lnRef>
-          <a:fillRef idx="0">
-            <a:schemeClr val="accent1"/>
-          </a:fillRef>
-          <a:effectRef idx="0">
-            <a:schemeClr val="accent1"/>
-          </a:effectRef>
-          <a:fontRef idx="minor">
-            <a:schemeClr val="tx1"/>
-          </a:fontRef>
-        </p:style>
-      </p:cxnSp>
-      <p:cxnSp>
-        <p:nvCxnSpPr>
-          <p:cNvPr id="10" name="直接箭头连接符 9"/>
-          <p:cNvCxnSpPr/>
-          <p:nvPr/>
-        </p:nvCxnSpPr>
-        <p:spPr>
-          <a:xfrm>
-            <a:off x="3692215" y="2123171"/>
-            <a:ext cx="588396" cy="644056"/>
-          </a:xfrm>
-          <a:prstGeom prst="straightConnector1">
-            <a:avLst/>
-          </a:prstGeom>
-          <a:ln w="12700">
-            <a:solidFill>
-              <a:schemeClr val="tx1"/>
-            </a:solidFill>
-            <a:headEnd type="none" w="med" len="med"/>
-            <a:tailEnd type="triangle" w="med" len="med"/>
-          </a:ln>
-        </p:spPr>
-        <p:style>
-          <a:lnRef idx="1">
-            <a:schemeClr val="accent1"/>
-          </a:lnRef>
-          <a:fillRef idx="0">
-            <a:schemeClr val="accent1"/>
-          </a:fillRef>
-          <a:effectRef idx="0">
-            <a:schemeClr val="accent1"/>
-          </a:effectRef>
-          <a:fontRef idx="minor">
-            <a:schemeClr val="tx1"/>
-          </a:fontRef>
-        </p:style>
-      </p:cxnSp>
-      <p:cxnSp>
-        <p:nvCxnSpPr>
-          <p:cNvPr id="11" name="直接连接符 10"/>
-          <p:cNvCxnSpPr/>
-          <p:nvPr/>
-        </p:nvCxnSpPr>
-        <p:spPr>
-          <a:xfrm>
-            <a:off x="4280611" y="2756741"/>
-            <a:ext cx="1953339" cy="0"/>
-          </a:xfrm>
-          <a:prstGeom prst="line">
-            <a:avLst/>
-          </a:prstGeom>
-          <a:ln w="12700">
-            <a:solidFill>
-              <a:schemeClr val="tx1"/>
-            </a:solidFill>
-          </a:ln>
-        </p:spPr>
-        <p:style>
-          <a:lnRef idx="1">
-            <a:schemeClr val="accent1"/>
-          </a:lnRef>
-          <a:fillRef idx="0">
-            <a:schemeClr val="accent1"/>
-          </a:fillRef>
-          <a:effectRef idx="0">
-            <a:schemeClr val="accent1"/>
-          </a:effectRef>
-          <a:fontRef idx="minor">
-            <a:schemeClr val="tx1"/>
-          </a:fontRef>
-        </p:style>
-      </p:cxnSp>
-      <p:cxnSp>
-        <p:nvCxnSpPr>
-          <p:cNvPr id="12" name="直接箭头连接符 11"/>
-          <p:cNvCxnSpPr/>
-          <p:nvPr/>
-        </p:nvCxnSpPr>
-        <p:spPr>
-          <a:xfrm flipV="1">
-            <a:off x="6233950" y="2111362"/>
-            <a:ext cx="516466" cy="645380"/>
-          </a:xfrm>
-          <a:prstGeom prst="straightConnector1">
-            <a:avLst/>
-          </a:prstGeom>
-          <a:ln w="12700">
-            <a:solidFill>
-              <a:schemeClr val="tx1"/>
-            </a:solidFill>
-            <a:headEnd type="none" w="med" len="med"/>
-            <a:tailEnd type="triangle" w="med" len="med"/>
-          </a:ln>
-        </p:spPr>
-        <p:style>
-          <a:lnRef idx="1">
-            <a:schemeClr val="accent1"/>
-          </a:lnRef>
-          <a:fillRef idx="0">
-            <a:schemeClr val="accent1"/>
-          </a:fillRef>
-          <a:effectRef idx="0">
-            <a:schemeClr val="accent1"/>
-          </a:effectRef>
-          <a:fontRef idx="minor">
-            <a:schemeClr val="tx1"/>
-          </a:fontRef>
-        </p:style>
-      </p:cxnSp>
-      <p:cxnSp>
-        <p:nvCxnSpPr>
-          <p:cNvPr id="13" name="直接箭头连接符 12"/>
-          <p:cNvCxnSpPr/>
-          <p:nvPr/>
-        </p:nvCxnSpPr>
-        <p:spPr>
-          <a:xfrm>
-            <a:off x="4599920" y="2768272"/>
-            <a:ext cx="570290" cy="588255"/>
-          </a:xfrm>
-          <a:prstGeom prst="straightConnector1">
-            <a:avLst/>
-          </a:prstGeom>
-          <a:ln w="12700">
-            <a:solidFill>
-              <a:schemeClr val="tx1"/>
-            </a:solidFill>
-            <a:headEnd type="none" w="med" len="med"/>
-            <a:tailEnd type="triangle" w="med" len="med"/>
-          </a:ln>
-        </p:spPr>
-        <p:style>
-          <a:lnRef idx="1">
-            <a:schemeClr val="accent1"/>
-          </a:lnRef>
-          <a:fillRef idx="0">
-            <a:schemeClr val="accent1"/>
-          </a:fillRef>
-          <a:effectRef idx="0">
-            <a:schemeClr val="accent1"/>
-          </a:effectRef>
-          <a:fontRef idx="minor">
-            <a:schemeClr val="tx1"/>
-          </a:fontRef>
-        </p:style>
-      </p:cxnSp>
-      <p:cxnSp>
-        <p:nvCxnSpPr>
-          <p:cNvPr id="14" name="直接连接符 13"/>
-          <p:cNvCxnSpPr/>
-          <p:nvPr/>
-        </p:nvCxnSpPr>
-        <p:spPr>
-          <a:xfrm>
-            <a:off x="5170210" y="3360938"/>
-            <a:ext cx="325967" cy="1"/>
-          </a:xfrm>
-          <a:prstGeom prst="line">
-            <a:avLst/>
-          </a:prstGeom>
-          <a:ln w="12700">
-            <a:solidFill>
-              <a:schemeClr val="tx1"/>
-            </a:solidFill>
-          </a:ln>
-        </p:spPr>
-        <p:style>
-          <a:lnRef idx="1">
-            <a:schemeClr val="accent1"/>
-          </a:lnRef>
-          <a:fillRef idx="0">
-            <a:schemeClr val="accent1"/>
-          </a:fillRef>
-          <a:effectRef idx="0">
-            <a:schemeClr val="accent1"/>
-          </a:effectRef>
-          <a:fontRef idx="minor">
-            <a:schemeClr val="tx1"/>
-          </a:fontRef>
-        </p:style>
-      </p:cxnSp>
-      <p:cxnSp>
-        <p:nvCxnSpPr>
-          <p:cNvPr id="15" name="直接箭头连接符 14"/>
-          <p:cNvCxnSpPr/>
-          <p:nvPr/>
-        </p:nvCxnSpPr>
-        <p:spPr>
-          <a:xfrm flipV="1">
-            <a:off x="5496177" y="2752509"/>
-            <a:ext cx="488421" cy="610545"/>
-          </a:xfrm>
-          <a:prstGeom prst="straightConnector1">
-            <a:avLst/>
-          </a:prstGeom>
-          <a:ln w="12700">
-            <a:solidFill>
-              <a:schemeClr val="tx1"/>
-            </a:solidFill>
-            <a:headEnd type="none" w="med" len="med"/>
-            <a:tailEnd type="triangle" w="med" len="med"/>
-          </a:ln>
-        </p:spPr>
-        <p:style>
-          <a:lnRef idx="1">
-            <a:schemeClr val="accent1"/>
-          </a:lnRef>
-          <a:fillRef idx="0">
-            <a:schemeClr val="accent1"/>
-          </a:fillRef>
-          <a:effectRef idx="0">
-            <a:schemeClr val="accent1"/>
-          </a:effectRef>
-          <a:fontRef idx="minor">
-            <a:schemeClr val="tx1"/>
-          </a:fontRef>
-        </p:style>
-      </p:cxnSp>
-      <p:sp>
-        <p:nvSpPr>
-          <p:cNvPr id="16" name="文本框 15"/>
-          <p:cNvSpPr txBox="1"/>
-          <p:nvPr/>
-        </p:nvSpPr>
-        <p:spPr>
-          <a:xfrm>
-            <a:off x="824857" y="4604793"/>
-            <a:ext cx="10319481" cy="1015663"/>
-          </a:xfrm>
-          <a:prstGeom prst="rect">
-            <a:avLst/>
-          </a:prstGeom>
-          <a:noFill/>
-        </p:spPr>
-        <p:txBody>
-          <a:bodyPr wrap="square" rtlCol="0">
-            <a:spAutoFit/>
-          </a:bodyPr>
-          <a:lstStyle/>
-          <a:p>
-            <a:r>
-              <a:rPr lang="zh-CN" altLang="en-US" sz="2000" dirty="0">
-                <a:latin typeface="微软雅黑" panose="020B0503020204020204" pitchFamily="34" charset="-122"/>
-                <a:ea typeface="微软雅黑" panose="020B0503020204020204" pitchFamily="34" charset="-122"/>
-              </a:rPr>
-              <a:t>核心</a:t>
-            </a:r>
-            <a:endParaRPr lang="en-US" altLang="zh-CN" sz="2000" dirty="0">
-              <a:latin typeface="微软雅黑" panose="020B0503020204020204" pitchFamily="34" charset="-122"/>
-              <a:ea typeface="微软雅黑" panose="020B0503020204020204" pitchFamily="34" charset="-122"/>
-            </a:endParaRPr>
-          </a:p>
-          <a:p>
-            <a:r>
-              <a:rPr lang="zh-CN" altLang="en-US" sz="2000" dirty="0">
-                <a:latin typeface="微软雅黑" panose="020B0503020204020204" pitchFamily="34" charset="-122"/>
-                <a:ea typeface="微软雅黑" panose="020B0503020204020204" pitchFamily="34" charset="-122"/>
-              </a:rPr>
-              <a:t>当参与者投票 </a:t>
-            </a:r>
-            <a:r>
-              <a:rPr lang="en-US" altLang="zh-CN" sz="2000" dirty="0">
-                <a:latin typeface="微软雅黑" panose="020B0503020204020204" pitchFamily="34" charset="-122"/>
-                <a:ea typeface="微软雅黑" panose="020B0503020204020204" pitchFamily="34" charset="-122"/>
-              </a:rPr>
-              <a:t>`</a:t>
-            </a:r>
-            <a:r>
-              <a:rPr lang="zh-CN" altLang="en-US" sz="2000" dirty="0">
-                <a:latin typeface="微软雅黑" panose="020B0503020204020204" pitchFamily="34" charset="-122"/>
-                <a:ea typeface="微软雅黑" panose="020B0503020204020204" pitchFamily="34" charset="-122"/>
-              </a:rPr>
-              <a:t>是</a:t>
-            </a:r>
-            <a:r>
-              <a:rPr lang="en-US" altLang="zh-CN" sz="2000" dirty="0">
-                <a:latin typeface="微软雅黑" panose="020B0503020204020204" pitchFamily="34" charset="-122"/>
-                <a:ea typeface="微软雅黑" panose="020B0503020204020204" pitchFamily="34" charset="-122"/>
-              </a:rPr>
-              <a:t>`</a:t>
-            </a:r>
-            <a:r>
-              <a:rPr lang="zh-CN" altLang="en-US" sz="2000" dirty="0">
-                <a:latin typeface="微软雅黑" panose="020B0503020204020204" pitchFamily="34" charset="-122"/>
-                <a:ea typeface="微软雅黑" panose="020B0503020204020204" pitchFamily="34" charset="-122"/>
-              </a:rPr>
-              <a:t>，</a:t>
-            </a:r>
-            <a:r>
-              <a:rPr lang="en-US" altLang="zh-CN" sz="2000" dirty="0">
-                <a:latin typeface="微软雅黑" panose="020B0503020204020204" pitchFamily="34" charset="-122"/>
-                <a:ea typeface="微软雅黑" panose="020B0503020204020204" pitchFamily="34" charset="-122"/>
-              </a:rPr>
-              <a:t> </a:t>
-            </a:r>
-            <a:r>
-              <a:rPr lang="zh-CN" altLang="en-US" sz="2000" dirty="0">
-                <a:latin typeface="微软雅黑" panose="020B0503020204020204" pitchFamily="34" charset="-122"/>
-                <a:ea typeface="微软雅黑" panose="020B0503020204020204" pitchFamily="34" charset="-122"/>
-              </a:rPr>
-              <a:t>做出了肯定的承诺。</a:t>
-            </a:r>
-            <a:endParaRPr lang="en-US" altLang="zh-CN" sz="2000" dirty="0">
-              <a:latin typeface="微软雅黑" panose="020B0503020204020204" pitchFamily="34" charset="-122"/>
-              <a:ea typeface="微软雅黑" panose="020B0503020204020204" pitchFamily="34" charset="-122"/>
-            </a:endParaRPr>
-          </a:p>
-          <a:p>
-            <a:r>
-              <a:rPr lang="zh-CN" altLang="en-US" sz="2000" dirty="0">
-                <a:latin typeface="微软雅黑" panose="020B0503020204020204" pitchFamily="34" charset="-122"/>
-                <a:ea typeface="微软雅黑" panose="020B0503020204020204" pitchFamily="34" charset="-122"/>
-              </a:rPr>
-              <a:t>当协调者做出决定，这个决定也是不可撤销的。</a:t>
-            </a:r>
-            <a:endParaRPr lang="en-US" altLang="zh-CN" sz="2000" dirty="0">
-              <a:latin typeface="微软雅黑" panose="020B0503020204020204" pitchFamily="34" charset="-122"/>
-              <a:ea typeface="微软雅黑" panose="020B0503020204020204" pitchFamily="34" charset="-122"/>
-            </a:endParaRPr>
-          </a:p>
-        </p:txBody>
-      </p:sp>
     </p:spTree>
     <p:extLst>
       <p:ext uri="{BB962C8B-B14F-4D97-AF65-F5344CB8AC3E}">
-        <p14:creationId xmlns:p14="http://schemas.microsoft.com/office/powerpoint/2010/main" val="1761270642"/>
+        <p14:creationId xmlns:p14="http://schemas.microsoft.com/office/powerpoint/2010/main" val="1780816814"/>
       </p:ext>
     </p:extLst>
   </p:cSld>
@@ -12216,14 +11868,14 @@
       </p:grpSpPr>
       <p:sp>
         <p:nvSpPr>
-          <p:cNvPr id="5" name="文本框 4"/>
+          <p:cNvPr id="4" name="文本框 3"/>
           <p:cNvSpPr txBox="1"/>
           <p:nvPr/>
         </p:nvSpPr>
         <p:spPr>
           <a:xfrm>
-            <a:off x="762586" y="487086"/>
-            <a:ext cx="10319481" cy="1015663"/>
+            <a:off x="827249" y="629104"/>
+            <a:ext cx="10319481" cy="400110"/>
           </a:xfrm>
           <a:prstGeom prst="rect">
             <a:avLst/>
@@ -12231,56 +11883,55 @@
           <a:noFill/>
         </p:spPr>
         <p:txBody>
-          <a:bodyPr wrap="square" rtlCol="0" anchor="t">
+          <a:bodyPr wrap="square" rtlCol="0">
             <a:spAutoFit/>
           </a:bodyPr>
           <a:lstStyle/>
           <a:p>
             <a:r>
+              <a:rPr lang="en-US" altLang="zh-CN" sz="2000" dirty="0">
+                <a:latin typeface="微软雅黑" panose="020B0503020204020204" pitchFamily="34" charset="-122"/>
+                <a:ea typeface="微软雅黑" panose="020B0503020204020204" pitchFamily="34" charset="-122"/>
+              </a:rPr>
+              <a:t>two-phase commit - 2PC</a:t>
+            </a:r>
+            <a:r>
               <a:rPr lang="zh-CN" altLang="en-US" sz="2000" dirty="0">
                 <a:latin typeface="微软雅黑" panose="020B0503020204020204" pitchFamily="34" charset="-122"/>
                 <a:ea typeface="微软雅黑" panose="020B0503020204020204" pitchFamily="34" charset="-122"/>
               </a:rPr>
-              <a:t>缺陷</a:t>
+              <a:t> </a:t>
+            </a:r>
+            <a:r>
+              <a:rPr lang="en-US" altLang="zh-CN" sz="2000" dirty="0">
+                <a:latin typeface="微软雅黑" panose="020B0503020204020204" pitchFamily="34" charset="-122"/>
+                <a:ea typeface="微软雅黑" panose="020B0503020204020204" pitchFamily="34" charset="-122"/>
+              </a:rPr>
+              <a:t>- </a:t>
+            </a:r>
+            <a:r>
+              <a:rPr lang="zh-CN" altLang="en-US" sz="2000" dirty="0">
+                <a:latin typeface="微软雅黑" panose="020B0503020204020204" pitchFamily="34" charset="-122"/>
+                <a:ea typeface="微软雅黑" panose="020B0503020204020204" pitchFamily="34" charset="-122"/>
+              </a:rPr>
+              <a:t>两阶段提交</a:t>
             </a:r>
             <a:endParaRPr lang="en-US" altLang="zh-CN" sz="2000" dirty="0">
               <a:latin typeface="微软雅黑" panose="020B0503020204020204" pitchFamily="34" charset="-122"/>
               <a:ea typeface="微软雅黑" panose="020B0503020204020204" pitchFamily="34" charset="-122"/>
             </a:endParaRPr>
           </a:p>
-          <a:p>
-            <a:r>
-              <a:rPr lang="zh-CN" altLang="en-US" sz="2000" dirty="0">
-                <a:latin typeface="微软雅黑" panose="020B0503020204020204" pitchFamily="34" charset="-122"/>
-                <a:ea typeface="微软雅黑" panose="020B0503020204020204" pitchFamily="34" charset="-122"/>
-              </a:rPr>
-              <a:t>阻塞式原子提交：协调者发生故障，参与者只能持续等待。</a:t>
-            </a:r>
-          </a:p>
-          <a:p>
-            <a:r>
-              <a:rPr lang="zh-CN" altLang="en-US" sz="2000">
-                <a:latin typeface="微软雅黑"/>
-                <a:ea typeface="微软雅黑"/>
-              </a:rPr>
-              <a:t>任何一个节点的失败都会导致整个事务的失败。</a:t>
-            </a:r>
-            <a:endParaRPr lang="zh-CN" altLang="en-US" sz="2000" dirty="0">
-              <a:latin typeface="微软雅黑" panose="020B0503020204020204" pitchFamily="34" charset="-122"/>
-              <a:ea typeface="微软雅黑" panose="020B0503020204020204" pitchFamily="34" charset="-122"/>
-            </a:endParaRPr>
-          </a:p>
-        </p:txBody>
-      </p:sp>
-      <p:sp>
-        <p:nvSpPr>
-          <p:cNvPr id="6" name="矩形 5"/>
+        </p:txBody>
+      </p:sp>
+      <p:sp>
+        <p:nvSpPr>
+          <p:cNvPr id="5" name="矩形 4"/>
           <p:cNvSpPr/>
           <p:nvPr/>
         </p:nvSpPr>
         <p:spPr>
           <a:xfrm>
-            <a:off x="762586" y="1924816"/>
+            <a:off x="827249" y="1687691"/>
             <a:ext cx="9277855" cy="2048858"/>
           </a:xfrm>
           <a:prstGeom prst="rect">
@@ -12318,13 +11969,51 @@
       </p:sp>
       <p:cxnSp>
         <p:nvCxnSpPr>
+          <p:cNvPr id="6" name="直接连接符 5"/>
+          <p:cNvCxnSpPr/>
+          <p:nvPr/>
+        </p:nvCxnSpPr>
+        <p:spPr>
+          <a:xfrm>
+            <a:off x="2089664" y="2112687"/>
+            <a:ext cx="7362908" cy="0"/>
+          </a:xfrm>
+          <a:prstGeom prst="line">
+            <a:avLst/>
+          </a:prstGeom>
+          <a:ln w="9525">
+            <a:solidFill>
+              <a:schemeClr val="tx1"/>
+            </a:solidFill>
+            <a:prstDash val="lgDash"/>
+            <a:headEnd type="none" w="med" len="med"/>
+            <a:tailEnd type="triangle" w="med" len="med"/>
+          </a:ln>
+        </p:spPr>
+        <p:style>
+          <a:lnRef idx="1">
+            <a:schemeClr val="accent1"/>
+          </a:lnRef>
+          <a:fillRef idx="0">
+            <a:schemeClr val="accent1"/>
+          </a:fillRef>
+          <a:effectRef idx="0">
+            <a:schemeClr val="accent1"/>
+          </a:effectRef>
+          <a:fontRef idx="minor">
+            <a:schemeClr val="tx1"/>
+          </a:fontRef>
+        </p:style>
+      </p:cxnSp>
+      <p:cxnSp>
+        <p:nvCxnSpPr>
           <p:cNvPr id="7" name="直接连接符 6"/>
           <p:cNvCxnSpPr/>
           <p:nvPr/>
         </p:nvCxnSpPr>
         <p:spPr>
           <a:xfrm>
-            <a:off x="2025001" y="2349812"/>
+            <a:off x="2089664" y="2756742"/>
             <a:ext cx="7362908" cy="0"/>
           </a:xfrm>
           <a:prstGeom prst="line">
@@ -12362,7 +12051,7 @@
         </p:nvCxnSpPr>
         <p:spPr>
           <a:xfrm>
-            <a:off x="2025001" y="2993867"/>
+            <a:off x="2089664" y="3359790"/>
             <a:ext cx="7362908" cy="0"/>
           </a:xfrm>
           <a:prstGeom prst="line">
@@ -12400,19 +12089,16 @@
         </p:nvCxnSpPr>
         <p:spPr>
           <a:xfrm>
-            <a:off x="2025001" y="3596915"/>
-            <a:ext cx="7362908" cy="0"/>
+            <a:off x="3624266" y="2112687"/>
+            <a:ext cx="3617843" cy="0"/>
           </a:xfrm>
           <a:prstGeom prst="line">
             <a:avLst/>
           </a:prstGeom>
-          <a:ln w="9525">
+          <a:ln w="12700">
             <a:solidFill>
               <a:schemeClr val="tx1"/>
             </a:solidFill>
-            <a:prstDash val="lgDash"/>
-            <a:headEnd type="none" w="med" len="med"/>
-            <a:tailEnd type="triangle" w="med" len="med"/>
           </a:ln>
         </p:spPr>
         <p:style>
@@ -12432,22 +12118,24 @@
       </p:cxnSp>
       <p:cxnSp>
         <p:nvCxnSpPr>
-          <p:cNvPr id="10" name="直接连接符 9"/>
+          <p:cNvPr id="10" name="直接箭头连接符 9"/>
           <p:cNvCxnSpPr/>
           <p:nvPr/>
         </p:nvCxnSpPr>
         <p:spPr>
           <a:xfrm>
-            <a:off x="3559603" y="2349812"/>
-            <a:ext cx="3617843" cy="0"/>
-          </a:xfrm>
-          <a:prstGeom prst="line">
+            <a:off x="3692215" y="2123171"/>
+            <a:ext cx="588396" cy="644056"/>
+          </a:xfrm>
+          <a:prstGeom prst="straightConnector1">
             <a:avLst/>
           </a:prstGeom>
           <a:ln w="12700">
             <a:solidFill>
               <a:schemeClr val="tx1"/>
             </a:solidFill>
+            <a:headEnd type="none" w="med" len="med"/>
+            <a:tailEnd type="triangle" w="med" len="med"/>
           </a:ln>
         </p:spPr>
         <p:style>
@@ -12467,24 +12155,22 @@
       </p:cxnSp>
       <p:cxnSp>
         <p:nvCxnSpPr>
-          <p:cNvPr id="11" name="直接箭头连接符 10"/>
+          <p:cNvPr id="11" name="直接连接符 10"/>
           <p:cNvCxnSpPr/>
           <p:nvPr/>
         </p:nvCxnSpPr>
         <p:spPr>
           <a:xfrm>
-            <a:off x="3627552" y="2360296"/>
-            <a:ext cx="588396" cy="644056"/>
-          </a:xfrm>
-          <a:prstGeom prst="straightConnector1">
+            <a:off x="4280611" y="2756741"/>
+            <a:ext cx="1953339" cy="0"/>
+          </a:xfrm>
+          <a:prstGeom prst="line">
             <a:avLst/>
           </a:prstGeom>
           <a:ln w="12700">
             <a:solidFill>
               <a:schemeClr val="tx1"/>
             </a:solidFill>
-            <a:headEnd type="none" w="med" len="med"/>
-            <a:tailEnd type="triangle" w="med" len="med"/>
           </a:ln>
         </p:spPr>
         <p:style>
@@ -12504,22 +12190,24 @@
       </p:cxnSp>
       <p:cxnSp>
         <p:nvCxnSpPr>
-          <p:cNvPr id="12" name="直接连接符 11"/>
+          <p:cNvPr id="12" name="直接箭头连接符 11"/>
           <p:cNvCxnSpPr/>
           <p:nvPr/>
         </p:nvCxnSpPr>
         <p:spPr>
-          <a:xfrm>
-            <a:off x="4215948" y="2993866"/>
-            <a:ext cx="1953339" cy="0"/>
-          </a:xfrm>
-          <a:prstGeom prst="line">
+          <a:xfrm flipV="1">
+            <a:off x="6233950" y="2111362"/>
+            <a:ext cx="516466" cy="645380"/>
+          </a:xfrm>
+          <a:prstGeom prst="straightConnector1">
             <a:avLst/>
           </a:prstGeom>
           <a:ln w="12700">
             <a:solidFill>
               <a:schemeClr val="tx1"/>
             </a:solidFill>
+            <a:headEnd type="none" w="med" len="med"/>
+            <a:tailEnd type="triangle" w="med" len="med"/>
           </a:ln>
         </p:spPr>
         <p:style>
@@ -12544,9 +12232,9 @@
           <p:nvPr/>
         </p:nvCxnSpPr>
         <p:spPr>
-          <a:xfrm flipV="1">
-            <a:off x="6169287" y="2348487"/>
-            <a:ext cx="516466" cy="645380"/>
+          <a:xfrm>
+            <a:off x="4599920" y="2768272"/>
+            <a:ext cx="570290" cy="588255"/>
           </a:xfrm>
           <a:prstGeom prst="straightConnector1">
             <a:avLst/>
@@ -12576,24 +12264,22 @@
       </p:cxnSp>
       <p:cxnSp>
         <p:nvCxnSpPr>
-          <p:cNvPr id="14" name="直接箭头连接符 13"/>
+          <p:cNvPr id="14" name="直接连接符 13"/>
           <p:cNvCxnSpPr/>
           <p:nvPr/>
         </p:nvCxnSpPr>
         <p:spPr>
           <a:xfrm>
-            <a:off x="4535257" y="3005397"/>
-            <a:ext cx="570290" cy="588255"/>
-          </a:xfrm>
-          <a:prstGeom prst="straightConnector1">
+            <a:off x="5170210" y="3360938"/>
+            <a:ext cx="325967" cy="1"/>
+          </a:xfrm>
+          <a:prstGeom prst="line">
             <a:avLst/>
           </a:prstGeom>
           <a:ln w="12700">
             <a:solidFill>
               <a:schemeClr val="tx1"/>
             </a:solidFill>
-            <a:headEnd type="none" w="med" len="med"/>
-            <a:tailEnd type="triangle" w="med" len="med"/>
           </a:ln>
         </p:spPr>
         <p:style>
@@ -12613,48 +12299,13 @@
       </p:cxnSp>
       <p:cxnSp>
         <p:nvCxnSpPr>
-          <p:cNvPr id="15" name="直接连接符 14"/>
+          <p:cNvPr id="15" name="直接箭头连接符 14"/>
           <p:cNvCxnSpPr/>
           <p:nvPr/>
         </p:nvCxnSpPr>
         <p:spPr>
-          <a:xfrm>
-            <a:off x="5105547" y="3598063"/>
-            <a:ext cx="325967" cy="1"/>
-          </a:xfrm>
-          <a:prstGeom prst="line">
-            <a:avLst/>
-          </a:prstGeom>
-          <a:ln w="12700">
-            <a:solidFill>
-              <a:schemeClr val="tx1"/>
-            </a:solidFill>
-          </a:ln>
-        </p:spPr>
-        <p:style>
-          <a:lnRef idx="1">
-            <a:schemeClr val="accent1"/>
-          </a:lnRef>
-          <a:fillRef idx="0">
-            <a:schemeClr val="accent1"/>
-          </a:fillRef>
-          <a:effectRef idx="0">
-            <a:schemeClr val="accent1"/>
-          </a:effectRef>
-          <a:fontRef idx="minor">
-            <a:schemeClr val="tx1"/>
-          </a:fontRef>
-        </p:style>
-      </p:cxnSp>
-      <p:cxnSp>
-        <p:nvCxnSpPr>
-          <p:cNvPr id="16" name="直接箭头连接符 15"/>
-          <p:cNvCxnSpPr/>
-          <p:nvPr/>
-        </p:nvCxnSpPr>
-        <p:spPr>
           <a:xfrm flipV="1">
-            <a:off x="5431514" y="2989634"/>
+            <a:off x="5496177" y="2752509"/>
             <a:ext cx="488421" cy="610545"/>
           </a:xfrm>
           <a:prstGeom prst="straightConnector1">
@@ -12685,14 +12336,14 @@
       </p:cxnSp>
       <p:sp>
         <p:nvSpPr>
-          <p:cNvPr id="17" name="文本框 16"/>
+          <p:cNvPr id="16" name="文本框 15"/>
           <p:cNvSpPr txBox="1"/>
           <p:nvPr/>
         </p:nvSpPr>
         <p:spPr>
           <a:xfrm>
-            <a:off x="762586" y="4754758"/>
-            <a:ext cx="10319481" cy="400110"/>
+            <a:off x="824857" y="4604793"/>
+            <a:ext cx="10319481" cy="1015663"/>
           </a:xfrm>
           <a:prstGeom prst="rect">
             <a:avLst/>
@@ -12706,68 +12357,66 @@
           <a:lstStyle/>
           <a:p>
             <a:r>
-              <a:rPr lang="en-US" altLang="zh-CN" sz="2000" dirty="0">
-                <a:latin typeface="微软雅黑" panose="020B0503020204020204" pitchFamily="34" charset="-122"/>
-                <a:ea typeface="微软雅黑" panose="020B0503020204020204" pitchFamily="34" charset="-122"/>
-              </a:rPr>
-              <a:t>three-phase commit - 3PC</a:t>
-            </a:r>
-            <a:r>
               <a:rPr lang="zh-CN" altLang="en-US" sz="2000" dirty="0">
                 <a:latin typeface="微软雅黑" panose="020B0503020204020204" pitchFamily="34" charset="-122"/>
                 <a:ea typeface="微软雅黑" panose="020B0503020204020204" pitchFamily="34" charset="-122"/>
               </a:rPr>
-              <a:t> </a:t>
-            </a:r>
-            <a:r>
-              <a:rPr lang="en-US" altLang="zh-CN" sz="2000" dirty="0">
-                <a:latin typeface="微软雅黑" panose="020B0503020204020204" pitchFamily="34" charset="-122"/>
-                <a:ea typeface="微软雅黑" panose="020B0503020204020204" pitchFamily="34" charset="-122"/>
-              </a:rPr>
-              <a:t>– </a:t>
-            </a:r>
-            <a:r>
-              <a:rPr lang="zh-CN" altLang="en-US" sz="2000" dirty="0">
-                <a:latin typeface="微软雅黑" panose="020B0503020204020204" pitchFamily="34" charset="-122"/>
-                <a:ea typeface="微软雅黑" panose="020B0503020204020204" pitchFamily="34" charset="-122"/>
-              </a:rPr>
-              <a:t>三阶段提交</a:t>
+              <a:t>核心</a:t>
             </a:r>
             <a:endParaRPr lang="en-US" altLang="zh-CN" sz="2000" dirty="0">
               <a:latin typeface="微软雅黑" panose="020B0503020204020204" pitchFamily="34" charset="-122"/>
               <a:ea typeface="微软雅黑" panose="020B0503020204020204" pitchFamily="34" charset="-122"/>
             </a:endParaRPr>
           </a:p>
-        </p:txBody>
-      </p:sp>
-      <p:sp>
-        <p:nvSpPr>
-          <p:cNvPr id="18" name="文本框 17"/>
-          <p:cNvSpPr txBox="1"/>
-          <p:nvPr/>
-        </p:nvSpPr>
-        <p:spPr>
-          <a:xfrm>
-            <a:off x="762586" y="5154868"/>
-            <a:ext cx="10319481" cy="707886"/>
-          </a:xfrm>
-          <a:prstGeom prst="rect">
-            <a:avLst/>
-          </a:prstGeom>
-          <a:noFill/>
-        </p:spPr>
-        <p:txBody>
-          <a:bodyPr wrap="square" rtlCol="0">
-            <a:spAutoFit/>
-          </a:bodyPr>
-          <a:lstStyle/>
           <a:p>
             <a:r>
               <a:rPr lang="zh-CN" altLang="en-US" sz="2000" dirty="0">
                 <a:latin typeface="微软雅黑" panose="020B0503020204020204" pitchFamily="34" charset="-122"/>
                 <a:ea typeface="微软雅黑" panose="020B0503020204020204" pitchFamily="34" charset="-122"/>
               </a:rPr>
-              <a:t>缺陷</a:t>
+              <a:t>当参与者投票 </a:t>
+            </a:r>
+            <a:r>
+              <a:rPr lang="en-US" altLang="zh-CN" sz="2000" dirty="0">
+                <a:latin typeface="微软雅黑" panose="020B0503020204020204" pitchFamily="34" charset="-122"/>
+                <a:ea typeface="微软雅黑" panose="020B0503020204020204" pitchFamily="34" charset="-122"/>
+              </a:rPr>
+              <a:t>`</a:t>
+            </a:r>
+            <a:r>
+              <a:rPr lang="zh-CN" altLang="en-US" sz="2000" dirty="0">
+                <a:latin typeface="微软雅黑" panose="020B0503020204020204" pitchFamily="34" charset="-122"/>
+                <a:ea typeface="微软雅黑" panose="020B0503020204020204" pitchFamily="34" charset="-122"/>
+              </a:rPr>
+              <a:t>是</a:t>
+            </a:r>
+            <a:r>
+              <a:rPr lang="en-US" altLang="zh-CN" sz="2000" dirty="0">
+                <a:latin typeface="微软雅黑" panose="020B0503020204020204" pitchFamily="34" charset="-122"/>
+                <a:ea typeface="微软雅黑" panose="020B0503020204020204" pitchFamily="34" charset="-122"/>
+              </a:rPr>
+              <a:t>`</a:t>
+            </a:r>
+            <a:r>
+              <a:rPr lang="zh-CN" altLang="en-US" sz="2000" dirty="0">
+                <a:latin typeface="微软雅黑" panose="020B0503020204020204" pitchFamily="34" charset="-122"/>
+                <a:ea typeface="微软雅黑" panose="020B0503020204020204" pitchFamily="34" charset="-122"/>
+              </a:rPr>
+              <a:t>，</a:t>
+            </a:r>
+            <a:r>
+              <a:rPr lang="en-US" altLang="zh-CN" sz="2000" dirty="0">
+                <a:latin typeface="微软雅黑" panose="020B0503020204020204" pitchFamily="34" charset="-122"/>
+                <a:ea typeface="微软雅黑" panose="020B0503020204020204" pitchFamily="34" charset="-122"/>
+              </a:rPr>
+              <a:t> </a:t>
+            </a:r>
+            <a:r>
+              <a:rPr lang="zh-CN" altLang="en-US" sz="2000" dirty="0">
+                <a:latin typeface="微软雅黑" panose="020B0503020204020204" pitchFamily="34" charset="-122"/>
+                <a:ea typeface="微软雅黑" panose="020B0503020204020204" pitchFamily="34" charset="-122"/>
+              </a:rPr>
+              <a:t>做出了肯定的承诺。</a:t>
             </a:r>
             <a:endParaRPr lang="en-US" altLang="zh-CN" sz="2000" dirty="0">
               <a:latin typeface="微软雅黑" panose="020B0503020204020204" pitchFamily="34" charset="-122"/>
@@ -12780,7 +12429,7 @@
                 <a:latin typeface="微软雅黑" panose="020B0503020204020204" pitchFamily="34" charset="-122"/>
                 <a:ea typeface="微软雅黑" panose="020B0503020204020204" pitchFamily="34" charset="-122"/>
               </a:rPr>
-              <a:t>非阻塞式原子提交：依赖一个完美的故障检测器判断节点是否失效。</a:t>
+              <a:t>当协调者做出决定，这个决定也是不可撤销的。</a:t>
             </a:r>
             <a:endParaRPr lang="en-US" altLang="zh-CN" sz="2000" dirty="0">
               <a:latin typeface="微软雅黑" panose="020B0503020204020204" pitchFamily="34" charset="-122"/>
@@ -12792,7 +12441,7 @@
     </p:spTree>
     <p:extLst>
       <p:ext uri="{BB962C8B-B14F-4D97-AF65-F5344CB8AC3E}">
-        <p14:creationId xmlns:p14="http://schemas.microsoft.com/office/powerpoint/2010/main" val="3562123374"/>
+        <p14:creationId xmlns:p14="http://schemas.microsoft.com/office/powerpoint/2010/main" val="1761270642"/>
       </p:ext>
     </p:extLst>
   </p:cSld>
@@ -12821,6 +12470,611 @@
       </p:grpSpPr>
       <p:sp>
         <p:nvSpPr>
+          <p:cNvPr id="5" name="文本框 4"/>
+          <p:cNvSpPr txBox="1"/>
+          <p:nvPr/>
+        </p:nvSpPr>
+        <p:spPr>
+          <a:xfrm>
+            <a:off x="762586" y="487086"/>
+            <a:ext cx="10319481" cy="1015663"/>
+          </a:xfrm>
+          <a:prstGeom prst="rect">
+            <a:avLst/>
+          </a:prstGeom>
+          <a:noFill/>
+        </p:spPr>
+        <p:txBody>
+          <a:bodyPr wrap="square" rtlCol="0" anchor="t">
+            <a:spAutoFit/>
+          </a:bodyPr>
+          <a:lstStyle/>
+          <a:p>
+            <a:r>
+              <a:rPr lang="zh-CN" altLang="en-US" sz="2000" dirty="0">
+                <a:latin typeface="微软雅黑" panose="020B0503020204020204" pitchFamily="34" charset="-122"/>
+                <a:ea typeface="微软雅黑" panose="020B0503020204020204" pitchFamily="34" charset="-122"/>
+              </a:rPr>
+              <a:t>缺陷</a:t>
+            </a:r>
+            <a:endParaRPr lang="en-US" altLang="zh-CN" sz="2000" dirty="0">
+              <a:latin typeface="微软雅黑" panose="020B0503020204020204" pitchFamily="34" charset="-122"/>
+              <a:ea typeface="微软雅黑" panose="020B0503020204020204" pitchFamily="34" charset="-122"/>
+            </a:endParaRPr>
+          </a:p>
+          <a:p>
+            <a:r>
+              <a:rPr lang="zh-CN" altLang="en-US" sz="2000" dirty="0">
+                <a:latin typeface="微软雅黑" panose="020B0503020204020204" pitchFamily="34" charset="-122"/>
+                <a:ea typeface="微软雅黑" panose="020B0503020204020204" pitchFamily="34" charset="-122"/>
+              </a:rPr>
+              <a:t>阻塞式原子提交：协调者发生故障，参与者只能持续等待。</a:t>
+            </a:r>
+          </a:p>
+          <a:p>
+            <a:r>
+              <a:rPr lang="zh-CN" altLang="en-US" sz="2000">
+                <a:latin typeface="微软雅黑"/>
+                <a:ea typeface="微软雅黑"/>
+              </a:rPr>
+              <a:t>任何一个节点的失败都会导致整个事务的失败。</a:t>
+            </a:r>
+            <a:endParaRPr lang="zh-CN" altLang="en-US" sz="2000" dirty="0">
+              <a:latin typeface="微软雅黑" panose="020B0503020204020204" pitchFamily="34" charset="-122"/>
+              <a:ea typeface="微软雅黑" panose="020B0503020204020204" pitchFamily="34" charset="-122"/>
+            </a:endParaRPr>
+          </a:p>
+        </p:txBody>
+      </p:sp>
+      <p:sp>
+        <p:nvSpPr>
+          <p:cNvPr id="6" name="矩形 5"/>
+          <p:cNvSpPr/>
+          <p:nvPr/>
+        </p:nvSpPr>
+        <p:spPr>
+          <a:xfrm>
+            <a:off x="762586" y="1924816"/>
+            <a:ext cx="9277855" cy="2048858"/>
+          </a:xfrm>
+          <a:prstGeom prst="rect">
+            <a:avLst/>
+          </a:prstGeom>
+          <a:noFill/>
+          <a:ln>
+            <a:prstDash val="sysDot"/>
+          </a:ln>
+        </p:spPr>
+        <p:style>
+          <a:lnRef idx="2">
+            <a:schemeClr val="accent1">
+              <a:shade val="50000"/>
+            </a:schemeClr>
+          </a:lnRef>
+          <a:fillRef idx="1">
+            <a:schemeClr val="accent1"/>
+          </a:fillRef>
+          <a:effectRef idx="0">
+            <a:schemeClr val="accent1"/>
+          </a:effectRef>
+          <a:fontRef idx="minor">
+            <a:schemeClr val="lt1"/>
+          </a:fontRef>
+        </p:style>
+        <p:txBody>
+          <a:bodyPr rtlCol="0" anchor="ctr"/>
+          <a:lstStyle/>
+          <a:p>
+            <a:pPr algn="ctr"/>
+            <a:endParaRPr lang="zh-CN" altLang="en-US"/>
+          </a:p>
+        </p:txBody>
+      </p:sp>
+      <p:cxnSp>
+        <p:nvCxnSpPr>
+          <p:cNvPr id="7" name="直接连接符 6"/>
+          <p:cNvCxnSpPr/>
+          <p:nvPr/>
+        </p:nvCxnSpPr>
+        <p:spPr>
+          <a:xfrm>
+            <a:off x="2025001" y="2349812"/>
+            <a:ext cx="7362908" cy="0"/>
+          </a:xfrm>
+          <a:prstGeom prst="line">
+            <a:avLst/>
+          </a:prstGeom>
+          <a:ln w="9525">
+            <a:solidFill>
+              <a:schemeClr val="tx1"/>
+            </a:solidFill>
+            <a:prstDash val="lgDash"/>
+            <a:headEnd type="none" w="med" len="med"/>
+            <a:tailEnd type="triangle" w="med" len="med"/>
+          </a:ln>
+        </p:spPr>
+        <p:style>
+          <a:lnRef idx="1">
+            <a:schemeClr val="accent1"/>
+          </a:lnRef>
+          <a:fillRef idx="0">
+            <a:schemeClr val="accent1"/>
+          </a:fillRef>
+          <a:effectRef idx="0">
+            <a:schemeClr val="accent1"/>
+          </a:effectRef>
+          <a:fontRef idx="minor">
+            <a:schemeClr val="tx1"/>
+          </a:fontRef>
+        </p:style>
+      </p:cxnSp>
+      <p:cxnSp>
+        <p:nvCxnSpPr>
+          <p:cNvPr id="8" name="直接连接符 7"/>
+          <p:cNvCxnSpPr/>
+          <p:nvPr/>
+        </p:nvCxnSpPr>
+        <p:spPr>
+          <a:xfrm>
+            <a:off x="2025001" y="2993867"/>
+            <a:ext cx="7362908" cy="0"/>
+          </a:xfrm>
+          <a:prstGeom prst="line">
+            <a:avLst/>
+          </a:prstGeom>
+          <a:ln w="9525">
+            <a:solidFill>
+              <a:schemeClr val="tx1"/>
+            </a:solidFill>
+            <a:prstDash val="lgDash"/>
+            <a:headEnd type="none" w="med" len="med"/>
+            <a:tailEnd type="triangle" w="med" len="med"/>
+          </a:ln>
+        </p:spPr>
+        <p:style>
+          <a:lnRef idx="1">
+            <a:schemeClr val="accent1"/>
+          </a:lnRef>
+          <a:fillRef idx="0">
+            <a:schemeClr val="accent1"/>
+          </a:fillRef>
+          <a:effectRef idx="0">
+            <a:schemeClr val="accent1"/>
+          </a:effectRef>
+          <a:fontRef idx="minor">
+            <a:schemeClr val="tx1"/>
+          </a:fontRef>
+        </p:style>
+      </p:cxnSp>
+      <p:cxnSp>
+        <p:nvCxnSpPr>
+          <p:cNvPr id="9" name="直接连接符 8"/>
+          <p:cNvCxnSpPr/>
+          <p:nvPr/>
+        </p:nvCxnSpPr>
+        <p:spPr>
+          <a:xfrm>
+            <a:off x="2025001" y="3596915"/>
+            <a:ext cx="7362908" cy="0"/>
+          </a:xfrm>
+          <a:prstGeom prst="line">
+            <a:avLst/>
+          </a:prstGeom>
+          <a:ln w="9525">
+            <a:solidFill>
+              <a:schemeClr val="tx1"/>
+            </a:solidFill>
+            <a:prstDash val="lgDash"/>
+            <a:headEnd type="none" w="med" len="med"/>
+            <a:tailEnd type="triangle" w="med" len="med"/>
+          </a:ln>
+        </p:spPr>
+        <p:style>
+          <a:lnRef idx="1">
+            <a:schemeClr val="accent1"/>
+          </a:lnRef>
+          <a:fillRef idx="0">
+            <a:schemeClr val="accent1"/>
+          </a:fillRef>
+          <a:effectRef idx="0">
+            <a:schemeClr val="accent1"/>
+          </a:effectRef>
+          <a:fontRef idx="minor">
+            <a:schemeClr val="tx1"/>
+          </a:fontRef>
+        </p:style>
+      </p:cxnSp>
+      <p:cxnSp>
+        <p:nvCxnSpPr>
+          <p:cNvPr id="10" name="直接连接符 9"/>
+          <p:cNvCxnSpPr/>
+          <p:nvPr/>
+        </p:nvCxnSpPr>
+        <p:spPr>
+          <a:xfrm>
+            <a:off x="3559603" y="2349812"/>
+            <a:ext cx="3617843" cy="0"/>
+          </a:xfrm>
+          <a:prstGeom prst="line">
+            <a:avLst/>
+          </a:prstGeom>
+          <a:ln w="12700">
+            <a:solidFill>
+              <a:schemeClr val="tx1"/>
+            </a:solidFill>
+          </a:ln>
+        </p:spPr>
+        <p:style>
+          <a:lnRef idx="1">
+            <a:schemeClr val="accent1"/>
+          </a:lnRef>
+          <a:fillRef idx="0">
+            <a:schemeClr val="accent1"/>
+          </a:fillRef>
+          <a:effectRef idx="0">
+            <a:schemeClr val="accent1"/>
+          </a:effectRef>
+          <a:fontRef idx="minor">
+            <a:schemeClr val="tx1"/>
+          </a:fontRef>
+        </p:style>
+      </p:cxnSp>
+      <p:cxnSp>
+        <p:nvCxnSpPr>
+          <p:cNvPr id="11" name="直接箭头连接符 10"/>
+          <p:cNvCxnSpPr/>
+          <p:nvPr/>
+        </p:nvCxnSpPr>
+        <p:spPr>
+          <a:xfrm>
+            <a:off x="3627552" y="2360296"/>
+            <a:ext cx="588396" cy="644056"/>
+          </a:xfrm>
+          <a:prstGeom prst="straightConnector1">
+            <a:avLst/>
+          </a:prstGeom>
+          <a:ln w="12700">
+            <a:solidFill>
+              <a:schemeClr val="tx1"/>
+            </a:solidFill>
+            <a:headEnd type="none" w="med" len="med"/>
+            <a:tailEnd type="triangle" w="med" len="med"/>
+          </a:ln>
+        </p:spPr>
+        <p:style>
+          <a:lnRef idx="1">
+            <a:schemeClr val="accent1"/>
+          </a:lnRef>
+          <a:fillRef idx="0">
+            <a:schemeClr val="accent1"/>
+          </a:fillRef>
+          <a:effectRef idx="0">
+            <a:schemeClr val="accent1"/>
+          </a:effectRef>
+          <a:fontRef idx="minor">
+            <a:schemeClr val="tx1"/>
+          </a:fontRef>
+        </p:style>
+      </p:cxnSp>
+      <p:cxnSp>
+        <p:nvCxnSpPr>
+          <p:cNvPr id="12" name="直接连接符 11"/>
+          <p:cNvCxnSpPr/>
+          <p:nvPr/>
+        </p:nvCxnSpPr>
+        <p:spPr>
+          <a:xfrm>
+            <a:off x="4215948" y="2993866"/>
+            <a:ext cx="1953339" cy="0"/>
+          </a:xfrm>
+          <a:prstGeom prst="line">
+            <a:avLst/>
+          </a:prstGeom>
+          <a:ln w="12700">
+            <a:solidFill>
+              <a:schemeClr val="tx1"/>
+            </a:solidFill>
+          </a:ln>
+        </p:spPr>
+        <p:style>
+          <a:lnRef idx="1">
+            <a:schemeClr val="accent1"/>
+          </a:lnRef>
+          <a:fillRef idx="0">
+            <a:schemeClr val="accent1"/>
+          </a:fillRef>
+          <a:effectRef idx="0">
+            <a:schemeClr val="accent1"/>
+          </a:effectRef>
+          <a:fontRef idx="minor">
+            <a:schemeClr val="tx1"/>
+          </a:fontRef>
+        </p:style>
+      </p:cxnSp>
+      <p:cxnSp>
+        <p:nvCxnSpPr>
+          <p:cNvPr id="13" name="直接箭头连接符 12"/>
+          <p:cNvCxnSpPr/>
+          <p:nvPr/>
+        </p:nvCxnSpPr>
+        <p:spPr>
+          <a:xfrm flipV="1">
+            <a:off x="6169287" y="2348487"/>
+            <a:ext cx="516466" cy="645380"/>
+          </a:xfrm>
+          <a:prstGeom prst="straightConnector1">
+            <a:avLst/>
+          </a:prstGeom>
+          <a:ln w="12700">
+            <a:solidFill>
+              <a:schemeClr val="tx1"/>
+            </a:solidFill>
+            <a:headEnd type="none" w="med" len="med"/>
+            <a:tailEnd type="triangle" w="med" len="med"/>
+          </a:ln>
+        </p:spPr>
+        <p:style>
+          <a:lnRef idx="1">
+            <a:schemeClr val="accent1"/>
+          </a:lnRef>
+          <a:fillRef idx="0">
+            <a:schemeClr val="accent1"/>
+          </a:fillRef>
+          <a:effectRef idx="0">
+            <a:schemeClr val="accent1"/>
+          </a:effectRef>
+          <a:fontRef idx="minor">
+            <a:schemeClr val="tx1"/>
+          </a:fontRef>
+        </p:style>
+      </p:cxnSp>
+      <p:cxnSp>
+        <p:nvCxnSpPr>
+          <p:cNvPr id="14" name="直接箭头连接符 13"/>
+          <p:cNvCxnSpPr/>
+          <p:nvPr/>
+        </p:nvCxnSpPr>
+        <p:spPr>
+          <a:xfrm>
+            <a:off x="4535257" y="3005397"/>
+            <a:ext cx="570290" cy="588255"/>
+          </a:xfrm>
+          <a:prstGeom prst="straightConnector1">
+            <a:avLst/>
+          </a:prstGeom>
+          <a:ln w="12700">
+            <a:solidFill>
+              <a:schemeClr val="tx1"/>
+            </a:solidFill>
+            <a:headEnd type="none" w="med" len="med"/>
+            <a:tailEnd type="triangle" w="med" len="med"/>
+          </a:ln>
+        </p:spPr>
+        <p:style>
+          <a:lnRef idx="1">
+            <a:schemeClr val="accent1"/>
+          </a:lnRef>
+          <a:fillRef idx="0">
+            <a:schemeClr val="accent1"/>
+          </a:fillRef>
+          <a:effectRef idx="0">
+            <a:schemeClr val="accent1"/>
+          </a:effectRef>
+          <a:fontRef idx="minor">
+            <a:schemeClr val="tx1"/>
+          </a:fontRef>
+        </p:style>
+      </p:cxnSp>
+      <p:cxnSp>
+        <p:nvCxnSpPr>
+          <p:cNvPr id="15" name="直接连接符 14"/>
+          <p:cNvCxnSpPr/>
+          <p:nvPr/>
+        </p:nvCxnSpPr>
+        <p:spPr>
+          <a:xfrm>
+            <a:off x="5105547" y="3598063"/>
+            <a:ext cx="325967" cy="1"/>
+          </a:xfrm>
+          <a:prstGeom prst="line">
+            <a:avLst/>
+          </a:prstGeom>
+          <a:ln w="12700">
+            <a:solidFill>
+              <a:schemeClr val="tx1"/>
+            </a:solidFill>
+          </a:ln>
+        </p:spPr>
+        <p:style>
+          <a:lnRef idx="1">
+            <a:schemeClr val="accent1"/>
+          </a:lnRef>
+          <a:fillRef idx="0">
+            <a:schemeClr val="accent1"/>
+          </a:fillRef>
+          <a:effectRef idx="0">
+            <a:schemeClr val="accent1"/>
+          </a:effectRef>
+          <a:fontRef idx="minor">
+            <a:schemeClr val="tx1"/>
+          </a:fontRef>
+        </p:style>
+      </p:cxnSp>
+      <p:cxnSp>
+        <p:nvCxnSpPr>
+          <p:cNvPr id="16" name="直接箭头连接符 15"/>
+          <p:cNvCxnSpPr/>
+          <p:nvPr/>
+        </p:nvCxnSpPr>
+        <p:spPr>
+          <a:xfrm flipV="1">
+            <a:off x="5431514" y="2989634"/>
+            <a:ext cx="488421" cy="610545"/>
+          </a:xfrm>
+          <a:prstGeom prst="straightConnector1">
+            <a:avLst/>
+          </a:prstGeom>
+          <a:ln w="12700">
+            <a:solidFill>
+              <a:schemeClr val="tx1"/>
+            </a:solidFill>
+            <a:headEnd type="none" w="med" len="med"/>
+            <a:tailEnd type="triangle" w="med" len="med"/>
+          </a:ln>
+        </p:spPr>
+        <p:style>
+          <a:lnRef idx="1">
+            <a:schemeClr val="accent1"/>
+          </a:lnRef>
+          <a:fillRef idx="0">
+            <a:schemeClr val="accent1"/>
+          </a:fillRef>
+          <a:effectRef idx="0">
+            <a:schemeClr val="accent1"/>
+          </a:effectRef>
+          <a:fontRef idx="minor">
+            <a:schemeClr val="tx1"/>
+          </a:fontRef>
+        </p:style>
+      </p:cxnSp>
+      <p:sp>
+        <p:nvSpPr>
+          <p:cNvPr id="17" name="文本框 16"/>
+          <p:cNvSpPr txBox="1"/>
+          <p:nvPr/>
+        </p:nvSpPr>
+        <p:spPr>
+          <a:xfrm>
+            <a:off x="762586" y="4754758"/>
+            <a:ext cx="10319481" cy="400110"/>
+          </a:xfrm>
+          <a:prstGeom prst="rect">
+            <a:avLst/>
+          </a:prstGeom>
+          <a:noFill/>
+        </p:spPr>
+        <p:txBody>
+          <a:bodyPr wrap="square" rtlCol="0">
+            <a:spAutoFit/>
+          </a:bodyPr>
+          <a:lstStyle/>
+          <a:p>
+            <a:r>
+              <a:rPr lang="en-US" altLang="zh-CN" sz="2000" dirty="0">
+                <a:latin typeface="微软雅黑" panose="020B0503020204020204" pitchFamily="34" charset="-122"/>
+                <a:ea typeface="微软雅黑" panose="020B0503020204020204" pitchFamily="34" charset="-122"/>
+              </a:rPr>
+              <a:t>three-phase commit - 3PC</a:t>
+            </a:r>
+            <a:r>
+              <a:rPr lang="zh-CN" altLang="en-US" sz="2000" dirty="0">
+                <a:latin typeface="微软雅黑" panose="020B0503020204020204" pitchFamily="34" charset="-122"/>
+                <a:ea typeface="微软雅黑" panose="020B0503020204020204" pitchFamily="34" charset="-122"/>
+              </a:rPr>
+              <a:t> </a:t>
+            </a:r>
+            <a:r>
+              <a:rPr lang="en-US" altLang="zh-CN" sz="2000" dirty="0">
+                <a:latin typeface="微软雅黑" panose="020B0503020204020204" pitchFamily="34" charset="-122"/>
+                <a:ea typeface="微软雅黑" panose="020B0503020204020204" pitchFamily="34" charset="-122"/>
+              </a:rPr>
+              <a:t>– </a:t>
+            </a:r>
+            <a:r>
+              <a:rPr lang="zh-CN" altLang="en-US" sz="2000" dirty="0">
+                <a:latin typeface="微软雅黑" panose="020B0503020204020204" pitchFamily="34" charset="-122"/>
+                <a:ea typeface="微软雅黑" panose="020B0503020204020204" pitchFamily="34" charset="-122"/>
+              </a:rPr>
+              <a:t>三阶段提交</a:t>
+            </a:r>
+            <a:endParaRPr lang="en-US" altLang="zh-CN" sz="2000" dirty="0">
+              <a:latin typeface="微软雅黑" panose="020B0503020204020204" pitchFamily="34" charset="-122"/>
+              <a:ea typeface="微软雅黑" panose="020B0503020204020204" pitchFamily="34" charset="-122"/>
+            </a:endParaRPr>
+          </a:p>
+        </p:txBody>
+      </p:sp>
+      <p:sp>
+        <p:nvSpPr>
+          <p:cNvPr id="18" name="文本框 17"/>
+          <p:cNvSpPr txBox="1"/>
+          <p:nvPr/>
+        </p:nvSpPr>
+        <p:spPr>
+          <a:xfrm>
+            <a:off x="762586" y="5154868"/>
+            <a:ext cx="10319481" cy="707886"/>
+          </a:xfrm>
+          <a:prstGeom prst="rect">
+            <a:avLst/>
+          </a:prstGeom>
+          <a:noFill/>
+        </p:spPr>
+        <p:txBody>
+          <a:bodyPr wrap="square" rtlCol="0">
+            <a:spAutoFit/>
+          </a:bodyPr>
+          <a:lstStyle/>
+          <a:p>
+            <a:r>
+              <a:rPr lang="zh-CN" altLang="en-US" sz="2000" dirty="0">
+                <a:latin typeface="微软雅黑" panose="020B0503020204020204" pitchFamily="34" charset="-122"/>
+                <a:ea typeface="微软雅黑" panose="020B0503020204020204" pitchFamily="34" charset="-122"/>
+              </a:rPr>
+              <a:t>缺陷</a:t>
+            </a:r>
+            <a:endParaRPr lang="en-US" altLang="zh-CN" sz="2000" dirty="0">
+              <a:latin typeface="微软雅黑" panose="020B0503020204020204" pitchFamily="34" charset="-122"/>
+              <a:ea typeface="微软雅黑" panose="020B0503020204020204" pitchFamily="34" charset="-122"/>
+            </a:endParaRPr>
+          </a:p>
+          <a:p>
+            <a:r>
+              <a:rPr lang="zh-CN" altLang="en-US" sz="2000" dirty="0">
+                <a:latin typeface="微软雅黑" panose="020B0503020204020204" pitchFamily="34" charset="-122"/>
+                <a:ea typeface="微软雅黑" panose="020B0503020204020204" pitchFamily="34" charset="-122"/>
+              </a:rPr>
+              <a:t>非阻塞式原子提交：依赖一个完美的故障检测器判断节点是否失效。</a:t>
+            </a:r>
+            <a:endParaRPr lang="en-US" altLang="zh-CN" sz="2000" dirty="0">
+              <a:latin typeface="微软雅黑" panose="020B0503020204020204" pitchFamily="34" charset="-122"/>
+              <a:ea typeface="微软雅黑" panose="020B0503020204020204" pitchFamily="34" charset="-122"/>
+            </a:endParaRPr>
+          </a:p>
+        </p:txBody>
+      </p:sp>
+    </p:spTree>
+    <p:extLst>
+      <p:ext uri="{BB962C8B-B14F-4D97-AF65-F5344CB8AC3E}">
+        <p14:creationId xmlns:p14="http://schemas.microsoft.com/office/powerpoint/2010/main" val="3562123374"/>
+      </p:ext>
+    </p:extLst>
+  </p:cSld>
+  <p:clrMapOvr>
+    <a:masterClrMapping/>
+  </p:clrMapOvr>
+</p:sld>
+</file>
+
+<file path=ppt/slides/slide22.xml><?xml version="1.0" encoding="utf-8"?>
+<p:sld xmlns:a="http://schemas.openxmlformats.org/drawingml/2006/main" xmlns:r="http://schemas.openxmlformats.org/officeDocument/2006/relationships" xmlns:p="http://schemas.openxmlformats.org/presentationml/2006/main">
+  <p:cSld>
+    <p:spTree>
+      <p:nvGrpSpPr>
+        <p:cNvPr id="1" name=""/>
+        <p:cNvGrpSpPr/>
+        <p:nvPr/>
+      </p:nvGrpSpPr>
+      <p:grpSpPr>
+        <a:xfrm>
+          <a:off x="0" y="0"/>
+          <a:ext cx="0" cy="0"/>
+          <a:chOff x="0" y="0"/>
+          <a:chExt cx="0" cy="0"/>
+        </a:xfrm>
+      </p:grpSpPr>
+      <p:sp>
+        <p:nvSpPr>
           <p:cNvPr id="4" name="文本框 3"/>
           <p:cNvSpPr txBox="1"/>
           <p:nvPr/>
@@ -13023,7 +13277,7 @@
         </p:nvSpPr>
         <p:spPr>
           <a:xfrm>
-            <a:off x="827178" y="4072593"/>
+            <a:off x="827178" y="4083610"/>
             <a:ext cx="10319481" cy="707886"/>
           </a:xfrm>
           <a:prstGeom prst="rect">
@@ -13064,7 +13318,7 @@
 </p:sld>
 </file>
 
-<file path=ppt/slides/slide22.xml><?xml version="1.0" encoding="utf-8"?>
+<file path=ppt/slides/slide23.xml><?xml version="1.0" encoding="utf-8"?>
 <p:sld xmlns:a="http://schemas.openxmlformats.org/drawingml/2006/main" xmlns:r="http://schemas.openxmlformats.org/officeDocument/2006/relationships" xmlns:p="http://schemas.openxmlformats.org/presentationml/2006/main">
   <p:cSld>
     <p:spTree>
@@ -13203,6 +13457,10 @@
             </a:lvl9pPr>
           </a:lstStyle>
           <a:p>
+            <a:pPr marL="342900" indent="-342900">
+              <a:buFont typeface="Arial" panose="020B0604020202020204" pitchFamily="34" charset="0"/>
+              <a:buChar char="•"/>
+            </a:pPr>
             <a:r>
               <a:rPr lang="zh-CN" altLang="en-US" sz="2000" dirty="0">
                 <a:latin typeface="微软雅黑" panose="020B0503020204020204" pitchFamily="34" charset="-122"/>
@@ -13233,6 +13491,10 @@
             </a:endParaRPr>
           </a:p>
           <a:p>
+            <a:pPr marL="342900" indent="-342900">
+              <a:buFont typeface="Arial" panose="020B0604020202020204" pitchFamily="34" charset="0"/>
+              <a:buChar char="•"/>
+            </a:pPr>
             <a:r>
               <a:rPr lang="zh-CN" altLang="en-US" sz="2000" dirty="0">
                 <a:latin typeface="微软雅黑" panose="020B0503020204020204" pitchFamily="34" charset="-122"/>
@@ -13246,6 +13508,10 @@
             </a:endParaRPr>
           </a:p>
           <a:p>
+            <a:pPr marL="342900" indent="-342900">
+              <a:buFont typeface="Arial" panose="020B0604020202020204" pitchFamily="34" charset="0"/>
+              <a:buChar char="•"/>
+            </a:pPr>
             <a:r>
               <a:rPr lang="zh-CN" altLang="en-US" sz="2000" dirty="0">
                 <a:latin typeface="微软雅黑" panose="020B0503020204020204" pitchFamily="34" charset="-122"/>
@@ -13276,6 +13542,10 @@
             </a:endParaRPr>
           </a:p>
           <a:p>
+            <a:pPr marL="342900" indent="-342900">
+              <a:buFont typeface="Arial" panose="020B0604020202020204" pitchFamily="34" charset="0"/>
+              <a:buChar char="•"/>
+            </a:pPr>
             <a:r>
               <a:rPr lang="zh-CN" altLang="en-US" sz="2000" dirty="0">
                 <a:latin typeface="微软雅黑" panose="020B0503020204020204" pitchFamily="34" charset="-122"/>
@@ -13321,7 +13591,7 @@
         <p:spPr>
           <a:xfrm>
             <a:off x="1120256" y="1917523"/>
-            <a:ext cx="10319481" cy="400110"/>
+            <a:ext cx="10319481" cy="523220"/>
           </a:xfrm>
           <a:prstGeom prst="rect">
             <a:avLst/>
@@ -13429,14 +13699,14 @@
           </a:lstStyle>
           <a:p>
             <a:r>
-              <a:rPr lang="zh-CN" altLang="en-US" sz="2000">
+              <a:rPr lang="zh-CN" altLang="en-US" sz="2800" dirty="0">
                 <a:latin typeface="微软雅黑" panose="020B0503020204020204" pitchFamily="34" charset="-122"/>
                 <a:ea typeface="微软雅黑" panose="020B0503020204020204" pitchFamily="34" charset="-122"/>
               </a:rPr>
               <a:t>全序关系广播</a:t>
             </a:r>
             <a:r>
-              <a:rPr lang="zh-CN" sz="2000">
+              <a:rPr lang="zh-CN" sz="2800" dirty="0">
                 <a:latin typeface="微软雅黑" panose="020B0503020204020204" pitchFamily="34" charset="-122"/>
                 <a:ea typeface="微软雅黑" panose="020B0503020204020204" pitchFamily="34" charset="-122"/>
                 <a:cs typeface="+mn-lt"/>
@@ -13444,13 +13714,13 @@
               <a:t>（原子广播）</a:t>
             </a:r>
             <a:r>
-              <a:rPr lang="zh-CN" altLang="en-US" sz="2000">
+              <a:rPr lang="zh-CN" altLang="en-US" sz="2800" dirty="0">
                 <a:latin typeface="微软雅黑" panose="020B0503020204020204" pitchFamily="34" charset="-122"/>
                 <a:ea typeface="微软雅黑" panose="020B0503020204020204" pitchFamily="34" charset="-122"/>
               </a:rPr>
               <a:t>相当于持续的多轮共识</a:t>
             </a:r>
-            <a:endParaRPr lang="en-US" altLang="zh-CN" sz="2000">
+            <a:endParaRPr lang="en-US" altLang="zh-CN" sz="2800" dirty="0">
               <a:latin typeface="微软雅黑" panose="020B0503020204020204" pitchFamily="34" charset="-122"/>
               <a:ea typeface="微软雅黑" panose="020B0503020204020204" pitchFamily="34" charset="-122"/>
             </a:endParaRPr>
@@ -13461,78 +13731,6 @@
     <p:extLst>
       <p:ext uri="{BB962C8B-B14F-4D97-AF65-F5344CB8AC3E}">
         <p14:creationId xmlns:p14="http://schemas.microsoft.com/office/powerpoint/2010/main" val="5636261"/>
-      </p:ext>
-    </p:extLst>
-  </p:cSld>
-  <p:clrMapOvr>
-    <a:masterClrMapping/>
-  </p:clrMapOvr>
-</p:sld>
-</file>
-
-<file path=ppt/slides/slide23.xml><?xml version="1.0" encoding="utf-8"?>
-<p:sld xmlns:a="http://schemas.openxmlformats.org/drawingml/2006/main" xmlns:r="http://schemas.openxmlformats.org/officeDocument/2006/relationships" xmlns:p="http://schemas.openxmlformats.org/presentationml/2006/main">
-  <p:cSld>
-    <p:spTree>
-      <p:nvGrpSpPr>
-        <p:cNvPr id="1" name=""/>
-        <p:cNvGrpSpPr/>
-        <p:nvPr/>
-      </p:nvGrpSpPr>
-      <p:grpSpPr>
-        <a:xfrm>
-          <a:off x="0" y="0"/>
-          <a:ext cx="0" cy="0"/>
-          <a:chOff x="0" y="0"/>
-          <a:chExt cx="0" cy="0"/>
-        </a:xfrm>
-      </p:grpSpPr>
-      <p:sp>
-        <p:nvSpPr>
-          <p:cNvPr id="5" name="文本框 3">
-            <a:extLst>
-              <a:ext uri="{FF2B5EF4-FFF2-40B4-BE49-F238E27FC236}">
-                <a16:creationId xmlns:a16="http://schemas.microsoft.com/office/drawing/2014/main" id="{7D685C53-194C-4A09-A256-5BDE58821789}"/>
-              </a:ext>
-            </a:extLst>
-          </p:cNvPr>
-          <p:cNvSpPr txBox="1"/>
-          <p:nvPr/>
-        </p:nvSpPr>
-        <p:spPr>
-          <a:xfrm>
-            <a:off x="4577554" y="2804944"/>
-            <a:ext cx="3139001" cy="769441"/>
-          </a:xfrm>
-          <a:prstGeom prst="rect">
-            <a:avLst/>
-          </a:prstGeom>
-          <a:noFill/>
-        </p:spPr>
-        <p:txBody>
-          <a:bodyPr wrap="none" rtlCol="0" anchor="t">
-            <a:spAutoFit/>
-          </a:bodyPr>
-          <a:lstStyle/>
-          <a:p>
-            <a:r>
-              <a:rPr lang="zh-CN" altLang="en-US" sz="4400">
-                <a:latin typeface="微软雅黑"/>
-                <a:ea typeface="微软雅黑"/>
-              </a:rPr>
-              <a:t>ZooKeeper</a:t>
-            </a:r>
-            <a:endParaRPr lang="zh-CN" altLang="en-US" sz="4400">
-              <a:latin typeface="微软雅黑" panose="020B0503020204020204" pitchFamily="34" charset="-122"/>
-              <a:ea typeface="微软雅黑" panose="020B0503020204020204" pitchFamily="34" charset="-122"/>
-            </a:endParaRPr>
-          </a:p>
-        </p:txBody>
-      </p:sp>
-    </p:spTree>
-    <p:extLst>
-      <p:ext uri="{BB962C8B-B14F-4D97-AF65-F5344CB8AC3E}">
-        <p14:creationId xmlns:p14="http://schemas.microsoft.com/office/powerpoint/2010/main" val="2325265814"/>
       </p:ext>
     </p:extLst>
   </p:cSld>
@@ -13561,649 +13759,10 @@
       </p:grpSpPr>
       <p:sp>
         <p:nvSpPr>
-          <p:cNvPr id="5" name="矩形 4"/>
-          <p:cNvSpPr/>
-          <p:nvPr/>
-        </p:nvSpPr>
-        <p:spPr>
-          <a:xfrm>
-            <a:off x="891754" y="4108193"/>
-            <a:ext cx="9277855" cy="2048858"/>
-          </a:xfrm>
-          <a:prstGeom prst="rect">
-            <a:avLst/>
-          </a:prstGeom>
-          <a:noFill/>
-          <a:ln>
-            <a:prstDash val="sysDot"/>
-          </a:ln>
-        </p:spPr>
-        <p:style>
-          <a:lnRef idx="2">
-            <a:schemeClr val="accent1">
-              <a:shade val="50000"/>
-            </a:schemeClr>
-          </a:lnRef>
-          <a:fillRef idx="1">
-            <a:schemeClr val="accent1"/>
-          </a:fillRef>
-          <a:effectRef idx="0">
-            <a:schemeClr val="accent1"/>
-          </a:effectRef>
-          <a:fontRef idx="minor">
-            <a:schemeClr val="lt1"/>
-          </a:fontRef>
-        </p:style>
-        <p:txBody>
-          <a:bodyPr rtlCol="0" anchor="ctr"/>
-          <a:lstStyle/>
-          <a:p>
-            <a:pPr algn="ctr"/>
-            <a:endParaRPr lang="zh-CN" altLang="en-US"/>
-          </a:p>
-        </p:txBody>
-      </p:sp>
-      <p:cxnSp>
-        <p:nvCxnSpPr>
-          <p:cNvPr id="6" name="直接连接符 5"/>
-          <p:cNvCxnSpPr/>
-          <p:nvPr/>
-        </p:nvCxnSpPr>
-        <p:spPr>
-          <a:xfrm>
-            <a:off x="2154169" y="4533189"/>
-            <a:ext cx="7362908" cy="0"/>
-          </a:xfrm>
-          <a:prstGeom prst="line">
-            <a:avLst/>
-          </a:prstGeom>
-          <a:ln w="9525">
-            <a:solidFill>
-              <a:schemeClr val="tx1"/>
-            </a:solidFill>
-            <a:prstDash val="lgDash"/>
-            <a:headEnd type="none" w="med" len="med"/>
-            <a:tailEnd type="triangle" w="med" len="med"/>
-          </a:ln>
-        </p:spPr>
-        <p:style>
-          <a:lnRef idx="1">
-            <a:schemeClr val="accent1"/>
-          </a:lnRef>
-          <a:fillRef idx="0">
-            <a:schemeClr val="accent1"/>
-          </a:fillRef>
-          <a:effectRef idx="0">
-            <a:schemeClr val="accent1"/>
-          </a:effectRef>
-          <a:fontRef idx="minor">
-            <a:schemeClr val="tx1"/>
-          </a:fontRef>
-        </p:style>
-      </p:cxnSp>
-      <p:cxnSp>
-        <p:nvCxnSpPr>
-          <p:cNvPr id="7" name="直接连接符 6"/>
-          <p:cNvCxnSpPr/>
-          <p:nvPr/>
-        </p:nvCxnSpPr>
-        <p:spPr>
-          <a:xfrm>
-            <a:off x="2154169" y="5177244"/>
-            <a:ext cx="7362908" cy="0"/>
-          </a:xfrm>
-          <a:prstGeom prst="line">
-            <a:avLst/>
-          </a:prstGeom>
-          <a:ln w="9525">
-            <a:solidFill>
-              <a:schemeClr val="tx1"/>
-            </a:solidFill>
-            <a:prstDash val="lgDash"/>
-            <a:headEnd type="none" w="med" len="med"/>
-            <a:tailEnd type="triangle" w="med" len="med"/>
-          </a:ln>
-        </p:spPr>
-        <p:style>
-          <a:lnRef idx="1">
-            <a:schemeClr val="accent1"/>
-          </a:lnRef>
-          <a:fillRef idx="0">
-            <a:schemeClr val="accent1"/>
-          </a:fillRef>
-          <a:effectRef idx="0">
-            <a:schemeClr val="accent1"/>
-          </a:effectRef>
-          <a:fontRef idx="minor">
-            <a:schemeClr val="tx1"/>
-          </a:fontRef>
-        </p:style>
-      </p:cxnSp>
-      <p:cxnSp>
-        <p:nvCxnSpPr>
-          <p:cNvPr id="8" name="直接连接符 7"/>
-          <p:cNvCxnSpPr/>
-          <p:nvPr/>
-        </p:nvCxnSpPr>
-        <p:spPr>
-          <a:xfrm>
-            <a:off x="2154169" y="5780292"/>
-            <a:ext cx="7362908" cy="0"/>
-          </a:xfrm>
-          <a:prstGeom prst="line">
-            <a:avLst/>
-          </a:prstGeom>
-          <a:ln w="9525">
-            <a:solidFill>
-              <a:schemeClr val="tx1"/>
-            </a:solidFill>
-            <a:prstDash val="lgDash"/>
-            <a:headEnd type="none" w="med" len="med"/>
-            <a:tailEnd type="triangle" w="med" len="med"/>
-          </a:ln>
-        </p:spPr>
-        <p:style>
-          <a:lnRef idx="1">
-            <a:schemeClr val="accent1"/>
-          </a:lnRef>
-          <a:fillRef idx="0">
-            <a:schemeClr val="accent1"/>
-          </a:fillRef>
-          <a:effectRef idx="0">
-            <a:schemeClr val="accent1"/>
-          </a:effectRef>
-          <a:fontRef idx="minor">
-            <a:schemeClr val="tx1"/>
-          </a:fontRef>
-        </p:style>
-      </p:cxnSp>
-      <p:cxnSp>
-        <p:nvCxnSpPr>
-          <p:cNvPr id="10" name="直接箭头连接符 9"/>
-          <p:cNvCxnSpPr/>
-          <p:nvPr/>
-        </p:nvCxnSpPr>
-        <p:spPr>
-          <a:xfrm flipV="1">
-            <a:off x="3065385" y="4521660"/>
-            <a:ext cx="545471" cy="663573"/>
-          </a:xfrm>
-          <a:prstGeom prst="straightConnector1">
-            <a:avLst/>
-          </a:prstGeom>
-          <a:ln w="12700">
-            <a:solidFill>
-              <a:schemeClr val="tx1"/>
-            </a:solidFill>
-            <a:headEnd type="none" w="med" len="med"/>
-            <a:tailEnd type="triangle" w="med" len="med"/>
-          </a:ln>
-        </p:spPr>
-        <p:style>
-          <a:lnRef idx="1">
-            <a:schemeClr val="accent1"/>
-          </a:lnRef>
-          <a:fillRef idx="0">
-            <a:schemeClr val="accent1"/>
-          </a:fillRef>
-          <a:effectRef idx="0">
-            <a:schemeClr val="accent1"/>
-          </a:effectRef>
-          <a:fontRef idx="minor">
-            <a:schemeClr val="tx1"/>
-          </a:fontRef>
-        </p:style>
-      </p:cxnSp>
-      <p:cxnSp>
-        <p:nvCxnSpPr>
-          <p:cNvPr id="13" name="直接箭头连接符 12"/>
-          <p:cNvCxnSpPr/>
-          <p:nvPr/>
-        </p:nvCxnSpPr>
-        <p:spPr>
-          <a:xfrm>
-            <a:off x="3052975" y="5187468"/>
-            <a:ext cx="570290" cy="588255"/>
-          </a:xfrm>
-          <a:prstGeom prst="straightConnector1">
-            <a:avLst/>
-          </a:prstGeom>
-          <a:ln w="12700">
-            <a:solidFill>
-              <a:schemeClr val="tx1"/>
-            </a:solidFill>
-            <a:headEnd type="none" w="med" len="med"/>
-            <a:tailEnd type="triangle" w="med" len="med"/>
-          </a:ln>
-        </p:spPr>
-        <p:style>
-          <a:lnRef idx="1">
-            <a:schemeClr val="accent1"/>
-          </a:lnRef>
-          <a:fillRef idx="0">
-            <a:schemeClr val="accent1"/>
-          </a:fillRef>
-          <a:effectRef idx="0">
-            <a:schemeClr val="accent1"/>
-          </a:effectRef>
-          <a:fontRef idx="minor">
-            <a:schemeClr val="tx1"/>
-          </a:fontRef>
-        </p:style>
-      </p:cxnSp>
-      <p:sp>
-        <p:nvSpPr>
-          <p:cNvPr id="16" name="文本框 15"/>
-          <p:cNvSpPr txBox="1"/>
-          <p:nvPr/>
-        </p:nvSpPr>
-        <p:spPr>
-          <a:xfrm>
-            <a:off x="814262" y="2422166"/>
-            <a:ext cx="10319481" cy="1015663"/>
-          </a:xfrm>
-          <a:prstGeom prst="rect">
-            <a:avLst/>
-          </a:prstGeom>
-          <a:noFill/>
-        </p:spPr>
-        <p:txBody>
-          <a:bodyPr wrap="square" rtlCol="0" anchor="t">
-            <a:spAutoFit/>
-          </a:bodyPr>
-          <a:lstStyle/>
-          <a:p>
-            <a:r>
-              <a:rPr lang="en-US" altLang="zh-CN" sz="2000" dirty="0">
-                <a:latin typeface="微软雅黑" panose="020B0503020204020204" pitchFamily="34" charset="-122"/>
-                <a:ea typeface="微软雅黑" panose="020B0503020204020204" pitchFamily="34" charset="-122"/>
-              </a:rPr>
-              <a:t>Leader </a:t>
-            </a:r>
-            <a:r>
-              <a:rPr lang="zh-CN" altLang="en-US" sz="2000" dirty="0">
-                <a:latin typeface="微软雅黑" panose="020B0503020204020204" pitchFamily="34" charset="-122"/>
-                <a:ea typeface="微软雅黑" panose="020B0503020204020204" pitchFamily="34" charset="-122"/>
-              </a:rPr>
-              <a:t>向所有 </a:t>
-            </a:r>
-            <a:r>
-              <a:rPr lang="en-US" altLang="zh-CN" sz="2000" dirty="0">
-                <a:latin typeface="微软雅黑" panose="020B0503020204020204" pitchFamily="34" charset="-122"/>
-                <a:ea typeface="微软雅黑" panose="020B0503020204020204" pitchFamily="34" charset="-122"/>
-              </a:rPr>
-              <a:t>Follower </a:t>
-            </a:r>
-            <a:r>
-              <a:rPr lang="zh-CN" altLang="en-US" sz="2000" dirty="0">
-                <a:latin typeface="微软雅黑" panose="020B0503020204020204" pitchFamily="34" charset="-122"/>
-                <a:ea typeface="微软雅黑" panose="020B0503020204020204" pitchFamily="34" charset="-122"/>
-              </a:rPr>
-              <a:t>发送一个 </a:t>
-            </a:r>
-            <a:r>
-              <a:rPr lang="en-US" altLang="zh-CN" sz="2000" dirty="0">
-                <a:latin typeface="微软雅黑" panose="020B0503020204020204" pitchFamily="34" charset="-122"/>
-                <a:ea typeface="微软雅黑" panose="020B0503020204020204" pitchFamily="34" charset="-122"/>
-              </a:rPr>
-              <a:t>Proposal </a:t>
-            </a:r>
-            <a:r>
-              <a:rPr lang="zh-CN" altLang="en-US" sz="2000" dirty="0">
-                <a:latin typeface="微软雅黑" panose="020B0503020204020204" pitchFamily="34" charset="-122"/>
-                <a:ea typeface="微软雅黑" panose="020B0503020204020204" pitchFamily="34" charset="-122"/>
-              </a:rPr>
-              <a:t>消息 </a:t>
-            </a:r>
-            <a:r>
-              <a:rPr lang="en-US" altLang="zh-CN" sz="2000" dirty="0">
-                <a:latin typeface="微软雅黑" panose="020B0503020204020204" pitchFamily="34" charset="-122"/>
-                <a:ea typeface="微软雅黑" panose="020B0503020204020204" pitchFamily="34" charset="-122"/>
-              </a:rPr>
-              <a:t>p。</a:t>
-            </a:r>
-            <a:endParaRPr lang="zh-CN" altLang="en-US" sz="2000" dirty="0">
-              <a:latin typeface="微软雅黑" panose="020B0503020204020204" pitchFamily="34" charset="-122"/>
-              <a:ea typeface="微软雅黑" panose="020B0503020204020204" pitchFamily="34" charset="-122"/>
-            </a:endParaRPr>
-          </a:p>
-          <a:p>
-            <a:r>
-              <a:rPr lang="zh-CN" altLang="en-US" sz="2000" dirty="0">
-                <a:latin typeface="微软雅黑" panose="020B0503020204020204" pitchFamily="34" charset="-122"/>
-                <a:ea typeface="微软雅黑" panose="020B0503020204020204" pitchFamily="34" charset="-122"/>
-              </a:rPr>
-              <a:t>当一个 </a:t>
-            </a:r>
-            <a:r>
-              <a:rPr lang="en-US" altLang="zh-CN" sz="2000" dirty="0">
-                <a:latin typeface="微软雅黑" panose="020B0503020204020204" pitchFamily="34" charset="-122"/>
-                <a:ea typeface="微软雅黑" panose="020B0503020204020204" pitchFamily="34" charset="-122"/>
-              </a:rPr>
-              <a:t>Follower </a:t>
-            </a:r>
-            <a:r>
-              <a:rPr lang="zh-CN" altLang="en-US" sz="2000" dirty="0">
-                <a:latin typeface="微软雅黑" panose="020B0503020204020204" pitchFamily="34" charset="-122"/>
-                <a:ea typeface="微软雅黑" panose="020B0503020204020204" pitchFamily="34" charset="-122"/>
-              </a:rPr>
-              <a:t>接收到消息 </a:t>
-            </a:r>
-            <a:r>
-              <a:rPr lang="en-US" altLang="zh-CN" sz="2000" dirty="0">
-                <a:latin typeface="微软雅黑" panose="020B0503020204020204" pitchFamily="34" charset="-122"/>
-                <a:ea typeface="微软雅黑" panose="020B0503020204020204" pitchFamily="34" charset="-122"/>
-              </a:rPr>
-              <a:t>p </a:t>
-            </a:r>
-            <a:r>
-              <a:rPr lang="zh-CN" altLang="en-US" sz="2000" dirty="0">
-                <a:latin typeface="微软雅黑" panose="020B0503020204020204" pitchFamily="34" charset="-122"/>
-                <a:ea typeface="微软雅黑" panose="020B0503020204020204" pitchFamily="34" charset="-122"/>
-              </a:rPr>
-              <a:t>后，会响应 </a:t>
-            </a:r>
-            <a:r>
-              <a:rPr lang="en-US" altLang="zh-CN" sz="2000" dirty="0">
-                <a:latin typeface="微软雅黑" panose="020B0503020204020204" pitchFamily="34" charset="-122"/>
-                <a:ea typeface="微软雅黑" panose="020B0503020204020204" pitchFamily="34" charset="-122"/>
-              </a:rPr>
-              <a:t>Leader </a:t>
-            </a:r>
-            <a:r>
-              <a:rPr lang="zh-CN" altLang="en-US" sz="2000" dirty="0">
-                <a:latin typeface="微软雅黑" panose="020B0503020204020204" pitchFamily="34" charset="-122"/>
-                <a:ea typeface="微软雅黑" panose="020B0503020204020204" pitchFamily="34" charset="-122"/>
-              </a:rPr>
-              <a:t>一个 </a:t>
-            </a:r>
-            <a:r>
-              <a:rPr lang="en-US" altLang="zh-CN" sz="2000" dirty="0">
-                <a:latin typeface="微软雅黑" panose="020B0503020204020204" pitchFamily="34" charset="-122"/>
-                <a:ea typeface="微软雅黑" panose="020B0503020204020204" pitchFamily="34" charset="-122"/>
-              </a:rPr>
-              <a:t>ACK。</a:t>
-            </a:r>
-          </a:p>
-          <a:p>
-            <a:r>
-              <a:rPr lang="zh-CN" altLang="en-US" sz="2000" dirty="0">
-                <a:latin typeface="微软雅黑" panose="020B0503020204020204" pitchFamily="34" charset="-122"/>
-                <a:ea typeface="微软雅黑" panose="020B0503020204020204" pitchFamily="34" charset="-122"/>
-              </a:rPr>
-              <a:t>当收到仲裁量的服务器发送的确认消息后，</a:t>
-            </a:r>
-            <a:r>
-              <a:rPr lang="en-US" altLang="zh-CN" sz="2000" dirty="0">
-                <a:latin typeface="微软雅黑" panose="020B0503020204020204" pitchFamily="34" charset="-122"/>
-                <a:ea typeface="微软雅黑" panose="020B0503020204020204" pitchFamily="34" charset="-122"/>
-              </a:rPr>
-              <a:t>Leader </a:t>
-            </a:r>
-            <a:r>
-              <a:rPr lang="zh-CN" altLang="en-US" sz="2000" dirty="0">
-                <a:latin typeface="微软雅黑" panose="020B0503020204020204" pitchFamily="34" charset="-122"/>
-                <a:ea typeface="微软雅黑" panose="020B0503020204020204" pitchFamily="34" charset="-122"/>
-              </a:rPr>
-              <a:t>就发送消息通知 </a:t>
-            </a:r>
-            <a:r>
-              <a:rPr lang="en-US" altLang="zh-CN" sz="2000" dirty="0">
-                <a:latin typeface="微软雅黑" panose="020B0503020204020204" pitchFamily="34" charset="-122"/>
-                <a:ea typeface="微软雅黑" panose="020B0503020204020204" pitchFamily="34" charset="-122"/>
-              </a:rPr>
-              <a:t>Follower </a:t>
-            </a:r>
-            <a:r>
-              <a:rPr lang="zh-CN" altLang="en-US" sz="2000" dirty="0">
-                <a:latin typeface="微软雅黑" panose="020B0503020204020204" pitchFamily="34" charset="-122"/>
-                <a:ea typeface="微软雅黑" panose="020B0503020204020204" pitchFamily="34" charset="-122"/>
-              </a:rPr>
-              <a:t>进行提交。</a:t>
-            </a:r>
-            <a:endParaRPr lang="en-US" altLang="zh-CN" sz="2000" dirty="0">
-              <a:latin typeface="微软雅黑" panose="020B0503020204020204" pitchFamily="34" charset="-122"/>
-              <a:ea typeface="微软雅黑" panose="020B0503020204020204" pitchFamily="34" charset="-122"/>
-            </a:endParaRPr>
-          </a:p>
-        </p:txBody>
-      </p:sp>
-      <p:cxnSp>
-        <p:nvCxnSpPr>
-          <p:cNvPr id="19" name="直接箭头连接符 18"/>
-          <p:cNvCxnSpPr/>
-          <p:nvPr/>
-        </p:nvCxnSpPr>
-        <p:spPr>
-          <a:xfrm>
-            <a:off x="4534481" y="4544719"/>
-            <a:ext cx="723569" cy="653349"/>
-          </a:xfrm>
-          <a:prstGeom prst="straightConnector1">
-            <a:avLst/>
-          </a:prstGeom>
-          <a:ln w="12700">
-            <a:solidFill>
-              <a:schemeClr val="tx1"/>
-            </a:solidFill>
-            <a:headEnd type="none" w="med" len="med"/>
-            <a:tailEnd type="triangle" w="med" len="med"/>
-          </a:ln>
-        </p:spPr>
-        <p:style>
-          <a:lnRef idx="1">
-            <a:schemeClr val="accent1"/>
-          </a:lnRef>
-          <a:fillRef idx="0">
-            <a:schemeClr val="accent1"/>
-          </a:fillRef>
-          <a:effectRef idx="0">
-            <a:schemeClr val="accent1"/>
-          </a:effectRef>
-          <a:fontRef idx="minor">
-            <a:schemeClr val="tx1"/>
-          </a:fontRef>
-        </p:style>
-      </p:cxnSp>
-      <p:cxnSp>
-        <p:nvCxnSpPr>
-          <p:cNvPr id="22" name="直接箭头连接符 21"/>
-          <p:cNvCxnSpPr/>
-          <p:nvPr/>
-        </p:nvCxnSpPr>
-        <p:spPr>
-          <a:xfrm flipV="1">
-            <a:off x="4522071" y="5198068"/>
-            <a:ext cx="735979" cy="577655"/>
-          </a:xfrm>
-          <a:prstGeom prst="straightConnector1">
-            <a:avLst/>
-          </a:prstGeom>
-          <a:ln w="12700">
-            <a:solidFill>
-              <a:schemeClr val="tx1"/>
-            </a:solidFill>
-            <a:headEnd type="none" w="med" len="med"/>
-            <a:tailEnd type="triangle" w="med" len="med"/>
-          </a:ln>
-        </p:spPr>
-        <p:style>
-          <a:lnRef idx="1">
-            <a:schemeClr val="accent1"/>
-          </a:lnRef>
-          <a:fillRef idx="0">
-            <a:schemeClr val="accent1"/>
-          </a:fillRef>
-          <a:effectRef idx="0">
-            <a:schemeClr val="accent1"/>
-          </a:effectRef>
-          <a:fontRef idx="minor">
-            <a:schemeClr val="tx1"/>
-          </a:fontRef>
-        </p:style>
-      </p:cxnSp>
-      <p:cxnSp>
-        <p:nvCxnSpPr>
-          <p:cNvPr id="26" name="直接箭头连接符 25"/>
-          <p:cNvCxnSpPr/>
-          <p:nvPr/>
-        </p:nvCxnSpPr>
-        <p:spPr>
-          <a:xfrm flipV="1">
-            <a:off x="6156856" y="4530361"/>
-            <a:ext cx="545471" cy="663573"/>
-          </a:xfrm>
-          <a:prstGeom prst="straightConnector1">
-            <a:avLst/>
-          </a:prstGeom>
-          <a:ln w="12700">
-            <a:solidFill>
-              <a:schemeClr val="tx1"/>
-            </a:solidFill>
-            <a:headEnd type="none" w="med" len="med"/>
-            <a:tailEnd type="triangle" w="med" len="med"/>
-          </a:ln>
-        </p:spPr>
-        <p:style>
-          <a:lnRef idx="1">
-            <a:schemeClr val="accent1"/>
-          </a:lnRef>
-          <a:fillRef idx="0">
-            <a:schemeClr val="accent1"/>
-          </a:fillRef>
-          <a:effectRef idx="0">
-            <a:schemeClr val="accent1"/>
-          </a:effectRef>
-          <a:fontRef idx="minor">
-            <a:schemeClr val="tx1"/>
-          </a:fontRef>
-        </p:style>
-      </p:cxnSp>
-      <p:cxnSp>
-        <p:nvCxnSpPr>
-          <p:cNvPr id="27" name="直接箭头连接符 26"/>
-          <p:cNvCxnSpPr/>
-          <p:nvPr/>
-        </p:nvCxnSpPr>
-        <p:spPr>
-          <a:xfrm>
-            <a:off x="6144446" y="5196169"/>
-            <a:ext cx="570290" cy="588255"/>
-          </a:xfrm>
-          <a:prstGeom prst="straightConnector1">
-            <a:avLst/>
-          </a:prstGeom>
-          <a:ln w="12700">
-            <a:solidFill>
-              <a:schemeClr val="tx1"/>
-            </a:solidFill>
-            <a:headEnd type="none" w="med" len="med"/>
-            <a:tailEnd type="triangle" w="med" len="med"/>
-          </a:ln>
-        </p:spPr>
-        <p:style>
-          <a:lnRef idx="1">
-            <a:schemeClr val="accent1"/>
-          </a:lnRef>
-          <a:fillRef idx="0">
-            <a:schemeClr val="accent1"/>
-          </a:fillRef>
-          <a:effectRef idx="0">
-            <a:schemeClr val="accent1"/>
-          </a:effectRef>
-          <a:fontRef idx="minor">
-            <a:schemeClr val="tx1"/>
-          </a:fontRef>
-        </p:style>
-      </p:cxnSp>
-      <p:sp>
-        <p:nvSpPr>
-          <p:cNvPr id="28" name="文本框 27"/>
-          <p:cNvSpPr txBox="1"/>
-          <p:nvPr/>
-        </p:nvSpPr>
-        <p:spPr>
-          <a:xfrm>
-            <a:off x="814262" y="723207"/>
-            <a:ext cx="10319481" cy="707886"/>
-          </a:xfrm>
-          <a:prstGeom prst="rect">
-            <a:avLst/>
-          </a:prstGeom>
-          <a:noFill/>
-        </p:spPr>
-        <p:txBody>
-          <a:bodyPr wrap="square" rtlCol="0" anchor="t">
-            <a:spAutoFit/>
-          </a:bodyPr>
-          <a:lstStyle/>
-          <a:p>
-            <a:r>
-              <a:rPr lang="en-US" altLang="zh-CN" sz="2000" dirty="0">
-                <a:latin typeface="微软雅黑" panose="020B0503020204020204" pitchFamily="34" charset="-122"/>
-                <a:ea typeface="微软雅黑" panose="020B0503020204020204" pitchFamily="34" charset="-122"/>
-              </a:rPr>
-              <a:t>ZooKeeper：</a:t>
-            </a:r>
-            <a:r>
-              <a:rPr lang="zh-CN" altLang="en-US" sz="2000" dirty="0">
-                <a:latin typeface="微软雅黑" panose="020B0503020204020204" pitchFamily="34" charset="-122"/>
-                <a:ea typeface="微软雅黑" panose="020B0503020204020204" pitchFamily="34" charset="-122"/>
-              </a:rPr>
-              <a:t>内嵌 Zab - </a:t>
-            </a:r>
-            <a:r>
-              <a:rPr lang="en-US" altLang="zh-CN" sz="2000" dirty="0">
-                <a:latin typeface="微软雅黑" panose="020B0503020204020204" pitchFamily="34" charset="-122"/>
-                <a:ea typeface="微软雅黑" panose="020B0503020204020204" pitchFamily="34" charset="-122"/>
-                <a:cs typeface="+mn-lt"/>
-              </a:rPr>
-              <a:t>ZooKeeper Atomic Broadcast protocol</a:t>
-            </a:r>
-            <a:r>
-              <a:rPr lang="en-US" altLang="zh-CN" sz="2000" dirty="0">
-                <a:latin typeface="微软雅黑" panose="020B0503020204020204" pitchFamily="34" charset="-122"/>
-                <a:ea typeface="微软雅黑" panose="020B0503020204020204" pitchFamily="34" charset="-122"/>
-              </a:rPr>
-              <a:t> -</a:t>
-            </a:r>
-            <a:r>
-              <a:rPr lang="zh-CN" altLang="en-US" sz="2000" dirty="0">
-                <a:latin typeface="微软雅黑" panose="020B0503020204020204" pitchFamily="34" charset="-122"/>
-                <a:ea typeface="微软雅黑" panose="020B0503020204020204" pitchFamily="34" charset="-122"/>
-              </a:rPr>
-              <a:t> </a:t>
-            </a:r>
-            <a:r>
-              <a:rPr lang="en-US" altLang="zh-CN" sz="2000" dirty="0">
-                <a:latin typeface="微软雅黑" panose="020B0503020204020204" pitchFamily="34" charset="-122"/>
-                <a:ea typeface="微软雅黑" panose="020B0503020204020204" pitchFamily="34" charset="-122"/>
-              </a:rPr>
-              <a:t>ZooKeeper </a:t>
-            </a:r>
-            <a:r>
-              <a:rPr lang="zh-CN" altLang="en-US" sz="2000" dirty="0">
-                <a:latin typeface="微软雅黑" panose="020B0503020204020204" pitchFamily="34" charset="-122"/>
-                <a:ea typeface="微软雅黑" panose="020B0503020204020204" pitchFamily="34" charset="-122"/>
-              </a:rPr>
-              <a:t>原子广播协议</a:t>
-            </a:r>
-            <a:r>
-              <a:rPr lang="en-US" altLang="zh-CN" sz="2000" dirty="0">
-                <a:latin typeface="微软雅黑" panose="020B0503020204020204" pitchFamily="34" charset="-122"/>
-                <a:ea typeface="微软雅黑" panose="020B0503020204020204" pitchFamily="34" charset="-122"/>
-              </a:rPr>
-              <a:t>。</a:t>
-            </a:r>
-          </a:p>
-        </p:txBody>
-      </p:sp>
-      <p:sp>
-        <p:nvSpPr>
-          <p:cNvPr id="15" name="文本框 15">
+          <p:cNvPr id="5" name="文本框 3">
             <a:extLst>
               <a:ext uri="{FF2B5EF4-FFF2-40B4-BE49-F238E27FC236}">
-                <a16:creationId xmlns:a16="http://schemas.microsoft.com/office/drawing/2014/main" id="{990CBA55-DF0C-4BA3-A9BD-65E70061870D}"/>
+                <a16:creationId xmlns:a16="http://schemas.microsoft.com/office/drawing/2014/main" id="{7D685C53-194C-4A09-A256-5BDE58821789}"/>
               </a:ext>
             </a:extLst>
           </p:cNvPr>
@@ -14212,8 +13771,8 @@
         </p:nvSpPr>
         <p:spPr>
           <a:xfrm>
-            <a:off x="814261" y="1905556"/>
-            <a:ext cx="10319481" cy="400110"/>
+            <a:off x="4577554" y="2804944"/>
+            <a:ext cx="3139001" cy="769441"/>
           </a:xfrm>
           <a:prstGeom prst="rect">
             <a:avLst/>
@@ -14221,19 +13780,19 @@
           <a:noFill/>
         </p:spPr>
         <p:txBody>
-          <a:bodyPr wrap="square" rtlCol="0" anchor="t">
+          <a:bodyPr wrap="none" rtlCol="0" anchor="t">
             <a:spAutoFit/>
           </a:bodyPr>
           <a:lstStyle/>
           <a:p>
             <a:r>
-              <a:rPr lang="zh-CN" altLang="en-US" sz="2000">
-                <a:latin typeface="微软雅黑" panose="020B0503020204020204" pitchFamily="34" charset="-122"/>
-                <a:ea typeface="微软雅黑" panose="020B0503020204020204" pitchFamily="34" charset="-122"/>
-              </a:rPr>
-              <a:t>实现 Zab</a:t>
-            </a:r>
-            <a:endParaRPr lang="en-US" altLang="zh-CN" sz="2000">
+              <a:rPr lang="zh-CN" altLang="en-US" sz="4400">
+                <a:latin typeface="微软雅黑"/>
+                <a:ea typeface="微软雅黑"/>
+              </a:rPr>
+              <a:t>ZooKeeper</a:t>
+            </a:r>
+            <a:endParaRPr lang="zh-CN" altLang="en-US" sz="4400">
               <a:latin typeface="微软雅黑" panose="020B0503020204020204" pitchFamily="34" charset="-122"/>
               <a:ea typeface="微软雅黑" panose="020B0503020204020204" pitchFamily="34" charset="-122"/>
             </a:endParaRPr>
@@ -14243,7 +13802,7 @@
     </p:spTree>
     <p:extLst>
       <p:ext uri="{BB962C8B-B14F-4D97-AF65-F5344CB8AC3E}">
-        <p14:creationId xmlns:p14="http://schemas.microsoft.com/office/powerpoint/2010/main" val="3231138620"/>
+        <p14:creationId xmlns:p14="http://schemas.microsoft.com/office/powerpoint/2010/main" val="2325265814"/>
       </p:ext>
     </p:extLst>
   </p:cSld>
@@ -14272,14 +13831,246 @@
       </p:grpSpPr>
       <p:sp>
         <p:nvSpPr>
-          <p:cNvPr id="4" name="文本框 3"/>
+          <p:cNvPr id="5" name="矩形 4"/>
+          <p:cNvSpPr/>
+          <p:nvPr/>
+        </p:nvSpPr>
+        <p:spPr>
+          <a:xfrm>
+            <a:off x="891754" y="4108193"/>
+            <a:ext cx="9277855" cy="2048858"/>
+          </a:xfrm>
+          <a:prstGeom prst="rect">
+            <a:avLst/>
+          </a:prstGeom>
+          <a:noFill/>
+          <a:ln>
+            <a:prstDash val="sysDot"/>
+          </a:ln>
+        </p:spPr>
+        <p:style>
+          <a:lnRef idx="2">
+            <a:schemeClr val="accent1">
+              <a:shade val="50000"/>
+            </a:schemeClr>
+          </a:lnRef>
+          <a:fillRef idx="1">
+            <a:schemeClr val="accent1"/>
+          </a:fillRef>
+          <a:effectRef idx="0">
+            <a:schemeClr val="accent1"/>
+          </a:effectRef>
+          <a:fontRef idx="minor">
+            <a:schemeClr val="lt1"/>
+          </a:fontRef>
+        </p:style>
+        <p:txBody>
+          <a:bodyPr rtlCol="0" anchor="ctr"/>
+          <a:lstStyle/>
+          <a:p>
+            <a:pPr algn="ctr"/>
+            <a:endParaRPr lang="zh-CN" altLang="en-US"/>
+          </a:p>
+        </p:txBody>
+      </p:sp>
+      <p:cxnSp>
+        <p:nvCxnSpPr>
+          <p:cNvPr id="6" name="直接连接符 5"/>
+          <p:cNvCxnSpPr/>
+          <p:nvPr/>
+        </p:nvCxnSpPr>
+        <p:spPr>
+          <a:xfrm>
+            <a:off x="2154169" y="4533189"/>
+            <a:ext cx="7362908" cy="0"/>
+          </a:xfrm>
+          <a:prstGeom prst="line">
+            <a:avLst/>
+          </a:prstGeom>
+          <a:ln w="9525">
+            <a:solidFill>
+              <a:schemeClr val="tx1"/>
+            </a:solidFill>
+            <a:prstDash val="lgDash"/>
+            <a:headEnd type="none" w="med" len="med"/>
+            <a:tailEnd type="triangle" w="med" len="med"/>
+          </a:ln>
+        </p:spPr>
+        <p:style>
+          <a:lnRef idx="1">
+            <a:schemeClr val="accent1"/>
+          </a:lnRef>
+          <a:fillRef idx="0">
+            <a:schemeClr val="accent1"/>
+          </a:fillRef>
+          <a:effectRef idx="0">
+            <a:schemeClr val="accent1"/>
+          </a:effectRef>
+          <a:fontRef idx="minor">
+            <a:schemeClr val="tx1"/>
+          </a:fontRef>
+        </p:style>
+      </p:cxnSp>
+      <p:cxnSp>
+        <p:nvCxnSpPr>
+          <p:cNvPr id="7" name="直接连接符 6"/>
+          <p:cNvCxnSpPr/>
+          <p:nvPr/>
+        </p:nvCxnSpPr>
+        <p:spPr>
+          <a:xfrm>
+            <a:off x="2154169" y="5177244"/>
+            <a:ext cx="7362908" cy="0"/>
+          </a:xfrm>
+          <a:prstGeom prst="line">
+            <a:avLst/>
+          </a:prstGeom>
+          <a:ln w="9525">
+            <a:solidFill>
+              <a:schemeClr val="tx1"/>
+            </a:solidFill>
+            <a:prstDash val="lgDash"/>
+            <a:headEnd type="none" w="med" len="med"/>
+            <a:tailEnd type="triangle" w="med" len="med"/>
+          </a:ln>
+        </p:spPr>
+        <p:style>
+          <a:lnRef idx="1">
+            <a:schemeClr val="accent1"/>
+          </a:lnRef>
+          <a:fillRef idx="0">
+            <a:schemeClr val="accent1"/>
+          </a:fillRef>
+          <a:effectRef idx="0">
+            <a:schemeClr val="accent1"/>
+          </a:effectRef>
+          <a:fontRef idx="minor">
+            <a:schemeClr val="tx1"/>
+          </a:fontRef>
+        </p:style>
+      </p:cxnSp>
+      <p:cxnSp>
+        <p:nvCxnSpPr>
+          <p:cNvPr id="8" name="直接连接符 7"/>
+          <p:cNvCxnSpPr/>
+          <p:nvPr/>
+        </p:nvCxnSpPr>
+        <p:spPr>
+          <a:xfrm>
+            <a:off x="2154169" y="5780292"/>
+            <a:ext cx="7362908" cy="0"/>
+          </a:xfrm>
+          <a:prstGeom prst="line">
+            <a:avLst/>
+          </a:prstGeom>
+          <a:ln w="9525">
+            <a:solidFill>
+              <a:schemeClr val="tx1"/>
+            </a:solidFill>
+            <a:prstDash val="lgDash"/>
+            <a:headEnd type="none" w="med" len="med"/>
+            <a:tailEnd type="triangle" w="med" len="med"/>
+          </a:ln>
+        </p:spPr>
+        <p:style>
+          <a:lnRef idx="1">
+            <a:schemeClr val="accent1"/>
+          </a:lnRef>
+          <a:fillRef idx="0">
+            <a:schemeClr val="accent1"/>
+          </a:fillRef>
+          <a:effectRef idx="0">
+            <a:schemeClr val="accent1"/>
+          </a:effectRef>
+          <a:fontRef idx="minor">
+            <a:schemeClr val="tx1"/>
+          </a:fontRef>
+        </p:style>
+      </p:cxnSp>
+      <p:cxnSp>
+        <p:nvCxnSpPr>
+          <p:cNvPr id="10" name="直接箭头连接符 9"/>
+          <p:cNvCxnSpPr/>
+          <p:nvPr/>
+        </p:nvCxnSpPr>
+        <p:spPr>
+          <a:xfrm flipV="1">
+            <a:off x="3065385" y="4521660"/>
+            <a:ext cx="545471" cy="663573"/>
+          </a:xfrm>
+          <a:prstGeom prst="straightConnector1">
+            <a:avLst/>
+          </a:prstGeom>
+          <a:ln w="12700">
+            <a:solidFill>
+              <a:schemeClr val="tx1"/>
+            </a:solidFill>
+            <a:headEnd type="none" w="med" len="med"/>
+            <a:tailEnd type="triangle" w="med" len="med"/>
+          </a:ln>
+        </p:spPr>
+        <p:style>
+          <a:lnRef idx="1">
+            <a:schemeClr val="accent1"/>
+          </a:lnRef>
+          <a:fillRef idx="0">
+            <a:schemeClr val="accent1"/>
+          </a:fillRef>
+          <a:effectRef idx="0">
+            <a:schemeClr val="accent1"/>
+          </a:effectRef>
+          <a:fontRef idx="minor">
+            <a:schemeClr val="tx1"/>
+          </a:fontRef>
+        </p:style>
+      </p:cxnSp>
+      <p:cxnSp>
+        <p:nvCxnSpPr>
+          <p:cNvPr id="13" name="直接箭头连接符 12"/>
+          <p:cNvCxnSpPr/>
+          <p:nvPr/>
+        </p:nvCxnSpPr>
+        <p:spPr>
+          <a:xfrm>
+            <a:off x="3052975" y="5187468"/>
+            <a:ext cx="570290" cy="588255"/>
+          </a:xfrm>
+          <a:prstGeom prst="straightConnector1">
+            <a:avLst/>
+          </a:prstGeom>
+          <a:ln w="12700">
+            <a:solidFill>
+              <a:schemeClr val="tx1"/>
+            </a:solidFill>
+            <a:headEnd type="none" w="med" len="med"/>
+            <a:tailEnd type="triangle" w="med" len="med"/>
+          </a:ln>
+        </p:spPr>
+        <p:style>
+          <a:lnRef idx="1">
+            <a:schemeClr val="accent1"/>
+          </a:lnRef>
+          <a:fillRef idx="0">
+            <a:schemeClr val="accent1"/>
+          </a:fillRef>
+          <a:effectRef idx="0">
+            <a:schemeClr val="accent1"/>
+          </a:effectRef>
+          <a:fontRef idx="minor">
+            <a:schemeClr val="tx1"/>
+          </a:fontRef>
+        </p:style>
+      </p:cxnSp>
+      <p:sp>
+        <p:nvSpPr>
+          <p:cNvPr id="16" name="文本框 15"/>
           <p:cNvSpPr txBox="1"/>
           <p:nvPr/>
         </p:nvSpPr>
         <p:spPr>
           <a:xfrm>
-            <a:off x="505975" y="451422"/>
-            <a:ext cx="10995216" cy="400110"/>
+            <a:off x="814262" y="2422166"/>
+            <a:ext cx="10319481" cy="1015663"/>
           </a:xfrm>
           <a:prstGeom prst="rect">
             <a:avLst/>
@@ -14294,24 +14085,317 @@
           <a:p>
             <a:r>
               <a:rPr lang="en-US" altLang="zh-CN" sz="2000" dirty="0">
-                <a:latin typeface="微软雅黑"/>
-                <a:ea typeface="微软雅黑"/>
-              </a:rPr>
-              <a:t>ZooKeeper is a distributed, open-source coordination service for distributed applications.</a:t>
-            </a:r>
-          </a:p>
-        </p:txBody>
-      </p:sp>
-      <p:sp>
-        <p:nvSpPr>
-          <p:cNvPr id="5" name="文本框 4"/>
+                <a:latin typeface="微软雅黑" panose="020B0503020204020204" pitchFamily="34" charset="-122"/>
+                <a:ea typeface="微软雅黑" panose="020B0503020204020204" pitchFamily="34" charset="-122"/>
+              </a:rPr>
+              <a:t>Leader </a:t>
+            </a:r>
+            <a:r>
+              <a:rPr lang="zh-CN" altLang="en-US" sz="2000" dirty="0">
+                <a:latin typeface="微软雅黑" panose="020B0503020204020204" pitchFamily="34" charset="-122"/>
+                <a:ea typeface="微软雅黑" panose="020B0503020204020204" pitchFamily="34" charset="-122"/>
+              </a:rPr>
+              <a:t>向所有 </a:t>
+            </a:r>
+            <a:r>
+              <a:rPr lang="en-US" altLang="zh-CN" sz="2000" dirty="0">
+                <a:latin typeface="微软雅黑" panose="020B0503020204020204" pitchFamily="34" charset="-122"/>
+                <a:ea typeface="微软雅黑" panose="020B0503020204020204" pitchFamily="34" charset="-122"/>
+              </a:rPr>
+              <a:t>Follower </a:t>
+            </a:r>
+            <a:r>
+              <a:rPr lang="zh-CN" altLang="en-US" sz="2000" dirty="0">
+                <a:latin typeface="微软雅黑" panose="020B0503020204020204" pitchFamily="34" charset="-122"/>
+                <a:ea typeface="微软雅黑" panose="020B0503020204020204" pitchFamily="34" charset="-122"/>
+              </a:rPr>
+              <a:t>发送一个 </a:t>
+            </a:r>
+            <a:r>
+              <a:rPr lang="en-US" altLang="zh-CN" sz="2000" dirty="0">
+                <a:latin typeface="微软雅黑" panose="020B0503020204020204" pitchFamily="34" charset="-122"/>
+                <a:ea typeface="微软雅黑" panose="020B0503020204020204" pitchFamily="34" charset="-122"/>
+              </a:rPr>
+              <a:t>Proposal </a:t>
+            </a:r>
+            <a:r>
+              <a:rPr lang="zh-CN" altLang="en-US" sz="2000" dirty="0">
+                <a:latin typeface="微软雅黑" panose="020B0503020204020204" pitchFamily="34" charset="-122"/>
+                <a:ea typeface="微软雅黑" panose="020B0503020204020204" pitchFamily="34" charset="-122"/>
+              </a:rPr>
+              <a:t>消息 </a:t>
+            </a:r>
+            <a:r>
+              <a:rPr lang="en-US" altLang="zh-CN" sz="2000" dirty="0">
+                <a:latin typeface="微软雅黑" panose="020B0503020204020204" pitchFamily="34" charset="-122"/>
+                <a:ea typeface="微软雅黑" panose="020B0503020204020204" pitchFamily="34" charset="-122"/>
+              </a:rPr>
+              <a:t>p。</a:t>
+            </a:r>
+            <a:endParaRPr lang="zh-CN" altLang="en-US" sz="2000" dirty="0">
+              <a:latin typeface="微软雅黑" panose="020B0503020204020204" pitchFamily="34" charset="-122"/>
+              <a:ea typeface="微软雅黑" panose="020B0503020204020204" pitchFamily="34" charset="-122"/>
+            </a:endParaRPr>
+          </a:p>
+          <a:p>
+            <a:r>
+              <a:rPr lang="zh-CN" altLang="en-US" sz="2000" dirty="0">
+                <a:latin typeface="微软雅黑" panose="020B0503020204020204" pitchFamily="34" charset="-122"/>
+                <a:ea typeface="微软雅黑" panose="020B0503020204020204" pitchFamily="34" charset="-122"/>
+              </a:rPr>
+              <a:t>当一个 </a:t>
+            </a:r>
+            <a:r>
+              <a:rPr lang="en-US" altLang="zh-CN" sz="2000" dirty="0">
+                <a:latin typeface="微软雅黑" panose="020B0503020204020204" pitchFamily="34" charset="-122"/>
+                <a:ea typeface="微软雅黑" panose="020B0503020204020204" pitchFamily="34" charset="-122"/>
+              </a:rPr>
+              <a:t>Follower </a:t>
+            </a:r>
+            <a:r>
+              <a:rPr lang="zh-CN" altLang="en-US" sz="2000" dirty="0">
+                <a:latin typeface="微软雅黑" panose="020B0503020204020204" pitchFamily="34" charset="-122"/>
+                <a:ea typeface="微软雅黑" panose="020B0503020204020204" pitchFamily="34" charset="-122"/>
+              </a:rPr>
+              <a:t>接收到消息 </a:t>
+            </a:r>
+            <a:r>
+              <a:rPr lang="en-US" altLang="zh-CN" sz="2000" dirty="0">
+                <a:latin typeface="微软雅黑" panose="020B0503020204020204" pitchFamily="34" charset="-122"/>
+                <a:ea typeface="微软雅黑" panose="020B0503020204020204" pitchFamily="34" charset="-122"/>
+              </a:rPr>
+              <a:t>p </a:t>
+            </a:r>
+            <a:r>
+              <a:rPr lang="zh-CN" altLang="en-US" sz="2000" dirty="0">
+                <a:latin typeface="微软雅黑" panose="020B0503020204020204" pitchFamily="34" charset="-122"/>
+                <a:ea typeface="微软雅黑" panose="020B0503020204020204" pitchFamily="34" charset="-122"/>
+              </a:rPr>
+              <a:t>后，会响应 </a:t>
+            </a:r>
+            <a:r>
+              <a:rPr lang="en-US" altLang="zh-CN" sz="2000" dirty="0">
+                <a:latin typeface="微软雅黑" panose="020B0503020204020204" pitchFamily="34" charset="-122"/>
+                <a:ea typeface="微软雅黑" panose="020B0503020204020204" pitchFamily="34" charset="-122"/>
+              </a:rPr>
+              <a:t>Leader </a:t>
+            </a:r>
+            <a:r>
+              <a:rPr lang="zh-CN" altLang="en-US" sz="2000" dirty="0">
+                <a:latin typeface="微软雅黑" panose="020B0503020204020204" pitchFamily="34" charset="-122"/>
+                <a:ea typeface="微软雅黑" panose="020B0503020204020204" pitchFamily="34" charset="-122"/>
+              </a:rPr>
+              <a:t>一个 </a:t>
+            </a:r>
+            <a:r>
+              <a:rPr lang="en-US" altLang="zh-CN" sz="2000" dirty="0">
+                <a:latin typeface="微软雅黑" panose="020B0503020204020204" pitchFamily="34" charset="-122"/>
+                <a:ea typeface="微软雅黑" panose="020B0503020204020204" pitchFamily="34" charset="-122"/>
+              </a:rPr>
+              <a:t>ACK。</a:t>
+            </a:r>
+          </a:p>
+          <a:p>
+            <a:r>
+              <a:rPr lang="zh-CN" altLang="en-US" sz="2000" dirty="0">
+                <a:latin typeface="微软雅黑" panose="020B0503020204020204" pitchFamily="34" charset="-122"/>
+                <a:ea typeface="微软雅黑" panose="020B0503020204020204" pitchFamily="34" charset="-122"/>
+              </a:rPr>
+              <a:t>当收到仲裁量的服务器发送的确认消息后，</a:t>
+            </a:r>
+            <a:r>
+              <a:rPr lang="en-US" altLang="zh-CN" sz="2000" dirty="0">
+                <a:latin typeface="微软雅黑" panose="020B0503020204020204" pitchFamily="34" charset="-122"/>
+                <a:ea typeface="微软雅黑" panose="020B0503020204020204" pitchFamily="34" charset="-122"/>
+              </a:rPr>
+              <a:t>Leader </a:t>
+            </a:r>
+            <a:r>
+              <a:rPr lang="zh-CN" altLang="en-US" sz="2000" dirty="0">
+                <a:latin typeface="微软雅黑" panose="020B0503020204020204" pitchFamily="34" charset="-122"/>
+                <a:ea typeface="微软雅黑" panose="020B0503020204020204" pitchFamily="34" charset="-122"/>
+              </a:rPr>
+              <a:t>就发送消息通知 </a:t>
+            </a:r>
+            <a:r>
+              <a:rPr lang="en-US" altLang="zh-CN" sz="2000" dirty="0">
+                <a:latin typeface="微软雅黑" panose="020B0503020204020204" pitchFamily="34" charset="-122"/>
+                <a:ea typeface="微软雅黑" panose="020B0503020204020204" pitchFamily="34" charset="-122"/>
+              </a:rPr>
+              <a:t>Follower </a:t>
+            </a:r>
+            <a:r>
+              <a:rPr lang="zh-CN" altLang="en-US" sz="2000" dirty="0">
+                <a:latin typeface="微软雅黑" panose="020B0503020204020204" pitchFamily="34" charset="-122"/>
+                <a:ea typeface="微软雅黑" panose="020B0503020204020204" pitchFamily="34" charset="-122"/>
+              </a:rPr>
+              <a:t>进行提交。</a:t>
+            </a:r>
+            <a:endParaRPr lang="en-US" altLang="zh-CN" sz="2000" dirty="0">
+              <a:latin typeface="微软雅黑" panose="020B0503020204020204" pitchFamily="34" charset="-122"/>
+              <a:ea typeface="微软雅黑" panose="020B0503020204020204" pitchFamily="34" charset="-122"/>
+            </a:endParaRPr>
+          </a:p>
+        </p:txBody>
+      </p:sp>
+      <p:cxnSp>
+        <p:nvCxnSpPr>
+          <p:cNvPr id="19" name="直接箭头连接符 18"/>
+          <p:cNvCxnSpPr/>
+          <p:nvPr/>
+        </p:nvCxnSpPr>
+        <p:spPr>
+          <a:xfrm>
+            <a:off x="4534481" y="4544719"/>
+            <a:ext cx="723569" cy="653349"/>
+          </a:xfrm>
+          <a:prstGeom prst="straightConnector1">
+            <a:avLst/>
+          </a:prstGeom>
+          <a:ln w="12700">
+            <a:solidFill>
+              <a:schemeClr val="tx1"/>
+            </a:solidFill>
+            <a:headEnd type="none" w="med" len="med"/>
+            <a:tailEnd type="triangle" w="med" len="med"/>
+          </a:ln>
+        </p:spPr>
+        <p:style>
+          <a:lnRef idx="1">
+            <a:schemeClr val="accent1"/>
+          </a:lnRef>
+          <a:fillRef idx="0">
+            <a:schemeClr val="accent1"/>
+          </a:fillRef>
+          <a:effectRef idx="0">
+            <a:schemeClr val="accent1"/>
+          </a:effectRef>
+          <a:fontRef idx="minor">
+            <a:schemeClr val="tx1"/>
+          </a:fontRef>
+        </p:style>
+      </p:cxnSp>
+      <p:cxnSp>
+        <p:nvCxnSpPr>
+          <p:cNvPr id="22" name="直接箭头连接符 21"/>
+          <p:cNvCxnSpPr/>
+          <p:nvPr/>
+        </p:nvCxnSpPr>
+        <p:spPr>
+          <a:xfrm flipV="1">
+            <a:off x="4522071" y="5198068"/>
+            <a:ext cx="735979" cy="577655"/>
+          </a:xfrm>
+          <a:prstGeom prst="straightConnector1">
+            <a:avLst/>
+          </a:prstGeom>
+          <a:ln w="12700">
+            <a:solidFill>
+              <a:schemeClr val="tx1"/>
+            </a:solidFill>
+            <a:headEnd type="none" w="med" len="med"/>
+            <a:tailEnd type="triangle" w="med" len="med"/>
+          </a:ln>
+        </p:spPr>
+        <p:style>
+          <a:lnRef idx="1">
+            <a:schemeClr val="accent1"/>
+          </a:lnRef>
+          <a:fillRef idx="0">
+            <a:schemeClr val="accent1"/>
+          </a:fillRef>
+          <a:effectRef idx="0">
+            <a:schemeClr val="accent1"/>
+          </a:effectRef>
+          <a:fontRef idx="minor">
+            <a:schemeClr val="tx1"/>
+          </a:fontRef>
+        </p:style>
+      </p:cxnSp>
+      <p:cxnSp>
+        <p:nvCxnSpPr>
+          <p:cNvPr id="26" name="直接箭头连接符 25"/>
+          <p:cNvCxnSpPr/>
+          <p:nvPr/>
+        </p:nvCxnSpPr>
+        <p:spPr>
+          <a:xfrm flipV="1">
+            <a:off x="6156856" y="4530361"/>
+            <a:ext cx="545471" cy="663573"/>
+          </a:xfrm>
+          <a:prstGeom prst="straightConnector1">
+            <a:avLst/>
+          </a:prstGeom>
+          <a:ln w="12700">
+            <a:solidFill>
+              <a:schemeClr val="tx1"/>
+            </a:solidFill>
+            <a:headEnd type="none" w="med" len="med"/>
+            <a:tailEnd type="triangle" w="med" len="med"/>
+          </a:ln>
+        </p:spPr>
+        <p:style>
+          <a:lnRef idx="1">
+            <a:schemeClr val="accent1"/>
+          </a:lnRef>
+          <a:fillRef idx="0">
+            <a:schemeClr val="accent1"/>
+          </a:fillRef>
+          <a:effectRef idx="0">
+            <a:schemeClr val="accent1"/>
+          </a:effectRef>
+          <a:fontRef idx="minor">
+            <a:schemeClr val="tx1"/>
+          </a:fontRef>
+        </p:style>
+      </p:cxnSp>
+      <p:cxnSp>
+        <p:nvCxnSpPr>
+          <p:cNvPr id="27" name="直接箭头连接符 26"/>
+          <p:cNvCxnSpPr/>
+          <p:nvPr/>
+        </p:nvCxnSpPr>
+        <p:spPr>
+          <a:xfrm>
+            <a:off x="6144446" y="5196169"/>
+            <a:ext cx="570290" cy="588255"/>
+          </a:xfrm>
+          <a:prstGeom prst="straightConnector1">
+            <a:avLst/>
+          </a:prstGeom>
+          <a:ln w="12700">
+            <a:solidFill>
+              <a:schemeClr val="tx1"/>
+            </a:solidFill>
+            <a:headEnd type="none" w="med" len="med"/>
+            <a:tailEnd type="triangle" w="med" len="med"/>
+          </a:ln>
+        </p:spPr>
+        <p:style>
+          <a:lnRef idx="1">
+            <a:schemeClr val="accent1"/>
+          </a:lnRef>
+          <a:fillRef idx="0">
+            <a:schemeClr val="accent1"/>
+          </a:fillRef>
+          <a:effectRef idx="0">
+            <a:schemeClr val="accent1"/>
+          </a:effectRef>
+          <a:fontRef idx="minor">
+            <a:schemeClr val="tx1"/>
+          </a:fontRef>
+        </p:style>
+      </p:cxnSp>
+      <p:sp>
+        <p:nvSpPr>
+          <p:cNvPr id="28" name="文本框 27"/>
           <p:cNvSpPr txBox="1"/>
           <p:nvPr/>
         </p:nvSpPr>
         <p:spPr>
           <a:xfrm>
-            <a:off x="505975" y="1719594"/>
-            <a:ext cx="7041444" cy="400110"/>
+            <a:off x="814262" y="723207"/>
+            <a:ext cx="10319481" cy="707886"/>
           </a:xfrm>
           <a:prstGeom prst="rect">
             <a:avLst/>
@@ -14325,66 +14409,71 @@
           <a:lstStyle/>
           <a:p>
             <a:r>
+              <a:rPr lang="en-US" altLang="zh-CN" sz="2000" dirty="0">
+                <a:latin typeface="微软雅黑" panose="020B0503020204020204" pitchFamily="34" charset="-122"/>
+                <a:ea typeface="微软雅黑" panose="020B0503020204020204" pitchFamily="34" charset="-122"/>
+              </a:rPr>
+              <a:t>ZooKeeper：</a:t>
+            </a:r>
+            <a:r>
               <a:rPr lang="zh-CN" altLang="en-US" sz="2000" dirty="0">
-                <a:latin typeface="微软雅黑"/>
-                <a:ea typeface="微软雅黑"/>
-              </a:rPr>
-              <a:t>设计目标</a:t>
-            </a:r>
-            <a:endParaRPr lang="en-US" altLang="zh-CN" sz="2000" dirty="0">
-              <a:latin typeface="微软雅黑"/>
-              <a:ea typeface="微软雅黑"/>
-            </a:endParaRPr>
-          </a:p>
-        </p:txBody>
-      </p:sp>
-      <p:pic>
-        <p:nvPicPr>
-          <p:cNvPr id="1026" name="Picture 2" descr="ZooKeeper Service"/>
-          <p:cNvPicPr>
-            <a:picLocks noChangeAspect="1" noChangeArrowheads="1"/>
-          </p:cNvPicPr>
-          <p:nvPr/>
-        </p:nvPicPr>
-        <p:blipFill>
-          <a:blip r:embed="rId3">
-            <a:extLst>
-              <a:ext uri="{28A0092B-C50C-407E-A947-70E740481C1C}">
-                <a14:useLocalDpi xmlns:a14="http://schemas.microsoft.com/office/drawing/2010/main" val="0"/>
-              </a:ext>
-            </a:extLst>
-          </a:blip>
-          <a:srcRect/>
-          <a:stretch>
-            <a:fillRect/>
-          </a:stretch>
-        </p:blipFill>
-        <p:spPr bwMode="auto">
-          <a:xfrm>
-            <a:off x="3137032" y="4192084"/>
-            <a:ext cx="5715000" cy="1762126"/>
-          </a:xfrm>
-          <a:prstGeom prst="rect">
-            <a:avLst/>
-          </a:prstGeom>
-          <a:noFill/>
-          <a:extLst>
-            <a:ext uri="{909E8E84-426E-40DD-AFC4-6F175D3DCCD1}">
-              <a14:hiddenFill xmlns:a14="http://schemas.microsoft.com/office/drawing/2010/main">
-                <a:solidFill>
-                  <a:srgbClr val="FFFFFF"/>
-                </a:solidFill>
-              </a14:hiddenFill>
-            </a:ext>
-          </a:extLst>
-        </p:spPr>
-      </p:pic>
-      <p:sp>
-        <p:nvSpPr>
-          <p:cNvPr id="6" name="文本框 3">
+                <a:latin typeface="微软雅黑" panose="020B0503020204020204" pitchFamily="34" charset="-122"/>
+                <a:ea typeface="微软雅黑" panose="020B0503020204020204" pitchFamily="34" charset="-122"/>
+              </a:rPr>
+              <a:t>内嵌 Zab - </a:t>
+            </a:r>
+            <a:r>
+              <a:rPr lang="en-US" altLang="zh-CN" sz="2000" dirty="0">
+                <a:latin typeface="微软雅黑" panose="020B0503020204020204" pitchFamily="34" charset="-122"/>
+                <a:ea typeface="微软雅黑" panose="020B0503020204020204" pitchFamily="34" charset="-122"/>
+                <a:cs typeface="+mn-lt"/>
+              </a:rPr>
+              <a:t>ZooKeeper Atomic Broadcast protocol</a:t>
+            </a:r>
+            <a:r>
+              <a:rPr lang="en-US" altLang="zh-CN" sz="2000" dirty="0">
+                <a:latin typeface="微软雅黑" panose="020B0503020204020204" pitchFamily="34" charset="-122"/>
+                <a:ea typeface="微软雅黑" panose="020B0503020204020204" pitchFamily="34" charset="-122"/>
+              </a:rPr>
+              <a:t> -</a:t>
+            </a:r>
+            <a:r>
+              <a:rPr lang="zh-CN" altLang="en-US" sz="2000" dirty="0">
+                <a:latin typeface="微软雅黑" panose="020B0503020204020204" pitchFamily="34" charset="-122"/>
+                <a:ea typeface="微软雅黑" panose="020B0503020204020204" pitchFamily="34" charset="-122"/>
+              </a:rPr>
+              <a:t> </a:t>
+            </a:r>
+            <a:r>
+              <a:rPr lang="en-US" altLang="zh-CN" sz="2000" dirty="0">
+                <a:latin typeface="微软雅黑" panose="020B0503020204020204" pitchFamily="34" charset="-122"/>
+                <a:ea typeface="微软雅黑" panose="020B0503020204020204" pitchFamily="34" charset="-122"/>
+              </a:rPr>
+              <a:t>ZooKeeper </a:t>
+            </a:r>
+            <a:r>
+              <a:rPr lang="zh-CN" altLang="en-US" sz="2000" dirty="0">
+                <a:latin typeface="微软雅黑" panose="020B0503020204020204" pitchFamily="34" charset="-122"/>
+                <a:ea typeface="微软雅黑" panose="020B0503020204020204" pitchFamily="34" charset="-122"/>
+              </a:rPr>
+              <a:t>原子广播协议</a:t>
+            </a:r>
+            <a:r>
+              <a:rPr lang="en-US" altLang="zh-CN" sz="2000" dirty="0">
+                <a:latin typeface="微软雅黑" panose="020B0503020204020204" pitchFamily="34" charset="-122"/>
+                <a:ea typeface="微软雅黑" panose="020B0503020204020204" pitchFamily="34" charset="-122"/>
+              </a:rPr>
+              <a:t>。</a:t>
+            </a:r>
+          </a:p>
+        </p:txBody>
+      </p:sp>
+      <p:sp>
+        <p:nvSpPr>
+          <p:cNvPr id="15" name="文本框 15">
             <a:extLst>
               <a:ext uri="{FF2B5EF4-FFF2-40B4-BE49-F238E27FC236}">
-                <a16:creationId xmlns:a16="http://schemas.microsoft.com/office/drawing/2014/main" id="{F7CE1702-32EC-4A6D-AE0B-3581D3A41CBA}"/>
+                <a16:creationId xmlns:a16="http://schemas.microsoft.com/office/drawing/2014/main" id="{990CBA55-DF0C-4BA3-A9BD-65E70061870D}"/>
               </a:ext>
             </a:extLst>
           </p:cNvPr>
@@ -14393,7 +14482,7 @@
         </p:nvSpPr>
         <p:spPr>
           <a:xfrm>
-            <a:off x="505975" y="851532"/>
+            <a:off x="814261" y="1905556"/>
             <a:ext cx="10319481" cy="400110"/>
           </a:xfrm>
           <a:prstGeom prst="rect">
@@ -14408,134 +14497,23 @@
           <a:lstStyle/>
           <a:p>
             <a:r>
-              <a:rPr lang="en-US" altLang="zh-CN" sz="2000" dirty="0">
-                <a:latin typeface="微软雅黑"/>
-                <a:ea typeface="微软雅黑"/>
-              </a:rPr>
-              <a:t>ZooKeeper </a:t>
-            </a:r>
-            <a:r>
-              <a:rPr lang="zh-CN" altLang="en-US" sz="2000" dirty="0">
-                <a:latin typeface="微软雅黑"/>
-                <a:ea typeface="微软雅黑"/>
-              </a:rPr>
-              <a:t>是一个用于分布式应用程序的开源分布式协调服务。</a:t>
-            </a:r>
-            <a:endParaRPr lang="en-US" altLang="zh-CN" sz="2000" dirty="0">
-              <a:latin typeface="微软雅黑"/>
-              <a:ea typeface="微软雅黑"/>
-            </a:endParaRPr>
-          </a:p>
-        </p:txBody>
-      </p:sp>
-      <p:sp>
-        <p:nvSpPr>
-          <p:cNvPr id="7" name="文本框 4">
-            <a:extLst>
-              <a:ext uri="{FF2B5EF4-FFF2-40B4-BE49-F238E27FC236}">
-                <a16:creationId xmlns:a16="http://schemas.microsoft.com/office/drawing/2014/main" id="{F4515E63-5382-475A-B585-C005B7D0E95D}"/>
-              </a:ext>
-            </a:extLst>
-          </p:cNvPr>
-          <p:cNvSpPr txBox="1"/>
-          <p:nvPr/>
-        </p:nvSpPr>
-        <p:spPr>
-          <a:xfrm>
-            <a:off x="505975" y="2122160"/>
-            <a:ext cx="7041444" cy="1323439"/>
-          </a:xfrm>
-          <a:prstGeom prst="rect">
-            <a:avLst/>
-          </a:prstGeom>
-          <a:noFill/>
-        </p:spPr>
-        <p:txBody>
-          <a:bodyPr wrap="square" rtlCol="0" anchor="t">
-            <a:spAutoFit/>
-          </a:bodyPr>
-          <a:lstStyle/>
-          <a:p>
-            <a:r>
-              <a:rPr lang="zh-CN" altLang="en-US" sz="2000" dirty="0">
-                <a:latin typeface="微软雅黑" panose="020B0503020204020204" pitchFamily="34" charset="-122"/>
-                <a:ea typeface="微软雅黑" panose="020B0503020204020204" pitchFamily="34" charset="-122"/>
-              </a:rPr>
-              <a:t>简单</a:t>
-            </a:r>
-            <a:endParaRPr lang="en-US" altLang="zh-CN" sz="2000" dirty="0">
+              <a:rPr lang="zh-CN" altLang="en-US" sz="2000">
+                <a:latin typeface="微软雅黑" panose="020B0503020204020204" pitchFamily="34" charset="-122"/>
+                <a:ea typeface="微软雅黑" panose="020B0503020204020204" pitchFamily="34" charset="-122"/>
+              </a:rPr>
+              <a:t>实现 Zab</a:t>
+            </a:r>
+            <a:endParaRPr lang="en-US" altLang="zh-CN" sz="2000">
               <a:latin typeface="微软雅黑" panose="020B0503020204020204" pitchFamily="34" charset="-122"/>
               <a:ea typeface="微软雅黑" panose="020B0503020204020204" pitchFamily="34" charset="-122"/>
             </a:endParaRPr>
           </a:p>
-          <a:p>
-            <a:r>
-              <a:rPr lang="zh-CN" altLang="en-US" sz="2000" dirty="0">
-                <a:latin typeface="微软雅黑" panose="020B0503020204020204" pitchFamily="34" charset="-122"/>
-                <a:ea typeface="微软雅黑" panose="020B0503020204020204" pitchFamily="34" charset="-122"/>
-              </a:rPr>
-              <a:t>多节点 </a:t>
-            </a:r>
-            <a:r>
-              <a:rPr lang="en-US" altLang="zh-CN" sz="2000" dirty="0">
-                <a:latin typeface="微软雅黑" panose="020B0503020204020204" pitchFamily="34" charset="-122"/>
-                <a:ea typeface="微软雅黑" panose="020B0503020204020204" pitchFamily="34" charset="-122"/>
-              </a:rPr>
-              <a:t>/ </a:t>
-            </a:r>
-            <a:r>
-              <a:rPr lang="zh-CN" altLang="en-US" sz="2000" dirty="0">
-                <a:latin typeface="微软雅黑" panose="020B0503020204020204" pitchFamily="34" charset="-122"/>
-                <a:ea typeface="微软雅黑" panose="020B0503020204020204" pitchFamily="34" charset="-122"/>
-              </a:rPr>
-              <a:t>多副本</a:t>
-            </a:r>
-            <a:endParaRPr lang="en-US" altLang="zh-CN" sz="2000" dirty="0">
-              <a:latin typeface="微软雅黑" panose="020B0503020204020204" pitchFamily="34" charset="-122"/>
-              <a:ea typeface="微软雅黑" panose="020B0503020204020204" pitchFamily="34" charset="-122"/>
-            </a:endParaRPr>
-          </a:p>
-          <a:p>
-            <a:r>
-              <a:rPr lang="zh-CN" altLang="en-US" sz="2000" dirty="0">
-                <a:latin typeface="微软雅黑" panose="020B0503020204020204" pitchFamily="34" charset="-122"/>
-                <a:ea typeface="微软雅黑" panose="020B0503020204020204" pitchFamily="34" charset="-122"/>
-              </a:rPr>
-              <a:t>有序</a:t>
-            </a:r>
-            <a:endParaRPr lang="en-US" altLang="zh-CN" sz="2000" dirty="0">
-              <a:latin typeface="微软雅黑" panose="020B0503020204020204" pitchFamily="34" charset="-122"/>
-              <a:ea typeface="微软雅黑" panose="020B0503020204020204" pitchFamily="34" charset="-122"/>
-            </a:endParaRPr>
-          </a:p>
-          <a:p>
-            <a:r>
-              <a:rPr lang="zh-CN" altLang="en-US" sz="2000" dirty="0">
-                <a:latin typeface="微软雅黑" panose="020B0503020204020204" pitchFamily="34" charset="-122"/>
-                <a:ea typeface="微软雅黑" panose="020B0503020204020204" pitchFamily="34" charset="-122"/>
-              </a:rPr>
-              <a:t>高性能，</a:t>
-            </a:r>
-            <a:r>
-              <a:rPr lang="zh-CN" sz="2000" dirty="0">
-                <a:latin typeface="微软雅黑" panose="020B0503020204020204" pitchFamily="34" charset="-122"/>
-                <a:ea typeface="微软雅黑" panose="020B0503020204020204" pitchFamily="34" charset="-122"/>
-                <a:cs typeface="+mn-lt"/>
-              </a:rPr>
-              <a:t>高可靠</a:t>
-            </a:r>
-            <a:endParaRPr lang="en-US" altLang="zh-CN" sz="2000" dirty="0">
-              <a:latin typeface="微软雅黑" panose="020B0503020204020204" pitchFamily="34" charset="-122"/>
-              <a:ea typeface="微软雅黑" panose="020B0503020204020204" pitchFamily="34" charset="-122"/>
-              <a:cs typeface="+mn-lt"/>
-            </a:endParaRPr>
-          </a:p>
         </p:txBody>
       </p:sp>
     </p:spTree>
     <p:extLst>
       <p:ext uri="{BB962C8B-B14F-4D97-AF65-F5344CB8AC3E}">
-        <p14:creationId xmlns:p14="http://schemas.microsoft.com/office/powerpoint/2010/main" val="362107815"/>
+        <p14:creationId xmlns:p14="http://schemas.microsoft.com/office/powerpoint/2010/main" val="3231138620"/>
       </p:ext>
     </p:extLst>
   </p:cSld>
@@ -14570,8 +14548,8 @@
         </p:nvSpPr>
         <p:spPr>
           <a:xfrm>
-            <a:off x="734488" y="914573"/>
-            <a:ext cx="4755444" cy="400110"/>
+            <a:off x="505975" y="451422"/>
+            <a:ext cx="10995216" cy="400110"/>
           </a:xfrm>
           <a:prstGeom prst="rect">
             <a:avLst/>
@@ -14585,18 +14563,54 @@
           <a:lstStyle/>
           <a:p>
             <a:r>
-              <a:rPr lang="zh-CN" altLang="en-US" sz="2000">
+              <a:rPr lang="en-US" altLang="zh-CN" sz="2000" dirty="0">
                 <a:latin typeface="微软雅黑"/>
                 <a:ea typeface="微软雅黑"/>
               </a:rPr>
-              <a:t>高性能</a:t>
-            </a:r>
+              <a:t>ZooKeeper is a distributed, open-source coordination service for distributed applications.</a:t>
+            </a:r>
+          </a:p>
+        </p:txBody>
+      </p:sp>
+      <p:sp>
+        <p:nvSpPr>
+          <p:cNvPr id="5" name="文本框 4"/>
+          <p:cNvSpPr txBox="1"/>
+          <p:nvPr/>
+        </p:nvSpPr>
+        <p:spPr>
+          <a:xfrm>
+            <a:off x="505975" y="1719594"/>
+            <a:ext cx="7041444" cy="400110"/>
+          </a:xfrm>
+          <a:prstGeom prst="rect">
+            <a:avLst/>
+          </a:prstGeom>
+          <a:noFill/>
+        </p:spPr>
+        <p:txBody>
+          <a:bodyPr wrap="square" rtlCol="0" anchor="t">
+            <a:spAutoFit/>
+          </a:bodyPr>
+          <a:lstStyle/>
+          <a:p>
+            <a:r>
+              <a:rPr lang="zh-CN" altLang="en-US" sz="2000" dirty="0">
+                <a:latin typeface="微软雅黑"/>
+                <a:ea typeface="微软雅黑"/>
+              </a:rPr>
+              <a:t>设计目标</a:t>
+            </a:r>
+            <a:endParaRPr lang="en-US" altLang="zh-CN" sz="2000" dirty="0">
+              <a:latin typeface="微软雅黑"/>
+              <a:ea typeface="微软雅黑"/>
+            </a:endParaRPr>
           </a:p>
         </p:txBody>
       </p:sp>
       <p:pic>
         <p:nvPicPr>
-          <p:cNvPr id="3074" name="Picture 2" descr="ZooKeeper Throughput as the Read-Write Ratio Varies"/>
+          <p:cNvPr id="1026" name="Picture 2" descr="ZooKeeper Service"/>
           <p:cNvPicPr>
             <a:picLocks noChangeAspect="1" noChangeArrowheads="1"/>
           </p:cNvPicPr>
@@ -14617,8 +14631,8 @@
         </p:blipFill>
         <p:spPr bwMode="auto">
           <a:xfrm>
-            <a:off x="731764" y="1876508"/>
-            <a:ext cx="4762500" cy="3333750"/>
+            <a:off x="3137032" y="4192084"/>
+            <a:ext cx="5715000" cy="1762126"/>
           </a:xfrm>
           <a:prstGeom prst="rect">
             <a:avLst/>
@@ -14635,53 +14649,12 @@
           </a:extLst>
         </p:spPr>
       </p:pic>
-      <p:pic>
-        <p:nvPicPr>
-          <p:cNvPr id="3076" name="Picture 4" descr="Reliability in the Presence of Errors"/>
-          <p:cNvPicPr>
-            <a:picLocks noChangeAspect="1" noChangeArrowheads="1"/>
-          </p:cNvPicPr>
-          <p:nvPr/>
-        </p:nvPicPr>
-        <p:blipFill>
-          <a:blip r:embed="rId4">
-            <a:extLst>
-              <a:ext uri="{28A0092B-C50C-407E-A947-70E740481C1C}">
-                <a14:useLocalDpi xmlns:a14="http://schemas.microsoft.com/office/drawing/2010/main" val="0"/>
-              </a:ext>
-            </a:extLst>
-          </a:blip>
-          <a:srcRect/>
-          <a:stretch>
-            <a:fillRect/>
-          </a:stretch>
-        </p:blipFill>
-        <p:spPr bwMode="auto">
-          <a:xfrm>
-            <a:off x="6270468" y="1876508"/>
-            <a:ext cx="4884143" cy="3333750"/>
-          </a:xfrm>
-          <a:prstGeom prst="rect">
-            <a:avLst/>
-          </a:prstGeom>
-          <a:noFill/>
-          <a:extLst>
-            <a:ext uri="{909E8E84-426E-40DD-AFC4-6F175D3DCCD1}">
-              <a14:hiddenFill xmlns:a14="http://schemas.microsoft.com/office/drawing/2010/main">
-                <a:solidFill>
-                  <a:srgbClr val="FFFFFF"/>
-                </a:solidFill>
-              </a14:hiddenFill>
-            </a:ext>
-          </a:extLst>
-        </p:spPr>
-      </p:pic>
-      <p:sp>
-        <p:nvSpPr>
-          <p:cNvPr id="5" name="文本框 3">
+      <p:sp>
+        <p:nvSpPr>
+          <p:cNvPr id="6" name="文本框 3">
             <a:extLst>
               <a:ext uri="{FF2B5EF4-FFF2-40B4-BE49-F238E27FC236}">
-                <a16:creationId xmlns:a16="http://schemas.microsoft.com/office/drawing/2014/main" id="{AF81EB9A-7306-4075-A384-04E3737D5579}"/>
+                <a16:creationId xmlns:a16="http://schemas.microsoft.com/office/drawing/2014/main" id="{F7CE1702-32EC-4A6D-AE0B-3581D3A41CBA}"/>
               </a:ext>
             </a:extLst>
           </p:cNvPr>
@@ -14690,8 +14663,8 @@
         </p:nvSpPr>
         <p:spPr>
           <a:xfrm>
-            <a:off x="6269771" y="914573"/>
-            <a:ext cx="4884840" cy="400110"/>
+            <a:off x="505975" y="851532"/>
+            <a:ext cx="10319481" cy="400110"/>
           </a:xfrm>
           <a:prstGeom prst="rect">
             <a:avLst/>
@@ -14705,19 +14678,134 @@
           <a:lstStyle/>
           <a:p>
             <a:r>
-              <a:rPr lang="zh-CN" altLang="en-US" sz="2000">
+              <a:rPr lang="en-US" altLang="zh-CN" sz="2000" dirty="0">
                 <a:latin typeface="微软雅黑"/>
                 <a:ea typeface="微软雅黑"/>
               </a:rPr>
+              <a:t>ZooKeeper </a:t>
+            </a:r>
+            <a:r>
+              <a:rPr lang="zh-CN" altLang="en-US" sz="2000" dirty="0">
+                <a:latin typeface="微软雅黑"/>
+                <a:ea typeface="微软雅黑"/>
+              </a:rPr>
+              <a:t>是一个用于分布式应用程序的开源分布式协调服务。</a:t>
+            </a:r>
+            <a:endParaRPr lang="en-US" altLang="zh-CN" sz="2000" dirty="0">
+              <a:latin typeface="微软雅黑"/>
+              <a:ea typeface="微软雅黑"/>
+            </a:endParaRPr>
+          </a:p>
+        </p:txBody>
+      </p:sp>
+      <p:sp>
+        <p:nvSpPr>
+          <p:cNvPr id="7" name="文本框 4">
+            <a:extLst>
+              <a:ext uri="{FF2B5EF4-FFF2-40B4-BE49-F238E27FC236}">
+                <a16:creationId xmlns:a16="http://schemas.microsoft.com/office/drawing/2014/main" id="{F4515E63-5382-475A-B585-C005B7D0E95D}"/>
+              </a:ext>
+            </a:extLst>
+          </p:cNvPr>
+          <p:cNvSpPr txBox="1"/>
+          <p:nvPr/>
+        </p:nvSpPr>
+        <p:spPr>
+          <a:xfrm>
+            <a:off x="505975" y="2122160"/>
+            <a:ext cx="7041444" cy="1323439"/>
+          </a:xfrm>
+          <a:prstGeom prst="rect">
+            <a:avLst/>
+          </a:prstGeom>
+          <a:noFill/>
+        </p:spPr>
+        <p:txBody>
+          <a:bodyPr wrap="square" rtlCol="0" anchor="t">
+            <a:spAutoFit/>
+          </a:bodyPr>
+          <a:lstStyle/>
+          <a:p>
+            <a:r>
+              <a:rPr lang="zh-CN" altLang="en-US" sz="2000" dirty="0">
+                <a:latin typeface="微软雅黑" panose="020B0503020204020204" pitchFamily="34" charset="-122"/>
+                <a:ea typeface="微软雅黑" panose="020B0503020204020204" pitchFamily="34" charset="-122"/>
+              </a:rPr>
+              <a:t>简单</a:t>
+            </a:r>
+            <a:endParaRPr lang="en-US" altLang="zh-CN" sz="2000" dirty="0">
+              <a:latin typeface="微软雅黑" panose="020B0503020204020204" pitchFamily="34" charset="-122"/>
+              <a:ea typeface="微软雅黑" panose="020B0503020204020204" pitchFamily="34" charset="-122"/>
+            </a:endParaRPr>
+          </a:p>
+          <a:p>
+            <a:r>
+              <a:rPr lang="zh-CN" altLang="en-US" sz="2000" dirty="0">
+                <a:latin typeface="微软雅黑" panose="020B0503020204020204" pitchFamily="34" charset="-122"/>
+                <a:ea typeface="微软雅黑" panose="020B0503020204020204" pitchFamily="34" charset="-122"/>
+              </a:rPr>
+              <a:t>多节点 </a:t>
+            </a:r>
+            <a:r>
+              <a:rPr lang="en-US" altLang="zh-CN" sz="2000" dirty="0">
+                <a:latin typeface="微软雅黑" panose="020B0503020204020204" pitchFamily="34" charset="-122"/>
+                <a:ea typeface="微软雅黑" panose="020B0503020204020204" pitchFamily="34" charset="-122"/>
+              </a:rPr>
+              <a:t>/ </a:t>
+            </a:r>
+            <a:r>
+              <a:rPr lang="zh-CN" altLang="en-US" sz="2000" dirty="0">
+                <a:latin typeface="微软雅黑" panose="020B0503020204020204" pitchFamily="34" charset="-122"/>
+                <a:ea typeface="微软雅黑" panose="020B0503020204020204" pitchFamily="34" charset="-122"/>
+              </a:rPr>
+              <a:t>多副本</a:t>
+            </a:r>
+            <a:endParaRPr lang="en-US" altLang="zh-CN" sz="2000" dirty="0">
+              <a:latin typeface="微软雅黑" panose="020B0503020204020204" pitchFamily="34" charset="-122"/>
+              <a:ea typeface="微软雅黑" panose="020B0503020204020204" pitchFamily="34" charset="-122"/>
+            </a:endParaRPr>
+          </a:p>
+          <a:p>
+            <a:r>
+              <a:rPr lang="zh-CN" altLang="en-US" sz="2000" dirty="0">
+                <a:latin typeface="微软雅黑" panose="020B0503020204020204" pitchFamily="34" charset="-122"/>
+                <a:ea typeface="微软雅黑" panose="020B0503020204020204" pitchFamily="34" charset="-122"/>
+              </a:rPr>
+              <a:t>有序</a:t>
+            </a:r>
+            <a:endParaRPr lang="en-US" altLang="zh-CN" sz="2000" dirty="0">
+              <a:latin typeface="微软雅黑" panose="020B0503020204020204" pitchFamily="34" charset="-122"/>
+              <a:ea typeface="微软雅黑" panose="020B0503020204020204" pitchFamily="34" charset="-122"/>
+            </a:endParaRPr>
+          </a:p>
+          <a:p>
+            <a:r>
+              <a:rPr lang="zh-CN" altLang="en-US" sz="2000" dirty="0">
+                <a:latin typeface="微软雅黑" panose="020B0503020204020204" pitchFamily="34" charset="-122"/>
+                <a:ea typeface="微软雅黑" panose="020B0503020204020204" pitchFamily="34" charset="-122"/>
+              </a:rPr>
+              <a:t>高性能，</a:t>
+            </a:r>
+            <a:r>
+              <a:rPr lang="zh-CN" sz="2000" dirty="0">
+                <a:latin typeface="微软雅黑" panose="020B0503020204020204" pitchFamily="34" charset="-122"/>
+                <a:ea typeface="微软雅黑" panose="020B0503020204020204" pitchFamily="34" charset="-122"/>
+                <a:cs typeface="+mn-lt"/>
+              </a:rPr>
               <a:t>高可靠</a:t>
             </a:r>
+            <a:endParaRPr lang="en-US" altLang="zh-CN" sz="2000" dirty="0">
+              <a:latin typeface="微软雅黑" panose="020B0503020204020204" pitchFamily="34" charset="-122"/>
+              <a:ea typeface="微软雅黑" panose="020B0503020204020204" pitchFamily="34" charset="-122"/>
+              <a:cs typeface="+mn-lt"/>
+            </a:endParaRPr>
           </a:p>
         </p:txBody>
       </p:sp>
     </p:spTree>
     <p:extLst>
       <p:ext uri="{BB962C8B-B14F-4D97-AF65-F5344CB8AC3E}">
-        <p14:creationId xmlns:p14="http://schemas.microsoft.com/office/powerpoint/2010/main" val="1058684061"/>
+        <p14:creationId xmlns:p14="http://schemas.microsoft.com/office/powerpoint/2010/main" val="362107815"/>
       </p:ext>
     </p:extLst>
   </p:cSld>
@@ -14752,8 +14840,8 @@
         </p:nvSpPr>
         <p:spPr>
           <a:xfrm>
-            <a:off x="946449" y="600077"/>
-            <a:ext cx="9573128" cy="400110"/>
+            <a:off x="734488" y="914573"/>
+            <a:ext cx="4755444" cy="400110"/>
           </a:xfrm>
           <a:prstGeom prst="rect">
             <a:avLst/>
@@ -14767,22 +14855,18 @@
           <a:lstStyle/>
           <a:p>
             <a:r>
-              <a:rPr lang="zh-CN" altLang="en-US" sz="2000">
+              <a:rPr lang="zh-CN" altLang="en-US" sz="2000" dirty="0">
                 <a:latin typeface="微软雅黑"/>
                 <a:ea typeface="微软雅黑"/>
               </a:rPr>
-              <a:t>数据模型和分层命名空间</a:t>
-            </a:r>
-            <a:endParaRPr lang="en-US" altLang="zh-CN" sz="2000">
-              <a:latin typeface="微软雅黑" panose="020B0503020204020204" pitchFamily="34" charset="-122"/>
-              <a:ea typeface="微软雅黑" panose="020B0503020204020204" pitchFamily="34" charset="-122"/>
-            </a:endParaRPr>
+              <a:t>高性能</a:t>
+            </a:r>
           </a:p>
         </p:txBody>
       </p:sp>
       <p:pic>
         <p:nvPicPr>
-          <p:cNvPr id="2050" name="Picture 2" descr="ZooKeeper's Hierarchical Namespace"/>
+          <p:cNvPr id="3074" name="Picture 2" descr="ZooKeeper Throughput as the Read-Write Ratio Varies"/>
           <p:cNvPicPr>
             <a:picLocks noChangeAspect="1" noChangeArrowheads="1"/>
           </p:cNvPicPr>
@@ -14803,8 +14887,8 @@
         </p:blipFill>
         <p:spPr bwMode="auto">
           <a:xfrm>
-            <a:off x="946449" y="2777794"/>
-            <a:ext cx="4210050" cy="2409826"/>
+            <a:off x="731764" y="1876508"/>
+            <a:ext cx="4762500" cy="3333750"/>
           </a:xfrm>
           <a:prstGeom prst="rect">
             <a:avLst/>
@@ -14821,12 +14905,53 @@
           </a:extLst>
         </p:spPr>
       </p:pic>
+      <p:pic>
+        <p:nvPicPr>
+          <p:cNvPr id="3076" name="Picture 4" descr="Reliability in the Presence of Errors"/>
+          <p:cNvPicPr>
+            <a:picLocks noChangeAspect="1" noChangeArrowheads="1"/>
+          </p:cNvPicPr>
+          <p:nvPr/>
+        </p:nvPicPr>
+        <p:blipFill>
+          <a:blip r:embed="rId4">
+            <a:extLst>
+              <a:ext uri="{28A0092B-C50C-407E-A947-70E740481C1C}">
+                <a14:useLocalDpi xmlns:a14="http://schemas.microsoft.com/office/drawing/2010/main" val="0"/>
+              </a:ext>
+            </a:extLst>
+          </a:blip>
+          <a:srcRect/>
+          <a:stretch>
+            <a:fillRect/>
+          </a:stretch>
+        </p:blipFill>
+        <p:spPr bwMode="auto">
+          <a:xfrm>
+            <a:off x="6270468" y="1876508"/>
+            <a:ext cx="4884143" cy="3333750"/>
+          </a:xfrm>
+          <a:prstGeom prst="rect">
+            <a:avLst/>
+          </a:prstGeom>
+          <a:noFill/>
+          <a:extLst>
+            <a:ext uri="{909E8E84-426E-40DD-AFC4-6F175D3DCCD1}">
+              <a14:hiddenFill xmlns:a14="http://schemas.microsoft.com/office/drawing/2010/main">
+                <a:solidFill>
+                  <a:srgbClr val="FFFFFF"/>
+                </a:solidFill>
+              </a14:hiddenFill>
+            </a:ext>
+          </a:extLst>
+        </p:spPr>
+      </p:pic>
       <p:sp>
         <p:nvSpPr>
           <p:cNvPr id="5" name="文本框 3">
             <a:extLst>
               <a:ext uri="{FF2B5EF4-FFF2-40B4-BE49-F238E27FC236}">
-                <a16:creationId xmlns:a16="http://schemas.microsoft.com/office/drawing/2014/main" id="{14FA0D7B-7322-4D68-B14A-4B7BC71F2EFD}"/>
+                <a16:creationId xmlns:a16="http://schemas.microsoft.com/office/drawing/2014/main" id="{AF81EB9A-7306-4075-A384-04E3737D5579}"/>
               </a:ext>
             </a:extLst>
           </p:cNvPr>
@@ -14835,8 +14960,8 @@
         </p:nvSpPr>
         <p:spPr>
           <a:xfrm>
-            <a:off x="946448" y="1149715"/>
-            <a:ext cx="9573128" cy="707886"/>
+            <a:off x="6269771" y="914573"/>
+            <a:ext cx="4884840" cy="400110"/>
           </a:xfrm>
           <a:prstGeom prst="rect">
             <a:avLst/>
@@ -14854,32 +14979,15 @@
                 <a:latin typeface="微软雅黑"/>
                 <a:ea typeface="微软雅黑"/>
               </a:rPr>
-              <a:t>分层命名空间</a:t>
-            </a:r>
-            <a:endParaRPr lang="zh-CN" altLang="en-US" sz="2000" dirty="0">
-              <a:latin typeface="微软雅黑"/>
-              <a:ea typeface="微软雅黑"/>
-            </a:endParaRPr>
-          </a:p>
-          <a:p>
-            <a:r>
-              <a:rPr lang="zh-CN" altLang="en-US" sz="2000">
-                <a:latin typeface="微软雅黑"/>
-                <a:ea typeface="微软雅黑"/>
-              </a:rPr>
-              <a:t>持久节点和临时节点</a:t>
-            </a:r>
-            <a:endParaRPr lang="zh-CN" altLang="en-US" sz="2000">
-              <a:latin typeface="微软雅黑" panose="020B0503020204020204" pitchFamily="34" charset="-122"/>
-              <a:ea typeface="微软雅黑" panose="020B0503020204020204" pitchFamily="34" charset="-122"/>
-            </a:endParaRPr>
+              <a:t>高可靠</a:t>
+            </a:r>
           </a:p>
         </p:txBody>
       </p:sp>
     </p:spTree>
     <p:extLst>
       <p:ext uri="{BB962C8B-B14F-4D97-AF65-F5344CB8AC3E}">
-        <p14:creationId xmlns:p14="http://schemas.microsoft.com/office/powerpoint/2010/main" val="2232238111"/>
+        <p14:creationId xmlns:p14="http://schemas.microsoft.com/office/powerpoint/2010/main" val="1058684061"/>
       </p:ext>
     </p:extLst>
   </p:cSld>
@@ -14908,10 +15016,87 @@
       </p:grpSpPr>
       <p:sp>
         <p:nvSpPr>
+          <p:cNvPr id="4" name="文本框 3"/>
+          <p:cNvSpPr txBox="1"/>
+          <p:nvPr/>
+        </p:nvSpPr>
+        <p:spPr>
+          <a:xfrm>
+            <a:off x="946449" y="600077"/>
+            <a:ext cx="9573128" cy="400110"/>
+          </a:xfrm>
+          <a:prstGeom prst="rect">
+            <a:avLst/>
+          </a:prstGeom>
+          <a:noFill/>
+        </p:spPr>
+        <p:txBody>
+          <a:bodyPr wrap="square" rtlCol="0" anchor="t">
+            <a:spAutoFit/>
+          </a:bodyPr>
+          <a:lstStyle/>
+          <a:p>
+            <a:r>
+              <a:rPr lang="zh-CN" altLang="en-US" sz="2000" dirty="0">
+                <a:latin typeface="微软雅黑"/>
+                <a:ea typeface="微软雅黑"/>
+              </a:rPr>
+              <a:t>数据模型和分层命名空间</a:t>
+            </a:r>
+            <a:endParaRPr lang="en-US" altLang="zh-CN" sz="2000" dirty="0">
+              <a:latin typeface="微软雅黑" panose="020B0503020204020204" pitchFamily="34" charset="-122"/>
+              <a:ea typeface="微软雅黑" panose="020B0503020204020204" pitchFamily="34" charset="-122"/>
+            </a:endParaRPr>
+          </a:p>
+        </p:txBody>
+      </p:sp>
+      <p:pic>
+        <p:nvPicPr>
+          <p:cNvPr id="2050" name="Picture 2" descr="ZooKeeper's Hierarchical Namespace"/>
+          <p:cNvPicPr>
+            <a:picLocks noChangeAspect="1" noChangeArrowheads="1"/>
+          </p:cNvPicPr>
+          <p:nvPr/>
+        </p:nvPicPr>
+        <p:blipFill>
+          <a:blip r:embed="rId3">
+            <a:extLst>
+              <a:ext uri="{28A0092B-C50C-407E-A947-70E740481C1C}">
+                <a14:useLocalDpi xmlns:a14="http://schemas.microsoft.com/office/drawing/2010/main" val="0"/>
+              </a:ext>
+            </a:extLst>
+          </a:blip>
+          <a:srcRect/>
+          <a:stretch>
+            <a:fillRect/>
+          </a:stretch>
+        </p:blipFill>
+        <p:spPr bwMode="auto">
+          <a:xfrm>
+            <a:off x="946449" y="2777794"/>
+            <a:ext cx="4210050" cy="2409826"/>
+          </a:xfrm>
+          <a:prstGeom prst="rect">
+            <a:avLst/>
+          </a:prstGeom>
+          <a:noFill/>
+          <a:extLst>
+            <a:ext uri="{909E8E84-426E-40DD-AFC4-6F175D3DCCD1}">
+              <a14:hiddenFill xmlns:a14="http://schemas.microsoft.com/office/drawing/2010/main">
+                <a:solidFill>
+                  <a:srgbClr val="FFFFFF"/>
+                </a:solidFill>
+              </a14:hiddenFill>
+            </a:ext>
+          </a:extLst>
+        </p:spPr>
+      </p:pic>
+      <p:sp>
+        <p:nvSpPr>
           <p:cNvPr id="5" name="文本框 3">
             <a:extLst>
               <a:ext uri="{FF2B5EF4-FFF2-40B4-BE49-F238E27FC236}">
-                <a16:creationId xmlns:a16="http://schemas.microsoft.com/office/drawing/2014/main" id="{6B56E56F-7BEB-4AB5-B99C-E6F75098AE02}"/>
+                <a16:creationId xmlns:a16="http://schemas.microsoft.com/office/drawing/2014/main" id="{14FA0D7B-7322-4D68-B14A-4B7BC71F2EFD}"/>
               </a:ext>
             </a:extLst>
           </p:cNvPr>
@@ -14920,7 +15105,7 @@
         </p:nvSpPr>
         <p:spPr>
           <a:xfrm>
-            <a:off x="1255904" y="1705032"/>
+            <a:off x="946448" y="1149715"/>
             <a:ext cx="9573128" cy="707886"/>
           </a:xfrm>
           <a:prstGeom prst="rect">
@@ -14935,58 +15120,20 @@
           <a:lstStyle/>
           <a:p>
             <a:r>
-              <a:rPr lang="en-US" altLang="zh-CN" sz="2000">
+              <a:rPr lang="zh-CN" altLang="en-US" sz="2000" dirty="0">
                 <a:latin typeface="微软雅黑"/>
                 <a:ea typeface="微软雅黑"/>
               </a:rPr>
-              <a:t>ACL - Access Control List - 访问控制列表</a:t>
-            </a:r>
-          </a:p>
-          <a:p>
-            <a:r>
-              <a:rPr lang="en-US" altLang="zh-CN" sz="2000">
-                <a:latin typeface="微软雅黑" panose="020B0503020204020204" pitchFamily="34" charset="-122"/>
-                <a:ea typeface="微软雅黑" panose="020B0503020204020204" pitchFamily="34" charset="-122"/>
-              </a:rPr>
-              <a:t>scheme（权限模式）：id（授权对象）：permission（权限）</a:t>
-            </a:r>
-          </a:p>
-        </p:txBody>
-      </p:sp>
-      <p:sp>
-        <p:nvSpPr>
-          <p:cNvPr id="6" name="文本框 3">
-            <a:extLst>
-              <a:ext uri="{FF2B5EF4-FFF2-40B4-BE49-F238E27FC236}">
-                <a16:creationId xmlns:a16="http://schemas.microsoft.com/office/drawing/2014/main" id="{D0BE9237-8B83-4092-A5D0-7010C137136B}"/>
-              </a:ext>
-            </a:extLst>
-          </p:cNvPr>
-          <p:cNvSpPr txBox="1"/>
-          <p:nvPr/>
-        </p:nvSpPr>
-        <p:spPr>
-          <a:xfrm>
-            <a:off x="1255903" y="886439"/>
-            <a:ext cx="9573128" cy="400110"/>
-          </a:xfrm>
-          <a:prstGeom prst="rect">
-            <a:avLst/>
-          </a:prstGeom>
-          <a:noFill/>
-        </p:spPr>
-        <p:txBody>
-          <a:bodyPr wrap="square" rtlCol="0" anchor="t">
-            <a:spAutoFit/>
-          </a:bodyPr>
-          <a:lstStyle/>
-          <a:p>
-            <a:r>
-              <a:rPr lang="zh-CN" altLang="en-US" sz="2000">
-                <a:latin typeface="微软雅黑" panose="020B0503020204020204" pitchFamily="34" charset="-122"/>
-                <a:ea typeface="微软雅黑" panose="020B0503020204020204" pitchFamily="34" charset="-122"/>
-              </a:rPr>
-              <a:t>权限控制</a:t>
+              <a:t>分层命名空间</a:t>
+            </a:r>
+          </a:p>
+          <a:p>
+            <a:r>
+              <a:rPr lang="zh-CN" altLang="en-US" sz="2000" dirty="0">
+                <a:latin typeface="微软雅黑"/>
+                <a:ea typeface="微软雅黑"/>
+              </a:rPr>
+              <a:t>持久节点和临时节点</a:t>
             </a:r>
             <a:endParaRPr lang="zh-CN" altLang="en-US" sz="2000" dirty="0">
               <a:latin typeface="微软雅黑" panose="020B0503020204020204" pitchFamily="34" charset="-122"/>
@@ -14995,182 +15142,10 @@
           </a:p>
         </p:txBody>
       </p:sp>
-      <p:sp>
-        <p:nvSpPr>
-          <p:cNvPr id="7" name="文本框 3">
-            <a:extLst>
-              <a:ext uri="{FF2B5EF4-FFF2-40B4-BE49-F238E27FC236}">
-                <a16:creationId xmlns:a16="http://schemas.microsoft.com/office/drawing/2014/main" id="{48ED30E3-655A-4599-81E5-E2A7820A48D1}"/>
-              </a:ext>
-            </a:extLst>
-          </p:cNvPr>
-          <p:cNvSpPr txBox="1"/>
-          <p:nvPr/>
-        </p:nvSpPr>
-        <p:spPr>
-          <a:xfrm>
-            <a:off x="1253064" y="2947587"/>
-            <a:ext cx="9573128" cy="400110"/>
-          </a:xfrm>
-          <a:prstGeom prst="rect">
-            <a:avLst/>
-          </a:prstGeom>
-          <a:noFill/>
-        </p:spPr>
-        <p:txBody>
-          <a:bodyPr wrap="square" rtlCol="0" anchor="t">
-            <a:spAutoFit/>
-          </a:bodyPr>
-          <a:lstStyle/>
-          <a:p>
-            <a:r>
-              <a:rPr lang="en-US" altLang="zh-CN" sz="2000">
-                <a:latin typeface="微软雅黑" panose="020B0503020204020204" pitchFamily="34" charset="-122"/>
-                <a:ea typeface="微软雅黑" panose="020B0503020204020204" pitchFamily="34" charset="-122"/>
-              </a:rPr>
-              <a:t>ip:192.168.0.1/24:cr</a:t>
-            </a:r>
-            <a:endParaRPr lang="en-US">
-              <a:latin typeface="微软雅黑" panose="020B0503020204020204" pitchFamily="34" charset="-122"/>
-              <a:ea typeface="微软雅黑" panose="020B0503020204020204" pitchFamily="34" charset="-122"/>
-            </a:endParaRPr>
-          </a:p>
-        </p:txBody>
-      </p:sp>
-      <p:sp>
-        <p:nvSpPr>
-          <p:cNvPr id="8" name="文本框 3">
-            <a:extLst>
-              <a:ext uri="{FF2B5EF4-FFF2-40B4-BE49-F238E27FC236}">
-                <a16:creationId xmlns:a16="http://schemas.microsoft.com/office/drawing/2014/main" id="{7719F495-2D5C-476D-988D-F43ACAD28A0B}"/>
-              </a:ext>
-            </a:extLst>
-          </p:cNvPr>
-          <p:cNvSpPr txBox="1"/>
-          <p:nvPr/>
-        </p:nvSpPr>
-        <p:spPr>
-          <a:xfrm>
-            <a:off x="1253063" y="3497226"/>
-            <a:ext cx="9573128" cy="400110"/>
-          </a:xfrm>
-          <a:prstGeom prst="rect">
-            <a:avLst/>
-          </a:prstGeom>
-          <a:noFill/>
-        </p:spPr>
-        <p:txBody>
-          <a:bodyPr wrap="square" rtlCol="0" anchor="t">
-            <a:spAutoFit/>
-          </a:bodyPr>
-          <a:lstStyle/>
-          <a:p>
-            <a:r>
-              <a:rPr lang="en-US" altLang="zh-CN" sz="2000">
-                <a:latin typeface="微软雅黑" panose="020B0503020204020204" pitchFamily="34" charset="-122"/>
-                <a:ea typeface="微软雅黑" panose="020B0503020204020204" pitchFamily="34" charset="-122"/>
-              </a:rPr>
-              <a:t>digest:tom:MiGs3Eiy1pP4rvH1Q1NwbP+oUF8=:cdrw</a:t>
-            </a:r>
-            <a:endParaRPr lang="en-US">
-              <a:latin typeface="微软雅黑" panose="020B0503020204020204" pitchFamily="34" charset="-122"/>
-              <a:ea typeface="微软雅黑" panose="020B0503020204020204" pitchFamily="34" charset="-122"/>
-            </a:endParaRPr>
-          </a:p>
-        </p:txBody>
-      </p:sp>
-      <p:sp>
-        <p:nvSpPr>
-          <p:cNvPr id="9" name="文本框 3">
-            <a:extLst>
-              <a:ext uri="{FF2B5EF4-FFF2-40B4-BE49-F238E27FC236}">
-                <a16:creationId xmlns:a16="http://schemas.microsoft.com/office/drawing/2014/main" id="{745ED401-93CA-4A01-A621-B256EFC9FC6A}"/>
-              </a:ext>
-            </a:extLst>
-          </p:cNvPr>
-          <p:cNvSpPr txBox="1"/>
-          <p:nvPr/>
-        </p:nvSpPr>
-        <p:spPr>
-          <a:xfrm>
-            <a:off x="1253062" y="4046866"/>
-            <a:ext cx="9573128" cy="400110"/>
-          </a:xfrm>
-          <a:prstGeom prst="rect">
-            <a:avLst/>
-          </a:prstGeom>
-          <a:noFill/>
-        </p:spPr>
-        <p:txBody>
-          <a:bodyPr wrap="square" rtlCol="0" anchor="t">
-            <a:spAutoFit/>
-          </a:bodyPr>
-          <a:lstStyle/>
-          <a:p>
-            <a:r>
-              <a:rPr lang="en-US" altLang="zh-CN" sz="2000">
-                <a:latin typeface="微软雅黑" panose="020B0503020204020204" pitchFamily="34" charset="-122"/>
-                <a:ea typeface="微软雅黑" panose="020B0503020204020204" pitchFamily="34" charset="-122"/>
-              </a:rPr>
-              <a:t>world:anyone</a:t>
-            </a:r>
-            <a:endParaRPr lang="en-US">
-              <a:latin typeface="微软雅黑" panose="020B0503020204020204" pitchFamily="34" charset="-122"/>
-              <a:ea typeface="微软雅黑" panose="020B0503020204020204" pitchFamily="34" charset="-122"/>
-            </a:endParaRPr>
-          </a:p>
-        </p:txBody>
-      </p:sp>
-      <p:sp>
-        <p:nvSpPr>
-          <p:cNvPr id="10" name="文本框 3">
-            <a:extLst>
-              <a:ext uri="{FF2B5EF4-FFF2-40B4-BE49-F238E27FC236}">
-                <a16:creationId xmlns:a16="http://schemas.microsoft.com/office/drawing/2014/main" id="{FC467F42-4FDA-4C30-B88F-EDB6097D2FFB}"/>
-              </a:ext>
-            </a:extLst>
-          </p:cNvPr>
-          <p:cNvSpPr txBox="1"/>
-          <p:nvPr/>
-        </p:nvSpPr>
-        <p:spPr>
-          <a:xfrm>
-            <a:off x="1253062" y="4584960"/>
-            <a:ext cx="9573128" cy="400110"/>
-          </a:xfrm>
-          <a:prstGeom prst="rect">
-            <a:avLst/>
-          </a:prstGeom>
-          <a:noFill/>
-        </p:spPr>
-        <p:txBody>
-          <a:bodyPr wrap="square" rtlCol="0" anchor="t">
-            <a:spAutoFit/>
-          </a:bodyPr>
-          <a:lstStyle/>
-          <a:p>
-            <a:r>
-              <a:rPr lang="en-US" altLang="zh-CN" sz="2000">
-                <a:latin typeface="微软雅黑" panose="020B0503020204020204" pitchFamily="34" charset="-122"/>
-                <a:ea typeface="微软雅黑" panose="020B0503020204020204" pitchFamily="34" charset="-122"/>
-              </a:rPr>
-              <a:t>super:</a:t>
-            </a:r>
-            <a:r>
-              <a:rPr lang="en-US" sz="2000">
-                <a:latin typeface="微软雅黑" panose="020B0503020204020204" pitchFamily="34" charset="-122"/>
-                <a:ea typeface="微软雅黑" panose="020B0503020204020204" pitchFamily="34" charset="-122"/>
-                <a:cs typeface="+mn-lt"/>
-              </a:rPr>
-              <a:t>tom:MiGs3Eiy1pP4rvH1Q1NwbP+oUF8=:cdrwa</a:t>
-            </a:r>
-          </a:p>
-        </p:txBody>
-      </p:sp>
     </p:spTree>
     <p:extLst>
       <p:ext uri="{BB962C8B-B14F-4D97-AF65-F5344CB8AC3E}">
-        <p14:creationId xmlns:p14="http://schemas.microsoft.com/office/powerpoint/2010/main" val="1016269745"/>
+        <p14:creationId xmlns:p14="http://schemas.microsoft.com/office/powerpoint/2010/main" val="2232238111"/>
       </p:ext>
     </p:extLst>
   </p:cSld>
@@ -15199,68 +15174,10 @@
       </p:grpSpPr>
       <p:sp>
         <p:nvSpPr>
-          <p:cNvPr id="5" name="文本框 4"/>
-          <p:cNvSpPr txBox="1"/>
-          <p:nvPr/>
-        </p:nvSpPr>
-        <p:spPr>
-          <a:xfrm>
-            <a:off x="1365138" y="2448479"/>
-            <a:ext cx="9573128" cy="1015663"/>
-          </a:xfrm>
-          <a:prstGeom prst="rect">
-            <a:avLst/>
-          </a:prstGeom>
-          <a:noFill/>
-        </p:spPr>
-        <p:txBody>
-          <a:bodyPr wrap="square" rtlCol="0" anchor="t">
-            <a:spAutoFit/>
-          </a:bodyPr>
-          <a:lstStyle/>
-          <a:p>
-            <a:r>
-              <a:rPr lang="en-US" altLang="zh-CN" sz="2000">
-                <a:latin typeface="微软雅黑"/>
-                <a:ea typeface="微软雅黑"/>
-              </a:rPr>
-              <a:t>Leader - 主节点</a:t>
-            </a:r>
-            <a:endParaRPr lang="zh-CN" altLang="en-US" sz="2000" dirty="0">
-              <a:latin typeface="微软雅黑" panose="020B0503020204020204" pitchFamily="34" charset="-122"/>
-              <a:ea typeface="微软雅黑" panose="020B0503020204020204" pitchFamily="34" charset="-122"/>
-            </a:endParaRPr>
-          </a:p>
-          <a:p>
-            <a:r>
-              <a:rPr lang="en-US" altLang="zh-CN" sz="2000">
-                <a:latin typeface="微软雅黑"/>
-                <a:ea typeface="微软雅黑"/>
-              </a:rPr>
-              <a:t>Follower - 从节点</a:t>
-            </a:r>
-            <a:endParaRPr lang="en-US" altLang="zh-CN" sz="2000">
-              <a:latin typeface="微软雅黑" panose="020B0503020204020204" pitchFamily="34" charset="-122"/>
-              <a:ea typeface="微软雅黑" panose="020B0503020204020204" pitchFamily="34" charset="-122"/>
-            </a:endParaRPr>
-          </a:p>
-          <a:p>
-            <a:r>
-              <a:rPr lang="en-US" altLang="zh-CN" sz="2000">
-                <a:latin typeface="微软雅黑"/>
-                <a:ea typeface="微软雅黑"/>
-              </a:rPr>
-              <a:t>Observer - 观察节点</a:t>
-            </a:r>
-          </a:p>
-        </p:txBody>
-      </p:sp>
-      <p:sp>
-        <p:nvSpPr>
-          <p:cNvPr id="4" name="文本框 4">
+          <p:cNvPr id="5" name="文本框 3">
             <a:extLst>
               <a:ext uri="{FF2B5EF4-FFF2-40B4-BE49-F238E27FC236}">
-                <a16:creationId xmlns:a16="http://schemas.microsoft.com/office/drawing/2014/main" id="{70E42811-B6A4-4E1D-A74C-A19E1C36B3D1}"/>
+                <a16:creationId xmlns:a16="http://schemas.microsoft.com/office/drawing/2014/main" id="{6B56E56F-7BEB-4AB5-B99C-E6F75098AE02}"/>
               </a:ext>
             </a:extLst>
           </p:cNvPr>
@@ -15269,8 +15186,8 @@
         </p:nvSpPr>
         <p:spPr>
           <a:xfrm>
-            <a:off x="1365138" y="1790388"/>
-            <a:ext cx="9573128" cy="400110"/>
+            <a:off x="1255904" y="1705032"/>
+            <a:ext cx="9573128" cy="707886"/>
           </a:xfrm>
           <a:prstGeom prst="rect">
             <a:avLst/>
@@ -15284,23 +15201,242 @@
           <a:lstStyle/>
           <a:p>
             <a:r>
-              <a:rPr lang="zh-CN" altLang="en-US" sz="2000">
+              <a:rPr lang="en-US" altLang="zh-CN" sz="2000">
                 <a:latin typeface="微软雅黑"/>
                 <a:ea typeface="微软雅黑"/>
               </a:rPr>
-              <a:t>角色</a:t>
-            </a:r>
-            <a:endParaRPr lang="en-US" altLang="zh-CN" sz="2000">
-              <a:latin typeface="微软雅黑"/>
-              <a:ea typeface="微软雅黑"/>
+              <a:t>ACL - Access Control List - 访问控制列表</a:t>
+            </a:r>
+          </a:p>
+          <a:p>
+            <a:r>
+              <a:rPr lang="en-US" altLang="zh-CN" sz="2000">
+                <a:latin typeface="微软雅黑" panose="020B0503020204020204" pitchFamily="34" charset="-122"/>
+                <a:ea typeface="微软雅黑" panose="020B0503020204020204" pitchFamily="34" charset="-122"/>
+              </a:rPr>
+              <a:t>scheme（权限模式）：id（授权对象）：permission（权限）</a:t>
+            </a:r>
+          </a:p>
+        </p:txBody>
+      </p:sp>
+      <p:sp>
+        <p:nvSpPr>
+          <p:cNvPr id="6" name="文本框 3">
+            <a:extLst>
+              <a:ext uri="{FF2B5EF4-FFF2-40B4-BE49-F238E27FC236}">
+                <a16:creationId xmlns:a16="http://schemas.microsoft.com/office/drawing/2014/main" id="{D0BE9237-8B83-4092-A5D0-7010C137136B}"/>
+              </a:ext>
+            </a:extLst>
+          </p:cNvPr>
+          <p:cNvSpPr txBox="1"/>
+          <p:nvPr/>
+        </p:nvSpPr>
+        <p:spPr>
+          <a:xfrm>
+            <a:off x="1255903" y="886439"/>
+            <a:ext cx="9573128" cy="400110"/>
+          </a:xfrm>
+          <a:prstGeom prst="rect">
+            <a:avLst/>
+          </a:prstGeom>
+          <a:noFill/>
+        </p:spPr>
+        <p:txBody>
+          <a:bodyPr wrap="square" rtlCol="0" anchor="t">
+            <a:spAutoFit/>
+          </a:bodyPr>
+          <a:lstStyle/>
+          <a:p>
+            <a:r>
+              <a:rPr lang="zh-CN" altLang="en-US" sz="2000">
+                <a:latin typeface="微软雅黑" panose="020B0503020204020204" pitchFamily="34" charset="-122"/>
+                <a:ea typeface="微软雅黑" panose="020B0503020204020204" pitchFamily="34" charset="-122"/>
+              </a:rPr>
+              <a:t>权限控制</a:t>
+            </a:r>
+            <a:endParaRPr lang="zh-CN" altLang="en-US" sz="2000" dirty="0">
+              <a:latin typeface="微软雅黑" panose="020B0503020204020204" pitchFamily="34" charset="-122"/>
+              <a:ea typeface="微软雅黑" panose="020B0503020204020204" pitchFamily="34" charset="-122"/>
             </a:endParaRPr>
+          </a:p>
+        </p:txBody>
+      </p:sp>
+      <p:sp>
+        <p:nvSpPr>
+          <p:cNvPr id="7" name="文本框 3">
+            <a:extLst>
+              <a:ext uri="{FF2B5EF4-FFF2-40B4-BE49-F238E27FC236}">
+                <a16:creationId xmlns:a16="http://schemas.microsoft.com/office/drawing/2014/main" id="{48ED30E3-655A-4599-81E5-E2A7820A48D1}"/>
+              </a:ext>
+            </a:extLst>
+          </p:cNvPr>
+          <p:cNvSpPr txBox="1"/>
+          <p:nvPr/>
+        </p:nvSpPr>
+        <p:spPr>
+          <a:xfrm>
+            <a:off x="1253064" y="2947587"/>
+            <a:ext cx="9573128" cy="400110"/>
+          </a:xfrm>
+          <a:prstGeom prst="rect">
+            <a:avLst/>
+          </a:prstGeom>
+          <a:noFill/>
+        </p:spPr>
+        <p:txBody>
+          <a:bodyPr wrap="square" rtlCol="0" anchor="t">
+            <a:spAutoFit/>
+          </a:bodyPr>
+          <a:lstStyle/>
+          <a:p>
+            <a:r>
+              <a:rPr lang="en-US" altLang="zh-CN" sz="2000">
+                <a:latin typeface="微软雅黑" panose="020B0503020204020204" pitchFamily="34" charset="-122"/>
+                <a:ea typeface="微软雅黑" panose="020B0503020204020204" pitchFamily="34" charset="-122"/>
+              </a:rPr>
+              <a:t>ip:192.168.0.1/24:cr</a:t>
+            </a:r>
+            <a:endParaRPr lang="en-US">
+              <a:latin typeface="微软雅黑" panose="020B0503020204020204" pitchFamily="34" charset="-122"/>
+              <a:ea typeface="微软雅黑" panose="020B0503020204020204" pitchFamily="34" charset="-122"/>
+            </a:endParaRPr>
+          </a:p>
+        </p:txBody>
+      </p:sp>
+      <p:sp>
+        <p:nvSpPr>
+          <p:cNvPr id="8" name="文本框 3">
+            <a:extLst>
+              <a:ext uri="{FF2B5EF4-FFF2-40B4-BE49-F238E27FC236}">
+                <a16:creationId xmlns:a16="http://schemas.microsoft.com/office/drawing/2014/main" id="{7719F495-2D5C-476D-988D-F43ACAD28A0B}"/>
+              </a:ext>
+            </a:extLst>
+          </p:cNvPr>
+          <p:cNvSpPr txBox="1"/>
+          <p:nvPr/>
+        </p:nvSpPr>
+        <p:spPr>
+          <a:xfrm>
+            <a:off x="1253063" y="3497226"/>
+            <a:ext cx="9573128" cy="400110"/>
+          </a:xfrm>
+          <a:prstGeom prst="rect">
+            <a:avLst/>
+          </a:prstGeom>
+          <a:noFill/>
+        </p:spPr>
+        <p:txBody>
+          <a:bodyPr wrap="square" rtlCol="0" anchor="t">
+            <a:spAutoFit/>
+          </a:bodyPr>
+          <a:lstStyle/>
+          <a:p>
+            <a:r>
+              <a:rPr lang="en-US" altLang="zh-CN" sz="2000">
+                <a:latin typeface="微软雅黑" panose="020B0503020204020204" pitchFamily="34" charset="-122"/>
+                <a:ea typeface="微软雅黑" panose="020B0503020204020204" pitchFamily="34" charset="-122"/>
+              </a:rPr>
+              <a:t>digest:tom:MiGs3Eiy1pP4rvH1Q1NwbP+oUF8=:cdrw</a:t>
+            </a:r>
+            <a:endParaRPr lang="en-US">
+              <a:latin typeface="微软雅黑" panose="020B0503020204020204" pitchFamily="34" charset="-122"/>
+              <a:ea typeface="微软雅黑" panose="020B0503020204020204" pitchFamily="34" charset="-122"/>
+            </a:endParaRPr>
+          </a:p>
+        </p:txBody>
+      </p:sp>
+      <p:sp>
+        <p:nvSpPr>
+          <p:cNvPr id="9" name="文本框 3">
+            <a:extLst>
+              <a:ext uri="{FF2B5EF4-FFF2-40B4-BE49-F238E27FC236}">
+                <a16:creationId xmlns:a16="http://schemas.microsoft.com/office/drawing/2014/main" id="{745ED401-93CA-4A01-A621-B256EFC9FC6A}"/>
+              </a:ext>
+            </a:extLst>
+          </p:cNvPr>
+          <p:cNvSpPr txBox="1"/>
+          <p:nvPr/>
+        </p:nvSpPr>
+        <p:spPr>
+          <a:xfrm>
+            <a:off x="1253062" y="4046866"/>
+            <a:ext cx="9573128" cy="400110"/>
+          </a:xfrm>
+          <a:prstGeom prst="rect">
+            <a:avLst/>
+          </a:prstGeom>
+          <a:noFill/>
+        </p:spPr>
+        <p:txBody>
+          <a:bodyPr wrap="square" rtlCol="0" anchor="t">
+            <a:spAutoFit/>
+          </a:bodyPr>
+          <a:lstStyle/>
+          <a:p>
+            <a:r>
+              <a:rPr lang="en-US" altLang="zh-CN" sz="2000">
+                <a:latin typeface="微软雅黑" panose="020B0503020204020204" pitchFamily="34" charset="-122"/>
+                <a:ea typeface="微软雅黑" panose="020B0503020204020204" pitchFamily="34" charset="-122"/>
+              </a:rPr>
+              <a:t>world:anyone</a:t>
+            </a:r>
+            <a:endParaRPr lang="en-US">
+              <a:latin typeface="微软雅黑" panose="020B0503020204020204" pitchFamily="34" charset="-122"/>
+              <a:ea typeface="微软雅黑" panose="020B0503020204020204" pitchFamily="34" charset="-122"/>
+            </a:endParaRPr>
+          </a:p>
+        </p:txBody>
+      </p:sp>
+      <p:sp>
+        <p:nvSpPr>
+          <p:cNvPr id="10" name="文本框 3">
+            <a:extLst>
+              <a:ext uri="{FF2B5EF4-FFF2-40B4-BE49-F238E27FC236}">
+                <a16:creationId xmlns:a16="http://schemas.microsoft.com/office/drawing/2014/main" id="{FC467F42-4FDA-4C30-B88F-EDB6097D2FFB}"/>
+              </a:ext>
+            </a:extLst>
+          </p:cNvPr>
+          <p:cNvSpPr txBox="1"/>
+          <p:nvPr/>
+        </p:nvSpPr>
+        <p:spPr>
+          <a:xfrm>
+            <a:off x="1253062" y="4584960"/>
+            <a:ext cx="9573128" cy="400110"/>
+          </a:xfrm>
+          <a:prstGeom prst="rect">
+            <a:avLst/>
+          </a:prstGeom>
+          <a:noFill/>
+        </p:spPr>
+        <p:txBody>
+          <a:bodyPr wrap="square" rtlCol="0" anchor="t">
+            <a:spAutoFit/>
+          </a:bodyPr>
+          <a:lstStyle/>
+          <a:p>
+            <a:r>
+              <a:rPr lang="en-US" altLang="zh-CN" sz="2000">
+                <a:latin typeface="微软雅黑" panose="020B0503020204020204" pitchFamily="34" charset="-122"/>
+                <a:ea typeface="微软雅黑" panose="020B0503020204020204" pitchFamily="34" charset="-122"/>
+              </a:rPr>
+              <a:t>super:</a:t>
+            </a:r>
+            <a:r>
+              <a:rPr lang="en-US" sz="2000">
+                <a:latin typeface="微软雅黑" panose="020B0503020204020204" pitchFamily="34" charset="-122"/>
+                <a:ea typeface="微软雅黑" panose="020B0503020204020204" pitchFamily="34" charset="-122"/>
+                <a:cs typeface="+mn-lt"/>
+              </a:rPr>
+              <a:t>tom:MiGs3Eiy1pP4rvH1Q1NwbP+oUF8=:cdrwa</a:t>
+            </a:r>
           </a:p>
         </p:txBody>
       </p:sp>
     </p:spTree>
     <p:extLst>
       <p:ext uri="{BB962C8B-B14F-4D97-AF65-F5344CB8AC3E}">
-        <p14:creationId xmlns:p14="http://schemas.microsoft.com/office/powerpoint/2010/main" val="432452877"/>
+        <p14:creationId xmlns:p14="http://schemas.microsoft.com/office/powerpoint/2010/main" val="1016269745"/>
       </p:ext>
     </p:extLst>
   </p:cSld>
@@ -15483,6 +15619,161 @@
       </p:grpSpPr>
       <p:sp>
         <p:nvSpPr>
+          <p:cNvPr id="5" name="文本框 4"/>
+          <p:cNvSpPr txBox="1"/>
+          <p:nvPr/>
+        </p:nvSpPr>
+        <p:spPr>
+          <a:xfrm>
+            <a:off x="1365138" y="2448479"/>
+            <a:ext cx="9573128" cy="1015663"/>
+          </a:xfrm>
+          <a:prstGeom prst="rect">
+            <a:avLst/>
+          </a:prstGeom>
+          <a:noFill/>
+        </p:spPr>
+        <p:txBody>
+          <a:bodyPr wrap="square" rtlCol="0" anchor="t">
+            <a:spAutoFit/>
+          </a:bodyPr>
+          <a:lstStyle/>
+          <a:p>
+            <a:r>
+              <a:rPr lang="en-US" altLang="zh-CN" sz="2000" dirty="0">
+                <a:latin typeface="微软雅黑"/>
+                <a:ea typeface="微软雅黑"/>
+              </a:rPr>
+              <a:t>Leader - </a:t>
+            </a:r>
+            <a:r>
+              <a:rPr lang="en-US" altLang="zh-CN" sz="2000" dirty="0" err="1">
+                <a:latin typeface="微软雅黑"/>
+                <a:ea typeface="微软雅黑"/>
+              </a:rPr>
+              <a:t>主节点</a:t>
+            </a:r>
+            <a:endParaRPr lang="zh-CN" altLang="en-US" sz="2000" dirty="0">
+              <a:latin typeface="微软雅黑" panose="020B0503020204020204" pitchFamily="34" charset="-122"/>
+              <a:ea typeface="微软雅黑" panose="020B0503020204020204" pitchFamily="34" charset="-122"/>
+            </a:endParaRPr>
+          </a:p>
+          <a:p>
+            <a:r>
+              <a:rPr lang="en-US" altLang="zh-CN" sz="2000" dirty="0">
+                <a:latin typeface="微软雅黑"/>
+                <a:ea typeface="微软雅黑"/>
+              </a:rPr>
+              <a:t>Follower - </a:t>
+            </a:r>
+            <a:r>
+              <a:rPr lang="en-US" altLang="zh-CN" sz="2000" dirty="0" err="1">
+                <a:latin typeface="微软雅黑"/>
+                <a:ea typeface="微软雅黑"/>
+              </a:rPr>
+              <a:t>从节点</a:t>
+            </a:r>
+            <a:endParaRPr lang="en-US" altLang="zh-CN" sz="2000" dirty="0">
+              <a:latin typeface="微软雅黑" panose="020B0503020204020204" pitchFamily="34" charset="-122"/>
+              <a:ea typeface="微软雅黑" panose="020B0503020204020204" pitchFamily="34" charset="-122"/>
+            </a:endParaRPr>
+          </a:p>
+          <a:p>
+            <a:r>
+              <a:rPr lang="en-US" altLang="zh-CN" sz="2000" dirty="0">
+                <a:latin typeface="微软雅黑"/>
+                <a:ea typeface="微软雅黑"/>
+              </a:rPr>
+              <a:t>Observer - </a:t>
+            </a:r>
+            <a:r>
+              <a:rPr lang="en-US" altLang="zh-CN" sz="2000" dirty="0" err="1">
+                <a:latin typeface="微软雅黑"/>
+                <a:ea typeface="微软雅黑"/>
+              </a:rPr>
+              <a:t>观察节点</a:t>
+            </a:r>
+            <a:endParaRPr lang="en-US" altLang="zh-CN" sz="2000" dirty="0">
+              <a:latin typeface="微软雅黑"/>
+              <a:ea typeface="微软雅黑"/>
+            </a:endParaRPr>
+          </a:p>
+        </p:txBody>
+      </p:sp>
+      <p:sp>
+        <p:nvSpPr>
+          <p:cNvPr id="4" name="文本框 4">
+            <a:extLst>
+              <a:ext uri="{FF2B5EF4-FFF2-40B4-BE49-F238E27FC236}">
+                <a16:creationId xmlns:a16="http://schemas.microsoft.com/office/drawing/2014/main" id="{70E42811-B6A4-4E1D-A74C-A19E1C36B3D1}"/>
+              </a:ext>
+            </a:extLst>
+          </p:cNvPr>
+          <p:cNvSpPr txBox="1"/>
+          <p:nvPr/>
+        </p:nvSpPr>
+        <p:spPr>
+          <a:xfrm>
+            <a:off x="1365138" y="1790388"/>
+            <a:ext cx="9573128" cy="400110"/>
+          </a:xfrm>
+          <a:prstGeom prst="rect">
+            <a:avLst/>
+          </a:prstGeom>
+          <a:noFill/>
+        </p:spPr>
+        <p:txBody>
+          <a:bodyPr wrap="square" rtlCol="0" anchor="t">
+            <a:spAutoFit/>
+          </a:bodyPr>
+          <a:lstStyle/>
+          <a:p>
+            <a:r>
+              <a:rPr lang="zh-CN" altLang="en-US" sz="2000">
+                <a:latin typeface="微软雅黑"/>
+                <a:ea typeface="微软雅黑"/>
+              </a:rPr>
+              <a:t>角色</a:t>
+            </a:r>
+            <a:endParaRPr lang="en-US" altLang="zh-CN" sz="2000">
+              <a:latin typeface="微软雅黑"/>
+              <a:ea typeface="微软雅黑"/>
+            </a:endParaRPr>
+          </a:p>
+        </p:txBody>
+      </p:sp>
+    </p:spTree>
+    <p:extLst>
+      <p:ext uri="{BB962C8B-B14F-4D97-AF65-F5344CB8AC3E}">
+        <p14:creationId xmlns:p14="http://schemas.microsoft.com/office/powerpoint/2010/main" val="432452877"/>
+      </p:ext>
+    </p:extLst>
+  </p:cSld>
+  <p:clrMapOvr>
+    <a:masterClrMapping/>
+  </p:clrMapOvr>
+</p:sld>
+</file>
+
+<file path=ppt/slides/slide31.xml><?xml version="1.0" encoding="utf-8"?>
+<p:sld xmlns:a="http://schemas.openxmlformats.org/drawingml/2006/main" xmlns:r="http://schemas.openxmlformats.org/officeDocument/2006/relationships" xmlns:p="http://schemas.openxmlformats.org/presentationml/2006/main">
+  <p:cSld>
+    <p:spTree>
+      <p:nvGrpSpPr>
+        <p:cNvPr id="1" name=""/>
+        <p:cNvGrpSpPr/>
+        <p:nvPr/>
+      </p:nvGrpSpPr>
+      <p:grpSpPr>
+        <a:xfrm>
+          <a:off x="0" y="0"/>
+          <a:ext cx="0" cy="0"/>
+          <a:chOff x="0" y="0"/>
+          <a:chExt cx="0" cy="0"/>
+        </a:xfrm>
+      </p:grpSpPr>
+      <p:sp>
+        <p:nvSpPr>
           <p:cNvPr id="5" name="文本框 5">
             <a:extLst>
               <a:ext uri="{FF2B5EF4-FFF2-40B4-BE49-F238E27FC236}">
@@ -15561,13 +15852,13 @@
           <a:lstStyle/>
           <a:p>
             <a:r>
-              <a:rPr lang="zh-CN" altLang="en-US" sz="2000">
+              <a:rPr lang="zh-CN" altLang="en-US" sz="2000" dirty="0">
                 <a:latin typeface="微软雅黑"/>
                 <a:ea typeface="微软雅黑"/>
               </a:rPr>
               <a:t>客户端与会话</a:t>
             </a:r>
-            <a:endParaRPr lang="en-US" altLang="zh-CN" sz="2000">
+            <a:endParaRPr lang="en-US" altLang="zh-CN" sz="2000" dirty="0">
               <a:latin typeface="微软雅黑"/>
               <a:ea typeface="微软雅黑"/>
             </a:endParaRPr>
@@ -15873,7 +16164,7 @@
         </p:nvSpPr>
         <p:spPr>
           <a:xfrm>
-            <a:off x="1307411" y="5069297"/>
+            <a:off x="1307411" y="5098463"/>
             <a:ext cx="9573128" cy="400110"/>
           </a:xfrm>
           <a:prstGeom prst="rect">
@@ -16149,402 +16440,6 @@
 </p:sld>
 </file>
 
-<file path=ppt/slides/slide31.xml><?xml version="1.0" encoding="utf-8"?>
-<p:sld xmlns:a="http://schemas.openxmlformats.org/drawingml/2006/main" xmlns:r="http://schemas.openxmlformats.org/officeDocument/2006/relationships" xmlns:p="http://schemas.openxmlformats.org/presentationml/2006/main">
-  <p:cSld>
-    <p:spTree>
-      <p:nvGrpSpPr>
-        <p:cNvPr id="1" name=""/>
-        <p:cNvGrpSpPr/>
-        <p:nvPr/>
-      </p:nvGrpSpPr>
-      <p:grpSpPr>
-        <a:xfrm>
-          <a:off x="0" y="0"/>
-          <a:ext cx="0" cy="0"/>
-          <a:chOff x="0" y="0"/>
-          <a:chExt cx="0" cy="0"/>
-        </a:xfrm>
-      </p:grpSpPr>
-      <p:sp>
-        <p:nvSpPr>
-          <p:cNvPr id="5" name="文本框 5">
-            <a:extLst>
-              <a:ext uri="{FF2B5EF4-FFF2-40B4-BE49-F238E27FC236}">
-                <a16:creationId xmlns:a16="http://schemas.microsoft.com/office/drawing/2014/main" id="{11A9DF0D-CF64-4F0E-A624-06D18B9F498E}"/>
-              </a:ext>
-            </a:extLst>
-          </p:cNvPr>
-          <p:cNvSpPr txBox="1"/>
-          <p:nvPr/>
-        </p:nvSpPr>
-        <p:spPr>
-          <a:xfrm>
-            <a:off x="1342044" y="537275"/>
-            <a:ext cx="9573128" cy="400110"/>
-          </a:xfrm>
-          <a:prstGeom prst="rect">
-            <a:avLst/>
-          </a:prstGeom>
-          <a:noFill/>
-        </p:spPr>
-        <p:txBody>
-          <a:bodyPr wrap="square" rtlCol="0" anchor="t">
-            <a:spAutoFit/>
-          </a:bodyPr>
-          <a:lstStyle/>
-          <a:p>
-            <a:r>
-              <a:rPr lang="zh-CN" altLang="en-US" sz="2000">
-                <a:latin typeface="微软雅黑"/>
-                <a:ea typeface="微软雅黑"/>
-              </a:rPr>
-              <a:t>API</a:t>
-            </a:r>
-            <a:endParaRPr lang="en-US" altLang="zh-CN">
-              <a:latin typeface="等线" panose="020F0502020204030204"/>
-              <a:ea typeface="等线" panose="02010600030101010101" pitchFamily="2" charset="-122"/>
-            </a:endParaRPr>
-          </a:p>
-        </p:txBody>
-      </p:sp>
-      <p:sp>
-        <p:nvSpPr>
-          <p:cNvPr id="7" name="文本框 5">
-            <a:extLst>
-              <a:ext uri="{FF2B5EF4-FFF2-40B4-BE49-F238E27FC236}">
-                <a16:creationId xmlns:a16="http://schemas.microsoft.com/office/drawing/2014/main" id="{CD6355D8-453A-4494-AE92-1837A080053B}"/>
-              </a:ext>
-            </a:extLst>
-          </p:cNvPr>
-          <p:cNvSpPr txBox="1"/>
-          <p:nvPr/>
-        </p:nvSpPr>
-        <p:spPr>
-          <a:xfrm>
-            <a:off x="1307408" y="3354365"/>
-            <a:ext cx="9573128" cy="400110"/>
-          </a:xfrm>
-          <a:prstGeom prst="rect">
-            <a:avLst/>
-          </a:prstGeom>
-          <a:noFill/>
-        </p:spPr>
-        <p:txBody>
-          <a:bodyPr wrap="square" rtlCol="0" anchor="t">
-            <a:spAutoFit/>
-          </a:bodyPr>
-          <a:lstStyle/>
-          <a:p>
-            <a:r>
-              <a:rPr lang="en-US" altLang="zh-CN" sz="2000">
-                <a:latin typeface="微软雅黑"/>
-                <a:ea typeface="微软雅黑"/>
-              </a:rPr>
-              <a:t>操作全序</a:t>
-            </a:r>
-            <a:endParaRPr lang="en-US" altLang="zh-CN" sz="2000" dirty="0">
-              <a:latin typeface="微软雅黑"/>
-              <a:ea typeface="微软雅黑"/>
-            </a:endParaRPr>
-          </a:p>
-        </p:txBody>
-      </p:sp>
-      <p:sp>
-        <p:nvSpPr>
-          <p:cNvPr id="9" name="文本框 5">
-            <a:extLst>
-              <a:ext uri="{FF2B5EF4-FFF2-40B4-BE49-F238E27FC236}">
-                <a16:creationId xmlns:a16="http://schemas.microsoft.com/office/drawing/2014/main" id="{69993B39-934A-4192-9D29-7C4FAB205EF6}"/>
-              </a:ext>
-            </a:extLst>
-          </p:cNvPr>
-          <p:cNvSpPr txBox="1"/>
-          <p:nvPr/>
-        </p:nvSpPr>
-        <p:spPr>
-          <a:xfrm>
-            <a:off x="1342042" y="952912"/>
-            <a:ext cx="9573128" cy="1938992"/>
-          </a:xfrm>
-          <a:prstGeom prst="rect">
-            <a:avLst/>
-          </a:prstGeom>
-          <a:noFill/>
-        </p:spPr>
-        <p:txBody>
-          <a:bodyPr wrap="square" rtlCol="0" anchor="t">
-            <a:spAutoFit/>
-          </a:bodyPr>
-          <a:lstStyle/>
-          <a:p>
-            <a:r>
-              <a:rPr lang="zh-CN" altLang="en-US" sz="2000">
-                <a:latin typeface="微软雅黑"/>
-                <a:ea typeface="微软雅黑"/>
-              </a:rPr>
-              <a:t>create /path data</a:t>
-            </a:r>
-            <a:endParaRPr lang="zh-CN">
-              <a:latin typeface="等线" panose="020F0502020204030204"/>
-              <a:ea typeface="等线"/>
-            </a:endParaRPr>
-          </a:p>
-          <a:p>
-            <a:r>
-              <a:rPr lang="zh-CN" altLang="en-US" sz="2000">
-                <a:latin typeface="微软雅黑"/>
-                <a:ea typeface="微软雅黑"/>
-              </a:rPr>
-              <a:t>delete /path</a:t>
-            </a:r>
-            <a:endParaRPr lang="zh-CN">
-              <a:latin typeface="等线" panose="020F0502020204030204"/>
-              <a:ea typeface="等线"/>
-            </a:endParaRPr>
-          </a:p>
-          <a:p>
-            <a:r>
-              <a:rPr lang="zh-CN" altLang="en-US" sz="2000">
-                <a:latin typeface="微软雅黑"/>
-                <a:ea typeface="微软雅黑"/>
-              </a:rPr>
-              <a:t>exists /path</a:t>
-            </a:r>
-            <a:endParaRPr lang="zh-CN">
-              <a:latin typeface="等线" panose="020F0502020204030204"/>
-              <a:ea typeface="等线"/>
-            </a:endParaRPr>
-          </a:p>
-          <a:p>
-            <a:r>
-              <a:rPr lang="zh-CN" altLang="en-US" sz="2000">
-                <a:latin typeface="微软雅黑"/>
-                <a:ea typeface="微软雅黑"/>
-              </a:rPr>
-              <a:t>setData /path data</a:t>
-            </a:r>
-            <a:endParaRPr lang="zh-CN">
-              <a:latin typeface="等线" panose="020F0502020204030204"/>
-              <a:ea typeface="等线"/>
-            </a:endParaRPr>
-          </a:p>
-          <a:p>
-            <a:r>
-              <a:rPr lang="zh-CN" altLang="en-US" sz="2000">
-                <a:latin typeface="微软雅黑"/>
-                <a:ea typeface="微软雅黑"/>
-              </a:rPr>
-              <a:t>getData /path</a:t>
-            </a:r>
-            <a:endParaRPr lang="zh-CN">
-              <a:latin typeface="等线" panose="020F0502020204030204"/>
-              <a:ea typeface="等线"/>
-            </a:endParaRPr>
-          </a:p>
-          <a:p>
-            <a:r>
-              <a:rPr lang="zh-CN" altLang="en-US" sz="2000">
-                <a:latin typeface="微软雅黑"/>
-                <a:ea typeface="微软雅黑"/>
-              </a:rPr>
-              <a:t>getChildren /path</a:t>
-            </a:r>
-            <a:endParaRPr lang="zh-CN">
-              <a:latin typeface="等线" panose="020F0502020204030204"/>
-              <a:ea typeface="等线"/>
-            </a:endParaRPr>
-          </a:p>
-        </p:txBody>
-      </p:sp>
-      <p:sp>
-        <p:nvSpPr>
-          <p:cNvPr id="10" name="文本框 5">
-            <a:extLst>
-              <a:ext uri="{FF2B5EF4-FFF2-40B4-BE49-F238E27FC236}">
-                <a16:creationId xmlns:a16="http://schemas.microsoft.com/office/drawing/2014/main" id="{D4F54EA1-F507-49D7-A792-EFA4099B7CA1}"/>
-              </a:ext>
-            </a:extLst>
-          </p:cNvPr>
-          <p:cNvSpPr txBox="1"/>
-          <p:nvPr/>
-        </p:nvSpPr>
-        <p:spPr>
-          <a:xfrm>
-            <a:off x="1284317" y="5109273"/>
-            <a:ext cx="9573128" cy="400110"/>
-          </a:xfrm>
-          <a:prstGeom prst="rect">
-            <a:avLst/>
-          </a:prstGeom>
-          <a:noFill/>
-        </p:spPr>
-        <p:txBody>
-          <a:bodyPr wrap="square" rtlCol="0" anchor="t">
-            <a:spAutoFit/>
-          </a:bodyPr>
-          <a:lstStyle/>
-          <a:p>
-            <a:r>
-              <a:rPr lang="en-US" altLang="zh-CN" sz="2000">
-                <a:latin typeface="微软雅黑"/>
-                <a:ea typeface="微软雅黑"/>
-              </a:rPr>
-              <a:t>Watcher </a:t>
-            </a:r>
-            <a:r>
-              <a:rPr lang="zh-CN" altLang="en-US" sz="2000">
-                <a:latin typeface="微软雅黑"/>
-                <a:ea typeface="微软雅黑"/>
-              </a:rPr>
-              <a:t>机制 / 更改通知</a:t>
-            </a:r>
-            <a:endParaRPr lang="en-US" altLang="zh-CN" sz="2000">
-              <a:latin typeface="微软雅黑"/>
-              <a:ea typeface="微软雅黑"/>
-            </a:endParaRPr>
-          </a:p>
-        </p:txBody>
-      </p:sp>
-      <p:sp>
-        <p:nvSpPr>
-          <p:cNvPr id="11" name="文本框 5">
-            <a:extLst>
-              <a:ext uri="{FF2B5EF4-FFF2-40B4-BE49-F238E27FC236}">
-                <a16:creationId xmlns:a16="http://schemas.microsoft.com/office/drawing/2014/main" id="{64A6C56D-14E1-44E6-9B24-2DDEF7C8C817}"/>
-              </a:ext>
-            </a:extLst>
-          </p:cNvPr>
-          <p:cNvSpPr txBox="1"/>
-          <p:nvPr/>
-        </p:nvSpPr>
-        <p:spPr>
-          <a:xfrm>
-            <a:off x="1307407" y="3746910"/>
-            <a:ext cx="9573128" cy="400110"/>
-          </a:xfrm>
-          <a:prstGeom prst="rect">
-            <a:avLst/>
-          </a:prstGeom>
-          <a:noFill/>
-        </p:spPr>
-        <p:txBody>
-          <a:bodyPr wrap="square" rtlCol="0" anchor="t">
-            <a:spAutoFit/>
-          </a:bodyPr>
-          <a:lstStyle/>
-          <a:p>
-            <a:r>
-              <a:rPr lang="en-US" altLang="zh-CN" sz="2000">
-                <a:latin typeface="微软雅黑"/>
-                <a:ea typeface="微软雅黑"/>
-              </a:rPr>
-              <a:t>zxid：每个操作赋予一个单调递增的事务 ID</a:t>
-            </a:r>
-            <a:endParaRPr lang="en-US" altLang="zh-CN" sz="2000" dirty="0">
-              <a:latin typeface="微软雅黑"/>
-              <a:ea typeface="微软雅黑"/>
-            </a:endParaRPr>
-          </a:p>
-        </p:txBody>
-      </p:sp>
-      <p:sp>
-        <p:nvSpPr>
-          <p:cNvPr id="12" name="文本框 5">
-            <a:extLst>
-              <a:ext uri="{FF2B5EF4-FFF2-40B4-BE49-F238E27FC236}">
-                <a16:creationId xmlns:a16="http://schemas.microsoft.com/office/drawing/2014/main" id="{8369CE53-B44F-4130-87DF-1458245524DE}"/>
-              </a:ext>
-            </a:extLst>
-          </p:cNvPr>
-          <p:cNvSpPr txBox="1"/>
-          <p:nvPr/>
-        </p:nvSpPr>
-        <p:spPr>
-          <a:xfrm>
-            <a:off x="1307407" y="4139455"/>
-            <a:ext cx="9573128" cy="400110"/>
-          </a:xfrm>
-          <a:prstGeom prst="rect">
-            <a:avLst/>
-          </a:prstGeom>
-          <a:noFill/>
-        </p:spPr>
-        <p:txBody>
-          <a:bodyPr wrap="square" rtlCol="0" anchor="t">
-            <a:spAutoFit/>
-          </a:bodyPr>
-          <a:lstStyle/>
-          <a:p>
-            <a:r>
-              <a:rPr lang="en-US" altLang="zh-CN" sz="2000">
-                <a:latin typeface="微软雅黑"/>
-                <a:ea typeface="微软雅黑"/>
-              </a:rPr>
-              <a:t>cversion：版本号</a:t>
-            </a:r>
-            <a:endParaRPr lang="en-US" altLang="zh-CN" sz="2000" dirty="0">
-              <a:latin typeface="微软雅黑"/>
-              <a:ea typeface="微软雅黑"/>
-            </a:endParaRPr>
-          </a:p>
-        </p:txBody>
-      </p:sp>
-      <p:sp>
-        <p:nvSpPr>
-          <p:cNvPr id="13" name="文本框 5">
-            <a:extLst>
-              <a:ext uri="{FF2B5EF4-FFF2-40B4-BE49-F238E27FC236}">
-                <a16:creationId xmlns:a16="http://schemas.microsoft.com/office/drawing/2014/main" id="{080071CC-22A9-4995-BC6C-9330E55738A4}"/>
-              </a:ext>
-            </a:extLst>
-          </p:cNvPr>
-          <p:cNvSpPr txBox="1"/>
-          <p:nvPr/>
-        </p:nvSpPr>
-        <p:spPr>
-          <a:xfrm>
-            <a:off x="1318953" y="5651909"/>
-            <a:ext cx="9573128" cy="707886"/>
-          </a:xfrm>
-          <a:prstGeom prst="rect">
-            <a:avLst/>
-          </a:prstGeom>
-          <a:noFill/>
-        </p:spPr>
-        <p:txBody>
-          <a:bodyPr wrap="square" rtlCol="0" anchor="t">
-            <a:spAutoFit/>
-          </a:bodyPr>
-          <a:lstStyle/>
-          <a:p>
-            <a:r>
-              <a:rPr lang="en-US" altLang="zh-CN" sz="2000">
-                <a:latin typeface="微软雅黑"/>
-                <a:ea typeface="微软雅黑"/>
-              </a:rPr>
-              <a:t>通知订阅机制：客户端监控节点的变化，直到其他客户端何时加入集群，是否发生故障，无需频繁轮询。</a:t>
-            </a:r>
-            <a:endParaRPr lang="en-US" altLang="zh-CN" sz="2000" dirty="0">
-              <a:latin typeface="微软雅黑"/>
-              <a:ea typeface="微软雅黑"/>
-            </a:endParaRPr>
-          </a:p>
-        </p:txBody>
-      </p:sp>
-    </p:spTree>
-    <p:extLst>
-      <p:ext uri="{BB962C8B-B14F-4D97-AF65-F5344CB8AC3E}">
-        <p14:creationId xmlns:p14="http://schemas.microsoft.com/office/powerpoint/2010/main" val="2948108332"/>
-      </p:ext>
-    </p:extLst>
-  </p:cSld>
-  <p:clrMapOvr>
-    <a:masterClrMapping/>
-  </p:clrMapOvr>
-</p:sld>
-</file>
-
 <file path=ppt/slides/slide32.xml><?xml version="1.0" encoding="utf-8"?>
 <p:sld xmlns:a="http://schemas.openxmlformats.org/drawingml/2006/main" xmlns:r="http://schemas.openxmlformats.org/officeDocument/2006/relationships" xmlns:p="http://schemas.openxmlformats.org/presentationml/2006/main">
   <p:cSld>
@@ -16564,13 +16459,19 @@
       </p:grpSpPr>
       <p:sp>
         <p:nvSpPr>
-          <p:cNvPr id="4" name="文本框 3"/>
+          <p:cNvPr id="5" name="文本框 5">
+            <a:extLst>
+              <a:ext uri="{FF2B5EF4-FFF2-40B4-BE49-F238E27FC236}">
+                <a16:creationId xmlns:a16="http://schemas.microsoft.com/office/drawing/2014/main" id="{11A9DF0D-CF64-4F0E-A624-06D18B9F498E}"/>
+              </a:ext>
+            </a:extLst>
+          </p:cNvPr>
           <p:cNvSpPr txBox="1"/>
           <p:nvPr/>
         </p:nvSpPr>
         <p:spPr>
           <a:xfrm>
-            <a:off x="970304" y="784029"/>
+            <a:off x="1342044" y="537275"/>
             <a:ext cx="9573128" cy="400110"/>
           </a:xfrm>
           <a:prstGeom prst="rect">
@@ -16579,34 +16480,40 @@
           <a:noFill/>
         </p:spPr>
         <p:txBody>
-          <a:bodyPr wrap="square" rtlCol="0">
+          <a:bodyPr wrap="square" rtlCol="0" anchor="t">
             <a:spAutoFit/>
           </a:bodyPr>
           <a:lstStyle/>
           <a:p>
             <a:r>
-              <a:rPr lang="zh-CN" altLang="en-US" sz="2000" dirty="0">
-                <a:latin typeface="微软雅黑" panose="020B0503020204020204" pitchFamily="34" charset="-122"/>
-                <a:ea typeface="微软雅黑" panose="020B0503020204020204" pitchFamily="34" charset="-122"/>
-              </a:rPr>
-              <a:t>内存数据</a:t>
-            </a:r>
-            <a:endParaRPr lang="en-US" altLang="zh-CN" sz="2000" dirty="0">
-              <a:latin typeface="微软雅黑" panose="020B0503020204020204" pitchFamily="34" charset="-122"/>
-              <a:ea typeface="微软雅黑" panose="020B0503020204020204" pitchFamily="34" charset="-122"/>
+              <a:rPr lang="zh-CN" altLang="en-US" sz="2000">
+                <a:latin typeface="微软雅黑"/>
+                <a:ea typeface="微软雅黑"/>
+              </a:rPr>
+              <a:t>API</a:t>
+            </a:r>
+            <a:endParaRPr lang="en-US" altLang="zh-CN">
+              <a:latin typeface="等线" panose="020F0502020204030204"/>
+              <a:ea typeface="等线" panose="02010600030101010101" pitchFamily="2" charset="-122"/>
             </a:endParaRPr>
           </a:p>
         </p:txBody>
       </p:sp>
       <p:sp>
         <p:nvSpPr>
-          <p:cNvPr id="5" name="文本框 4"/>
+          <p:cNvPr id="7" name="文本框 5">
+            <a:extLst>
+              <a:ext uri="{FF2B5EF4-FFF2-40B4-BE49-F238E27FC236}">
+                <a16:creationId xmlns:a16="http://schemas.microsoft.com/office/drawing/2014/main" id="{CD6355D8-453A-4494-AE92-1837A080053B}"/>
+              </a:ext>
+            </a:extLst>
+          </p:cNvPr>
           <p:cNvSpPr txBox="1"/>
           <p:nvPr/>
         </p:nvSpPr>
         <p:spPr>
           <a:xfrm>
-            <a:off x="970304" y="3798898"/>
+            <a:off x="1307408" y="3354365"/>
             <a:ext cx="9573128" cy="400110"/>
           </a:xfrm>
           <a:prstGeom prst="rect">
@@ -16615,35 +16522,41 @@
           <a:noFill/>
         </p:spPr>
         <p:txBody>
-          <a:bodyPr wrap="square" rtlCol="0">
+          <a:bodyPr wrap="square" rtlCol="0" anchor="t">
             <a:spAutoFit/>
           </a:bodyPr>
           <a:lstStyle/>
           <a:p>
             <a:r>
-              <a:rPr lang="zh-CN" altLang="en-US" sz="2000" dirty="0">
-                <a:latin typeface="微软雅黑" panose="020B0503020204020204" pitchFamily="34" charset="-122"/>
-                <a:ea typeface="微软雅黑" panose="020B0503020204020204" pitchFamily="34" charset="-122"/>
-              </a:rPr>
-              <a:t>快照</a:t>
+              <a:rPr lang="en-US" altLang="zh-CN" sz="2000" dirty="0" err="1">
+                <a:latin typeface="微软雅黑"/>
+                <a:ea typeface="微软雅黑"/>
+              </a:rPr>
+              <a:t>操作全序</a:t>
             </a:r>
             <a:endParaRPr lang="en-US" altLang="zh-CN" sz="2000" dirty="0">
-              <a:latin typeface="微软雅黑" panose="020B0503020204020204" pitchFamily="34" charset="-122"/>
-              <a:ea typeface="微软雅黑" panose="020B0503020204020204" pitchFamily="34" charset="-122"/>
+              <a:latin typeface="微软雅黑"/>
+              <a:ea typeface="微软雅黑"/>
             </a:endParaRPr>
           </a:p>
         </p:txBody>
       </p:sp>
       <p:sp>
         <p:nvSpPr>
-          <p:cNvPr id="6" name="文本框 5"/>
+          <p:cNvPr id="9" name="文本框 5">
+            <a:extLst>
+              <a:ext uri="{FF2B5EF4-FFF2-40B4-BE49-F238E27FC236}">
+                <a16:creationId xmlns:a16="http://schemas.microsoft.com/office/drawing/2014/main" id="{69993B39-934A-4192-9D29-7C4FAB205EF6}"/>
+              </a:ext>
+            </a:extLst>
+          </p:cNvPr>
           <p:cNvSpPr txBox="1"/>
           <p:nvPr/>
         </p:nvSpPr>
         <p:spPr>
           <a:xfrm>
-            <a:off x="970304" y="2416696"/>
-            <a:ext cx="9573128" cy="400110"/>
+            <a:off x="1342042" y="952912"/>
+            <a:ext cx="9573128" cy="1938992"/>
           </a:xfrm>
           <a:prstGeom prst="rect">
             <a:avLst/>
@@ -16651,21 +16564,170 @@
           <a:noFill/>
         </p:spPr>
         <p:txBody>
-          <a:bodyPr wrap="square" rtlCol="0">
+          <a:bodyPr wrap="square" rtlCol="0" anchor="t">
             <a:spAutoFit/>
           </a:bodyPr>
           <a:lstStyle/>
           <a:p>
             <a:r>
-              <a:rPr lang="zh-CN" altLang="en-US" sz="2000" dirty="0">
-                <a:latin typeface="微软雅黑" panose="020B0503020204020204" pitchFamily="34" charset="-122"/>
-                <a:ea typeface="微软雅黑" panose="020B0503020204020204" pitchFamily="34" charset="-122"/>
-              </a:rPr>
-              <a:t>事务日志</a:t>
+              <a:rPr lang="zh-CN" altLang="en-US" sz="2000">
+                <a:latin typeface="微软雅黑"/>
+                <a:ea typeface="微软雅黑"/>
+              </a:rPr>
+              <a:t>create /path data</a:t>
+            </a:r>
+            <a:endParaRPr lang="zh-CN">
+              <a:latin typeface="等线" panose="020F0502020204030204"/>
+              <a:ea typeface="等线"/>
+            </a:endParaRPr>
+          </a:p>
+          <a:p>
+            <a:r>
+              <a:rPr lang="zh-CN" altLang="en-US" sz="2000">
+                <a:latin typeface="微软雅黑"/>
+                <a:ea typeface="微软雅黑"/>
+              </a:rPr>
+              <a:t>delete /path</a:t>
+            </a:r>
+            <a:endParaRPr lang="zh-CN">
+              <a:latin typeface="等线" panose="020F0502020204030204"/>
+              <a:ea typeface="等线"/>
+            </a:endParaRPr>
+          </a:p>
+          <a:p>
+            <a:r>
+              <a:rPr lang="zh-CN" altLang="en-US" sz="2000">
+                <a:latin typeface="微软雅黑"/>
+                <a:ea typeface="微软雅黑"/>
+              </a:rPr>
+              <a:t>exists /path</a:t>
+            </a:r>
+            <a:endParaRPr lang="zh-CN">
+              <a:latin typeface="等线" panose="020F0502020204030204"/>
+              <a:ea typeface="等线"/>
+            </a:endParaRPr>
+          </a:p>
+          <a:p>
+            <a:r>
+              <a:rPr lang="zh-CN" altLang="en-US" sz="2000">
+                <a:latin typeface="微软雅黑"/>
+                <a:ea typeface="微软雅黑"/>
+              </a:rPr>
+              <a:t>setData /path data</a:t>
+            </a:r>
+            <a:endParaRPr lang="zh-CN">
+              <a:latin typeface="等线" panose="020F0502020204030204"/>
+              <a:ea typeface="等线"/>
+            </a:endParaRPr>
+          </a:p>
+          <a:p>
+            <a:r>
+              <a:rPr lang="zh-CN" altLang="en-US" sz="2000">
+                <a:latin typeface="微软雅黑"/>
+                <a:ea typeface="微软雅黑"/>
+              </a:rPr>
+              <a:t>getData /path</a:t>
+            </a:r>
+            <a:endParaRPr lang="zh-CN">
+              <a:latin typeface="等线" panose="020F0502020204030204"/>
+              <a:ea typeface="等线"/>
+            </a:endParaRPr>
+          </a:p>
+          <a:p>
+            <a:r>
+              <a:rPr lang="zh-CN" altLang="en-US" sz="2000">
+                <a:latin typeface="微软雅黑"/>
+                <a:ea typeface="微软雅黑"/>
+              </a:rPr>
+              <a:t>getChildren /path</a:t>
+            </a:r>
+            <a:endParaRPr lang="zh-CN">
+              <a:latin typeface="等线" panose="020F0502020204030204"/>
+              <a:ea typeface="等线"/>
+            </a:endParaRPr>
+          </a:p>
+        </p:txBody>
+      </p:sp>
+      <p:sp>
+        <p:nvSpPr>
+          <p:cNvPr id="11" name="文本框 5">
+            <a:extLst>
+              <a:ext uri="{FF2B5EF4-FFF2-40B4-BE49-F238E27FC236}">
+                <a16:creationId xmlns:a16="http://schemas.microsoft.com/office/drawing/2014/main" id="{64A6C56D-14E1-44E6-9B24-2DDEF7C8C817}"/>
+              </a:ext>
+            </a:extLst>
+          </p:cNvPr>
+          <p:cNvSpPr txBox="1"/>
+          <p:nvPr/>
+        </p:nvSpPr>
+        <p:spPr>
+          <a:xfrm>
+            <a:off x="1307407" y="3746910"/>
+            <a:ext cx="9573128" cy="400110"/>
+          </a:xfrm>
+          <a:prstGeom prst="rect">
+            <a:avLst/>
+          </a:prstGeom>
+          <a:noFill/>
+        </p:spPr>
+        <p:txBody>
+          <a:bodyPr wrap="square" rtlCol="0" anchor="t">
+            <a:spAutoFit/>
+          </a:bodyPr>
+          <a:lstStyle/>
+          <a:p>
+            <a:r>
+              <a:rPr lang="en-US" altLang="zh-CN" sz="2000">
+                <a:latin typeface="微软雅黑"/>
+                <a:ea typeface="微软雅黑"/>
+              </a:rPr>
+              <a:t>zxid：每个操作赋予一个单调递增的事务 ID</a:t>
             </a:r>
             <a:endParaRPr lang="en-US" altLang="zh-CN" sz="2000" dirty="0">
-              <a:latin typeface="微软雅黑" panose="020B0503020204020204" pitchFamily="34" charset="-122"/>
-              <a:ea typeface="微软雅黑" panose="020B0503020204020204" pitchFamily="34" charset="-122"/>
+              <a:latin typeface="微软雅黑"/>
+              <a:ea typeface="微软雅黑"/>
+            </a:endParaRPr>
+          </a:p>
+        </p:txBody>
+      </p:sp>
+      <p:sp>
+        <p:nvSpPr>
+          <p:cNvPr id="12" name="文本框 5">
+            <a:extLst>
+              <a:ext uri="{FF2B5EF4-FFF2-40B4-BE49-F238E27FC236}">
+                <a16:creationId xmlns:a16="http://schemas.microsoft.com/office/drawing/2014/main" id="{8369CE53-B44F-4130-87DF-1458245524DE}"/>
+              </a:ext>
+            </a:extLst>
+          </p:cNvPr>
+          <p:cNvSpPr txBox="1"/>
+          <p:nvPr/>
+        </p:nvSpPr>
+        <p:spPr>
+          <a:xfrm>
+            <a:off x="1307407" y="4139455"/>
+            <a:ext cx="9573128" cy="400110"/>
+          </a:xfrm>
+          <a:prstGeom prst="rect">
+            <a:avLst/>
+          </a:prstGeom>
+          <a:noFill/>
+        </p:spPr>
+        <p:txBody>
+          <a:bodyPr wrap="square" rtlCol="0" anchor="t">
+            <a:spAutoFit/>
+          </a:bodyPr>
+          <a:lstStyle/>
+          <a:p>
+            <a:r>
+              <a:rPr lang="en-US" altLang="zh-CN" sz="2000">
+                <a:latin typeface="微软雅黑"/>
+                <a:ea typeface="微软雅黑"/>
+              </a:rPr>
+              <a:t>cversion：版本号</a:t>
+            </a:r>
+            <a:endParaRPr lang="en-US" altLang="zh-CN" sz="2000" dirty="0">
+              <a:latin typeface="微软雅黑"/>
+              <a:ea typeface="微软雅黑"/>
             </a:endParaRPr>
           </a:p>
         </p:txBody>
@@ -16673,7 +16735,7 @@
     </p:spTree>
     <p:extLst>
       <p:ext uri="{BB962C8B-B14F-4D97-AF65-F5344CB8AC3E}">
-        <p14:creationId xmlns:p14="http://schemas.microsoft.com/office/powerpoint/2010/main" val="3815281166"/>
+        <p14:creationId xmlns:p14="http://schemas.microsoft.com/office/powerpoint/2010/main" val="2948108332"/>
       </p:ext>
     </p:extLst>
   </p:cSld>
@@ -16702,6 +16764,393 @@
       </p:grpSpPr>
       <p:sp>
         <p:nvSpPr>
+          <p:cNvPr id="4" name="文本框 5">
+            <a:extLst>
+              <a:ext uri="{FF2B5EF4-FFF2-40B4-BE49-F238E27FC236}">
+                <a16:creationId xmlns:a16="http://schemas.microsoft.com/office/drawing/2014/main" id="{D4F54EA1-F507-49D7-A792-EFA4099B7CA1}"/>
+              </a:ext>
+            </a:extLst>
+          </p:cNvPr>
+          <p:cNvSpPr txBox="1"/>
+          <p:nvPr/>
+        </p:nvSpPr>
+        <p:spPr>
+          <a:xfrm>
+            <a:off x="1294591" y="1472221"/>
+            <a:ext cx="9573128" cy="400110"/>
+          </a:xfrm>
+          <a:prstGeom prst="rect">
+            <a:avLst/>
+          </a:prstGeom>
+          <a:noFill/>
+        </p:spPr>
+        <p:txBody>
+          <a:bodyPr wrap="square" rtlCol="0" anchor="t">
+            <a:spAutoFit/>
+          </a:bodyPr>
+          <a:lstStyle/>
+          <a:p>
+            <a:r>
+              <a:rPr lang="en-US" altLang="zh-CN" sz="2000" dirty="0">
+                <a:latin typeface="微软雅黑"/>
+                <a:ea typeface="微软雅黑"/>
+              </a:rPr>
+              <a:t>Watcher </a:t>
+            </a:r>
+            <a:r>
+              <a:rPr lang="zh-CN" altLang="en-US" sz="2000" dirty="0">
+                <a:latin typeface="微软雅黑"/>
+                <a:ea typeface="微软雅黑"/>
+              </a:rPr>
+              <a:t>机制 / 更改通知</a:t>
+            </a:r>
+            <a:endParaRPr lang="en-US" altLang="zh-CN" sz="2000" dirty="0">
+              <a:latin typeface="微软雅黑"/>
+              <a:ea typeface="微软雅黑"/>
+            </a:endParaRPr>
+          </a:p>
+        </p:txBody>
+      </p:sp>
+      <p:sp>
+        <p:nvSpPr>
+          <p:cNvPr id="5" name="文本框 5">
+            <a:extLst>
+              <a:ext uri="{FF2B5EF4-FFF2-40B4-BE49-F238E27FC236}">
+                <a16:creationId xmlns:a16="http://schemas.microsoft.com/office/drawing/2014/main" id="{080071CC-22A9-4995-BC6C-9330E55738A4}"/>
+              </a:ext>
+            </a:extLst>
+          </p:cNvPr>
+          <p:cNvSpPr txBox="1"/>
+          <p:nvPr/>
+        </p:nvSpPr>
+        <p:spPr>
+          <a:xfrm>
+            <a:off x="1329227" y="2014857"/>
+            <a:ext cx="9573128" cy="707886"/>
+          </a:xfrm>
+          <a:prstGeom prst="rect">
+            <a:avLst/>
+          </a:prstGeom>
+          <a:noFill/>
+        </p:spPr>
+        <p:txBody>
+          <a:bodyPr wrap="square" rtlCol="0" anchor="t">
+            <a:spAutoFit/>
+          </a:bodyPr>
+          <a:lstStyle/>
+          <a:p>
+            <a:r>
+              <a:rPr lang="en-US" altLang="zh-CN" sz="2000" dirty="0" err="1">
+                <a:latin typeface="微软雅黑"/>
+                <a:ea typeface="微软雅黑"/>
+              </a:rPr>
+              <a:t>通知订阅机制：客户端监控节点的变化，直到其他客户端何时加入集群，是否发生故障，无需频繁轮询</a:t>
+            </a:r>
+            <a:r>
+              <a:rPr lang="en-US" altLang="zh-CN" sz="2000" dirty="0">
+                <a:latin typeface="微软雅黑"/>
+                <a:ea typeface="微软雅黑"/>
+              </a:rPr>
+              <a:t>。</a:t>
+            </a:r>
+          </a:p>
+        </p:txBody>
+      </p:sp>
+      <p:sp>
+        <p:nvSpPr>
+          <p:cNvPr id="6" name="文本框 5">
+            <a:extLst>
+              <a:ext uri="{FF2B5EF4-FFF2-40B4-BE49-F238E27FC236}">
+                <a16:creationId xmlns:a16="http://schemas.microsoft.com/office/drawing/2014/main" id="{D4F54EA1-F507-49D7-A792-EFA4099B7CA1}"/>
+              </a:ext>
+            </a:extLst>
+          </p:cNvPr>
+          <p:cNvSpPr txBox="1"/>
+          <p:nvPr/>
+        </p:nvSpPr>
+        <p:spPr>
+          <a:xfrm>
+            <a:off x="1294591" y="3895859"/>
+            <a:ext cx="9573128" cy="400110"/>
+          </a:xfrm>
+          <a:prstGeom prst="rect">
+            <a:avLst/>
+          </a:prstGeom>
+          <a:noFill/>
+        </p:spPr>
+        <p:txBody>
+          <a:bodyPr wrap="square" rtlCol="0" anchor="t">
+            <a:spAutoFit/>
+          </a:bodyPr>
+          <a:lstStyle/>
+          <a:p>
+            <a:r>
+              <a:rPr lang="zh-CN" altLang="en-US" sz="2000" dirty="0">
+                <a:latin typeface="微软雅黑"/>
+                <a:ea typeface="微软雅黑"/>
+              </a:rPr>
+              <a:t>服务发现 </a:t>
+            </a:r>
+            <a:r>
+              <a:rPr lang="en-US" altLang="zh-CN" sz="2000" dirty="0">
+                <a:latin typeface="微软雅黑"/>
+                <a:ea typeface="微软雅黑"/>
+              </a:rPr>
+              <a:t>/ </a:t>
+            </a:r>
+            <a:r>
+              <a:rPr lang="zh-CN" altLang="en-US" sz="2000" dirty="0">
+                <a:latin typeface="微软雅黑"/>
+                <a:ea typeface="微软雅黑"/>
+              </a:rPr>
+              <a:t>成员服务</a:t>
+            </a:r>
+            <a:endParaRPr lang="en-US" altLang="zh-CN" sz="2000" dirty="0">
+              <a:latin typeface="微软雅黑"/>
+              <a:ea typeface="微软雅黑"/>
+            </a:endParaRPr>
+          </a:p>
+        </p:txBody>
+      </p:sp>
+      <p:sp>
+        <p:nvSpPr>
+          <p:cNvPr id="7" name="文本框 5">
+            <a:extLst>
+              <a:ext uri="{FF2B5EF4-FFF2-40B4-BE49-F238E27FC236}">
+                <a16:creationId xmlns:a16="http://schemas.microsoft.com/office/drawing/2014/main" id="{080071CC-22A9-4995-BC6C-9330E55738A4}"/>
+              </a:ext>
+            </a:extLst>
+          </p:cNvPr>
+          <p:cNvSpPr txBox="1"/>
+          <p:nvPr/>
+        </p:nvSpPr>
+        <p:spPr>
+          <a:xfrm>
+            <a:off x="1329227" y="4392328"/>
+            <a:ext cx="9573128" cy="707886"/>
+          </a:xfrm>
+          <a:prstGeom prst="rect">
+            <a:avLst/>
+          </a:prstGeom>
+          <a:noFill/>
+        </p:spPr>
+        <p:txBody>
+          <a:bodyPr wrap="square" rtlCol="0" anchor="t">
+            <a:spAutoFit/>
+          </a:bodyPr>
+          <a:lstStyle/>
+          <a:p>
+            <a:r>
+              <a:rPr lang="zh-CN" altLang="en-US" sz="2000" dirty="0">
+                <a:latin typeface="微软雅黑"/>
+                <a:ea typeface="微软雅黑"/>
+              </a:rPr>
+              <a:t>服务发现：当需要某项服务时，应该连接哪个 </a:t>
+            </a:r>
+            <a:r>
+              <a:rPr lang="en-US" altLang="zh-CN" sz="2000" dirty="0">
+                <a:latin typeface="微软雅黑"/>
+                <a:ea typeface="微软雅黑"/>
+              </a:rPr>
+              <a:t>IP</a:t>
+            </a:r>
+            <a:r>
+              <a:rPr lang="zh-CN" altLang="en-US" sz="2000" dirty="0">
+                <a:latin typeface="微软雅黑"/>
+                <a:ea typeface="微软雅黑"/>
+              </a:rPr>
+              <a:t>：注册，询问。</a:t>
+            </a:r>
+            <a:endParaRPr lang="en-US" altLang="zh-CN" sz="2000" dirty="0">
+              <a:latin typeface="微软雅黑"/>
+              <a:ea typeface="微软雅黑"/>
+            </a:endParaRPr>
+          </a:p>
+          <a:p>
+            <a:r>
+              <a:rPr lang="zh-CN" altLang="en-US" sz="2000" dirty="0">
+                <a:latin typeface="微软雅黑"/>
+                <a:ea typeface="微软雅黑"/>
+              </a:rPr>
+              <a:t>成员服务：确定哪些节点处于集群中的有效成员，帮助集群达成共识。</a:t>
+            </a:r>
+            <a:endParaRPr lang="en-US" altLang="zh-CN" sz="2000" dirty="0">
+              <a:latin typeface="微软雅黑"/>
+              <a:ea typeface="微软雅黑"/>
+            </a:endParaRPr>
+          </a:p>
+        </p:txBody>
+      </p:sp>
+    </p:spTree>
+    <p:extLst>
+      <p:ext uri="{BB962C8B-B14F-4D97-AF65-F5344CB8AC3E}">
+        <p14:creationId xmlns:p14="http://schemas.microsoft.com/office/powerpoint/2010/main" val="2356197909"/>
+      </p:ext>
+    </p:extLst>
+  </p:cSld>
+  <p:clrMapOvr>
+    <a:masterClrMapping/>
+  </p:clrMapOvr>
+</p:sld>
+</file>
+
+<file path=ppt/slides/slide34.xml><?xml version="1.0" encoding="utf-8"?>
+<p:sld xmlns:a="http://schemas.openxmlformats.org/drawingml/2006/main" xmlns:r="http://schemas.openxmlformats.org/officeDocument/2006/relationships" xmlns:p="http://schemas.openxmlformats.org/presentationml/2006/main">
+  <p:cSld>
+    <p:spTree>
+      <p:nvGrpSpPr>
+        <p:cNvPr id="1" name=""/>
+        <p:cNvGrpSpPr/>
+        <p:nvPr/>
+      </p:nvGrpSpPr>
+      <p:grpSpPr>
+        <a:xfrm>
+          <a:off x="0" y="0"/>
+          <a:ext cx="0" cy="0"/>
+          <a:chOff x="0" y="0"/>
+          <a:chExt cx="0" cy="0"/>
+        </a:xfrm>
+      </p:grpSpPr>
+      <p:sp>
+        <p:nvSpPr>
+          <p:cNvPr id="4" name="文本框 3"/>
+          <p:cNvSpPr txBox="1"/>
+          <p:nvPr/>
+        </p:nvSpPr>
+        <p:spPr>
+          <a:xfrm>
+            <a:off x="970304" y="784029"/>
+            <a:ext cx="9573128" cy="400110"/>
+          </a:xfrm>
+          <a:prstGeom prst="rect">
+            <a:avLst/>
+          </a:prstGeom>
+          <a:noFill/>
+        </p:spPr>
+        <p:txBody>
+          <a:bodyPr wrap="square" rtlCol="0">
+            <a:spAutoFit/>
+          </a:bodyPr>
+          <a:lstStyle/>
+          <a:p>
+            <a:r>
+              <a:rPr lang="zh-CN" altLang="en-US" sz="2000" dirty="0">
+                <a:latin typeface="微软雅黑" panose="020B0503020204020204" pitchFamily="34" charset="-122"/>
+                <a:ea typeface="微软雅黑" panose="020B0503020204020204" pitchFamily="34" charset="-122"/>
+              </a:rPr>
+              <a:t>内存数据</a:t>
+            </a:r>
+            <a:endParaRPr lang="en-US" altLang="zh-CN" sz="2000" dirty="0">
+              <a:latin typeface="微软雅黑" panose="020B0503020204020204" pitchFamily="34" charset="-122"/>
+              <a:ea typeface="微软雅黑" panose="020B0503020204020204" pitchFamily="34" charset="-122"/>
+            </a:endParaRPr>
+          </a:p>
+        </p:txBody>
+      </p:sp>
+      <p:sp>
+        <p:nvSpPr>
+          <p:cNvPr id="5" name="文本框 4"/>
+          <p:cNvSpPr txBox="1"/>
+          <p:nvPr/>
+        </p:nvSpPr>
+        <p:spPr>
+          <a:xfrm>
+            <a:off x="970304" y="3798898"/>
+            <a:ext cx="9573128" cy="400110"/>
+          </a:xfrm>
+          <a:prstGeom prst="rect">
+            <a:avLst/>
+          </a:prstGeom>
+          <a:noFill/>
+        </p:spPr>
+        <p:txBody>
+          <a:bodyPr wrap="square" rtlCol="0">
+            <a:spAutoFit/>
+          </a:bodyPr>
+          <a:lstStyle/>
+          <a:p>
+            <a:r>
+              <a:rPr lang="zh-CN" altLang="en-US" sz="2000" dirty="0">
+                <a:latin typeface="微软雅黑" panose="020B0503020204020204" pitchFamily="34" charset="-122"/>
+                <a:ea typeface="微软雅黑" panose="020B0503020204020204" pitchFamily="34" charset="-122"/>
+              </a:rPr>
+              <a:t>快照</a:t>
+            </a:r>
+            <a:endParaRPr lang="en-US" altLang="zh-CN" sz="2000" dirty="0">
+              <a:latin typeface="微软雅黑" panose="020B0503020204020204" pitchFamily="34" charset="-122"/>
+              <a:ea typeface="微软雅黑" panose="020B0503020204020204" pitchFamily="34" charset="-122"/>
+            </a:endParaRPr>
+          </a:p>
+        </p:txBody>
+      </p:sp>
+      <p:sp>
+        <p:nvSpPr>
+          <p:cNvPr id="6" name="文本框 5"/>
+          <p:cNvSpPr txBox="1"/>
+          <p:nvPr/>
+        </p:nvSpPr>
+        <p:spPr>
+          <a:xfrm>
+            <a:off x="970304" y="2416696"/>
+            <a:ext cx="9573128" cy="400110"/>
+          </a:xfrm>
+          <a:prstGeom prst="rect">
+            <a:avLst/>
+          </a:prstGeom>
+          <a:noFill/>
+        </p:spPr>
+        <p:txBody>
+          <a:bodyPr wrap="square" rtlCol="0">
+            <a:spAutoFit/>
+          </a:bodyPr>
+          <a:lstStyle/>
+          <a:p>
+            <a:r>
+              <a:rPr lang="zh-CN" altLang="en-US" sz="2000" dirty="0">
+                <a:latin typeface="微软雅黑" panose="020B0503020204020204" pitchFamily="34" charset="-122"/>
+                <a:ea typeface="微软雅黑" panose="020B0503020204020204" pitchFamily="34" charset="-122"/>
+              </a:rPr>
+              <a:t>事务日志</a:t>
+            </a:r>
+            <a:endParaRPr lang="en-US" altLang="zh-CN" sz="2000" dirty="0">
+              <a:latin typeface="微软雅黑" panose="020B0503020204020204" pitchFamily="34" charset="-122"/>
+              <a:ea typeface="微软雅黑" panose="020B0503020204020204" pitchFamily="34" charset="-122"/>
+            </a:endParaRPr>
+          </a:p>
+        </p:txBody>
+      </p:sp>
+    </p:spTree>
+    <p:extLst>
+      <p:ext uri="{BB962C8B-B14F-4D97-AF65-F5344CB8AC3E}">
+        <p14:creationId xmlns:p14="http://schemas.microsoft.com/office/powerpoint/2010/main" val="3815281166"/>
+      </p:ext>
+    </p:extLst>
+  </p:cSld>
+  <p:clrMapOvr>
+    <a:masterClrMapping/>
+  </p:clrMapOvr>
+</p:sld>
+</file>
+
+<file path=ppt/slides/slide35.xml><?xml version="1.0" encoding="utf-8"?>
+<p:sld xmlns:a="http://schemas.openxmlformats.org/drawingml/2006/main" xmlns:r="http://schemas.openxmlformats.org/officeDocument/2006/relationships" xmlns:p="http://schemas.openxmlformats.org/presentationml/2006/main">
+  <p:cSld>
+    <p:spTree>
+      <p:nvGrpSpPr>
+        <p:cNvPr id="1" name=""/>
+        <p:cNvGrpSpPr/>
+        <p:nvPr/>
+      </p:nvGrpSpPr>
+      <p:grpSpPr>
+        <a:xfrm>
+          <a:off x="0" y="0"/>
+          <a:ext cx="0" cy="0"/>
+          <a:chOff x="0" y="0"/>
+          <a:chExt cx="0" cy="0"/>
+        </a:xfrm>
+      </p:grpSpPr>
+      <p:sp>
+        <p:nvSpPr>
           <p:cNvPr id="4" name="文本框 3"/>
           <p:cNvSpPr txBox="1"/>
           <p:nvPr/>
@@ -16909,6 +17358,364 @@
     <p:extLst>
       <p:ext uri="{BB962C8B-B14F-4D97-AF65-F5344CB8AC3E}">
         <p14:creationId xmlns:p14="http://schemas.microsoft.com/office/powerpoint/2010/main" val="298002368"/>
+      </p:ext>
+    </p:extLst>
+  </p:cSld>
+  <p:clrMapOvr>
+    <a:masterClrMapping/>
+  </p:clrMapOvr>
+</p:sld>
+</file>
+
+<file path=ppt/slides/slide36.xml><?xml version="1.0" encoding="utf-8"?>
+<p:sld xmlns:a="http://schemas.openxmlformats.org/drawingml/2006/main" xmlns:r="http://schemas.openxmlformats.org/officeDocument/2006/relationships" xmlns:p="http://schemas.openxmlformats.org/presentationml/2006/main">
+  <p:cSld>
+    <p:spTree>
+      <p:nvGrpSpPr>
+        <p:cNvPr id="1" name=""/>
+        <p:cNvGrpSpPr/>
+        <p:nvPr/>
+      </p:nvGrpSpPr>
+      <p:grpSpPr>
+        <a:xfrm>
+          <a:off x="0" y="0"/>
+          <a:ext cx="0" cy="0"/>
+          <a:chOff x="0" y="0"/>
+          <a:chExt cx="0" cy="0"/>
+        </a:xfrm>
+      </p:grpSpPr>
+      <p:sp>
+        <p:nvSpPr>
+          <p:cNvPr id="4" name="文本框 3"/>
+          <p:cNvSpPr txBox="1"/>
+          <p:nvPr/>
+        </p:nvSpPr>
+        <p:spPr>
+          <a:xfrm>
+            <a:off x="931122" y="2422461"/>
+            <a:ext cx="9573128" cy="1938992"/>
+          </a:xfrm>
+          <a:prstGeom prst="rect">
+            <a:avLst/>
+          </a:prstGeom>
+          <a:noFill/>
+        </p:spPr>
+        <p:txBody>
+          <a:bodyPr wrap="square" rtlCol="0">
+            <a:spAutoFit/>
+          </a:bodyPr>
+          <a:lstStyle/>
+          <a:p>
+            <a:r>
+              <a:rPr lang="zh-CN" altLang="en-US" sz="2000" dirty="0">
+                <a:latin typeface="微软雅黑" panose="020B0503020204020204" pitchFamily="34" charset="-122"/>
+                <a:ea typeface="微软雅黑" panose="020B0503020204020204" pitchFamily="34" charset="-122"/>
+              </a:rPr>
+              <a:t>通常在初期的版本</a:t>
+            </a:r>
+            <a:r>
+              <a:rPr lang="en-US" altLang="zh-CN" sz="2000" dirty="0">
+                <a:latin typeface="微软雅黑" panose="020B0503020204020204" pitchFamily="34" charset="-122"/>
+                <a:ea typeface="微软雅黑" panose="020B0503020204020204" pitchFamily="34" charset="-122"/>
+              </a:rPr>
+              <a:t>, </a:t>
+            </a:r>
+            <a:r>
+              <a:rPr lang="zh-CN" altLang="en-US" sz="2000" dirty="0">
+                <a:latin typeface="微软雅黑" panose="020B0503020204020204" pitchFamily="34" charset="-122"/>
+                <a:ea typeface="微软雅黑" panose="020B0503020204020204" pitchFamily="34" charset="-122"/>
+              </a:rPr>
+              <a:t>用 </a:t>
+            </a:r>
+            <a:r>
+              <a:rPr lang="en-US" altLang="zh-CN" sz="2000" dirty="0" err="1">
+                <a:latin typeface="微软雅黑" panose="020B0503020204020204" pitchFamily="34" charset="-122"/>
+                <a:ea typeface="微软雅黑" panose="020B0503020204020204" pitchFamily="34" charset="-122"/>
+              </a:rPr>
+              <a:t>ZooKeeper</a:t>
+            </a:r>
+            <a:r>
+              <a:rPr lang="en-US" altLang="zh-CN" sz="2000" dirty="0">
+                <a:latin typeface="微软雅黑" panose="020B0503020204020204" pitchFamily="34" charset="-122"/>
+                <a:ea typeface="微软雅黑" panose="020B0503020204020204" pitchFamily="34" charset="-122"/>
+              </a:rPr>
+              <a:t> </a:t>
+            </a:r>
+            <a:r>
+              <a:rPr lang="zh-CN" altLang="en-US" sz="2000" dirty="0">
+                <a:latin typeface="微软雅黑" panose="020B0503020204020204" pitchFamily="34" charset="-122"/>
+                <a:ea typeface="微软雅黑" panose="020B0503020204020204" pitchFamily="34" charset="-122"/>
+              </a:rPr>
+              <a:t>解决做分布式协调服务是一个不错的选择</a:t>
+            </a:r>
+            <a:r>
+              <a:rPr lang="en-US" altLang="zh-CN" sz="2000" dirty="0">
+                <a:latin typeface="微软雅黑" panose="020B0503020204020204" pitchFamily="34" charset="-122"/>
+                <a:ea typeface="微软雅黑" panose="020B0503020204020204" pitchFamily="34" charset="-122"/>
+              </a:rPr>
+              <a:t>, </a:t>
+            </a:r>
+            <a:r>
+              <a:rPr lang="zh-CN" altLang="en-US" sz="2000" dirty="0">
+                <a:latin typeface="微软雅黑" panose="020B0503020204020204" pitchFamily="34" charset="-122"/>
+                <a:ea typeface="微软雅黑" panose="020B0503020204020204" pitchFamily="34" charset="-122"/>
+              </a:rPr>
+              <a:t>到较高版本时</a:t>
+            </a:r>
+            <a:r>
+              <a:rPr lang="en-US" altLang="zh-CN" sz="2000" dirty="0">
+                <a:latin typeface="微软雅黑" panose="020B0503020204020204" pitchFamily="34" charset="-122"/>
+                <a:ea typeface="微软雅黑" panose="020B0503020204020204" pitchFamily="34" charset="-122"/>
+              </a:rPr>
+              <a:t>, </a:t>
+            </a:r>
+            <a:r>
+              <a:rPr lang="zh-CN" altLang="en-US" sz="2000" dirty="0">
+                <a:latin typeface="微软雅黑" panose="020B0503020204020204" pitchFamily="34" charset="-122"/>
+                <a:ea typeface="微软雅黑" panose="020B0503020204020204" pitchFamily="34" charset="-122"/>
+              </a:rPr>
+              <a:t>也有部分大型系统选择放弃 </a:t>
+            </a:r>
+            <a:r>
+              <a:rPr lang="en-US" altLang="zh-CN" sz="2000" dirty="0" err="1">
+                <a:latin typeface="微软雅黑" panose="020B0503020204020204" pitchFamily="34" charset="-122"/>
+                <a:ea typeface="微软雅黑" panose="020B0503020204020204" pitchFamily="34" charset="-122"/>
+              </a:rPr>
+              <a:t>ZooKeeper</a:t>
+            </a:r>
+            <a:r>
+              <a:rPr lang="en-US" altLang="zh-CN" sz="2000" dirty="0">
+                <a:latin typeface="微软雅黑" panose="020B0503020204020204" pitchFamily="34" charset="-122"/>
+                <a:ea typeface="微软雅黑" panose="020B0503020204020204" pitchFamily="34" charset="-122"/>
+              </a:rPr>
+              <a:t>, </a:t>
+            </a:r>
+            <a:r>
+              <a:rPr lang="zh-CN" altLang="en-US" sz="2000" dirty="0">
+                <a:latin typeface="微软雅黑" panose="020B0503020204020204" pitchFamily="34" charset="-122"/>
+                <a:ea typeface="微软雅黑" panose="020B0503020204020204" pitchFamily="34" charset="-122"/>
+              </a:rPr>
+              <a:t>选择自己开发这一部分以保持更高的可定制化和针对性的优化</a:t>
+            </a:r>
+            <a:r>
+              <a:rPr lang="en-US" altLang="zh-CN" sz="2000" dirty="0">
+                <a:latin typeface="微软雅黑" panose="020B0503020204020204" pitchFamily="34" charset="-122"/>
+                <a:ea typeface="微软雅黑" panose="020B0503020204020204" pitchFamily="34" charset="-122"/>
+              </a:rPr>
+              <a:t>.</a:t>
+            </a:r>
+          </a:p>
+          <a:p>
+            <a:r>
+              <a:rPr lang="zh-CN" altLang="en-US" sz="2000" dirty="0">
+                <a:latin typeface="微软雅黑" panose="020B0503020204020204" pitchFamily="34" charset="-122"/>
+                <a:ea typeface="微软雅黑" panose="020B0503020204020204" pitchFamily="34" charset="-122"/>
+              </a:rPr>
+              <a:t>总结</a:t>
+            </a:r>
+            <a:r>
+              <a:rPr lang="en-US" altLang="zh-CN" sz="2000" dirty="0">
+                <a:latin typeface="微软雅黑" panose="020B0503020204020204" pitchFamily="34" charset="-122"/>
+                <a:ea typeface="微软雅黑" panose="020B0503020204020204" pitchFamily="34" charset="-122"/>
+              </a:rPr>
+              <a:t>: </a:t>
+            </a:r>
+            <a:r>
+              <a:rPr lang="zh-CN" altLang="en-US" sz="2000" dirty="0">
+                <a:latin typeface="微软雅黑" panose="020B0503020204020204" pitchFamily="34" charset="-122"/>
+                <a:ea typeface="微软雅黑" panose="020B0503020204020204" pitchFamily="34" charset="-122"/>
+              </a:rPr>
+              <a:t>大部分数据系统主要还是专注于数据写入</a:t>
+            </a:r>
+            <a:r>
+              <a:rPr lang="en-US" altLang="zh-CN" sz="2000" dirty="0">
+                <a:latin typeface="微软雅黑" panose="020B0503020204020204" pitchFamily="34" charset="-122"/>
+                <a:ea typeface="微软雅黑" panose="020B0503020204020204" pitchFamily="34" charset="-122"/>
+              </a:rPr>
+              <a:t>, </a:t>
+            </a:r>
+            <a:r>
+              <a:rPr lang="zh-CN" altLang="en-US" sz="2000" dirty="0">
+                <a:latin typeface="微软雅黑" panose="020B0503020204020204" pitchFamily="34" charset="-122"/>
+                <a:ea typeface="微软雅黑" panose="020B0503020204020204" pitchFamily="34" charset="-122"/>
+              </a:rPr>
+              <a:t>存储</a:t>
+            </a:r>
+            <a:r>
+              <a:rPr lang="en-US" altLang="zh-CN" sz="2000" dirty="0">
+                <a:latin typeface="微软雅黑" panose="020B0503020204020204" pitchFamily="34" charset="-122"/>
+                <a:ea typeface="微软雅黑" panose="020B0503020204020204" pitchFamily="34" charset="-122"/>
+              </a:rPr>
+              <a:t>, </a:t>
+            </a:r>
+            <a:r>
+              <a:rPr lang="zh-CN" altLang="en-US" sz="2000" dirty="0">
+                <a:latin typeface="微软雅黑" panose="020B0503020204020204" pitchFamily="34" charset="-122"/>
+                <a:ea typeface="微软雅黑" panose="020B0503020204020204" pitchFamily="34" charset="-122"/>
+              </a:rPr>
+              <a:t>读取上的优化</a:t>
+            </a:r>
+            <a:r>
+              <a:rPr lang="en-US" altLang="zh-CN" sz="2000" dirty="0">
+                <a:latin typeface="微软雅黑" panose="020B0503020204020204" pitchFamily="34" charset="-122"/>
+                <a:ea typeface="微软雅黑" panose="020B0503020204020204" pitchFamily="34" charset="-122"/>
+              </a:rPr>
+              <a:t>, </a:t>
+            </a:r>
+            <a:r>
+              <a:rPr lang="zh-CN" altLang="en-US" sz="2000" dirty="0">
+                <a:latin typeface="微软雅黑" panose="020B0503020204020204" pitchFamily="34" charset="-122"/>
+                <a:ea typeface="微软雅黑" panose="020B0503020204020204" pitchFamily="34" charset="-122"/>
+              </a:rPr>
+              <a:t>将像 </a:t>
+            </a:r>
+            <a:r>
+              <a:rPr lang="en-US" altLang="zh-CN" sz="2000" dirty="0" err="1">
+                <a:latin typeface="微软雅黑" panose="020B0503020204020204" pitchFamily="34" charset="-122"/>
+                <a:ea typeface="微软雅黑" panose="020B0503020204020204" pitchFamily="34" charset="-122"/>
+              </a:rPr>
+              <a:t>ZooKeeper</a:t>
+            </a:r>
+            <a:r>
+              <a:rPr lang="en-US" altLang="zh-CN" sz="2000" dirty="0">
+                <a:latin typeface="微软雅黑" panose="020B0503020204020204" pitchFamily="34" charset="-122"/>
+                <a:ea typeface="微软雅黑" panose="020B0503020204020204" pitchFamily="34" charset="-122"/>
+              </a:rPr>
+              <a:t> </a:t>
+            </a:r>
+            <a:r>
+              <a:rPr lang="zh-CN" altLang="en-US" sz="2000" dirty="0">
+                <a:latin typeface="微软雅黑" panose="020B0503020204020204" pitchFamily="34" charset="-122"/>
+                <a:ea typeface="微软雅黑" panose="020B0503020204020204" pitchFamily="34" charset="-122"/>
+              </a:rPr>
+              <a:t>这种分布式协调系统用于解决了分布式系统中存在的一部分问题</a:t>
+            </a:r>
+            <a:r>
+              <a:rPr lang="en-US" altLang="zh-CN" sz="2000" dirty="0">
+                <a:latin typeface="微软雅黑" panose="020B0503020204020204" pitchFamily="34" charset="-122"/>
+                <a:ea typeface="微软雅黑" panose="020B0503020204020204" pitchFamily="34" charset="-122"/>
+              </a:rPr>
+              <a:t>, </a:t>
+            </a:r>
+            <a:r>
+              <a:rPr lang="zh-CN" altLang="en-US" sz="2000" dirty="0">
+                <a:latin typeface="微软雅黑" panose="020B0503020204020204" pitchFamily="34" charset="-122"/>
+                <a:ea typeface="微软雅黑" panose="020B0503020204020204" pitchFamily="34" charset="-122"/>
+              </a:rPr>
+              <a:t>分布式系统中还需要面对各种各样的其他挑战</a:t>
+            </a:r>
+            <a:r>
+              <a:rPr lang="en-US" altLang="zh-CN" sz="2000" dirty="0">
+                <a:latin typeface="微软雅黑" panose="020B0503020204020204" pitchFamily="34" charset="-122"/>
+                <a:ea typeface="微软雅黑" panose="020B0503020204020204" pitchFamily="34" charset="-122"/>
+              </a:rPr>
+              <a:t>.</a:t>
+            </a:r>
+          </a:p>
+        </p:txBody>
+      </p:sp>
+      <p:sp>
+        <p:nvSpPr>
+          <p:cNvPr id="5" name="文本框 4"/>
+          <p:cNvSpPr txBox="1"/>
+          <p:nvPr/>
+        </p:nvSpPr>
+        <p:spPr>
+          <a:xfrm>
+            <a:off x="931122" y="1265690"/>
+            <a:ext cx="9573128" cy="400110"/>
+          </a:xfrm>
+          <a:prstGeom prst="rect">
+            <a:avLst/>
+          </a:prstGeom>
+          <a:noFill/>
+        </p:spPr>
+        <p:txBody>
+          <a:bodyPr wrap="square" rtlCol="0">
+            <a:spAutoFit/>
+          </a:bodyPr>
+          <a:lstStyle/>
+          <a:p>
+            <a:r>
+              <a:rPr lang="zh-CN" altLang="en-US" sz="2000" dirty="0">
+                <a:latin typeface="微软雅黑" panose="020B0503020204020204" pitchFamily="34" charset="-122"/>
+                <a:ea typeface="微软雅黑" panose="020B0503020204020204" pitchFamily="34" charset="-122"/>
+              </a:rPr>
+              <a:t>总结</a:t>
+            </a:r>
+            <a:endParaRPr lang="en-US" altLang="zh-CN" sz="2000" dirty="0">
+              <a:latin typeface="微软雅黑" panose="020B0503020204020204" pitchFamily="34" charset="-122"/>
+              <a:ea typeface="微软雅黑" panose="020B0503020204020204" pitchFamily="34" charset="-122"/>
+            </a:endParaRPr>
+          </a:p>
+        </p:txBody>
+      </p:sp>
+    </p:spTree>
+    <p:extLst>
+      <p:ext uri="{BB962C8B-B14F-4D97-AF65-F5344CB8AC3E}">
+        <p14:creationId xmlns:p14="http://schemas.microsoft.com/office/powerpoint/2010/main" val="4072699220"/>
+      </p:ext>
+    </p:extLst>
+  </p:cSld>
+  <p:clrMapOvr>
+    <a:masterClrMapping/>
+  </p:clrMapOvr>
+</p:sld>
+</file>
+
+<file path=ppt/slides/slide37.xml><?xml version="1.0" encoding="utf-8"?>
+<p:sld xmlns:a="http://schemas.openxmlformats.org/drawingml/2006/main" xmlns:r="http://schemas.openxmlformats.org/officeDocument/2006/relationships" xmlns:p="http://schemas.openxmlformats.org/presentationml/2006/main">
+  <p:cSld>
+    <p:spTree>
+      <p:nvGrpSpPr>
+        <p:cNvPr id="1" name=""/>
+        <p:cNvGrpSpPr/>
+        <p:nvPr/>
+      </p:nvGrpSpPr>
+      <p:grpSpPr>
+        <a:xfrm>
+          <a:off x="0" y="0"/>
+          <a:ext cx="0" cy="0"/>
+          <a:chOff x="0" y="0"/>
+          <a:chExt cx="0" cy="0"/>
+        </a:xfrm>
+      </p:grpSpPr>
+      <p:sp>
+        <p:nvSpPr>
+          <p:cNvPr id="4" name="文本框 3"/>
+          <p:cNvSpPr txBox="1"/>
+          <p:nvPr/>
+        </p:nvSpPr>
+        <p:spPr>
+          <a:xfrm>
+            <a:off x="4907213" y="2583618"/>
+            <a:ext cx="1340047" cy="769441"/>
+          </a:xfrm>
+          <a:prstGeom prst="rect">
+            <a:avLst/>
+          </a:prstGeom>
+          <a:noFill/>
+        </p:spPr>
+        <p:txBody>
+          <a:bodyPr wrap="none" rtlCol="0">
+            <a:spAutoFit/>
+          </a:bodyPr>
+          <a:lstStyle/>
+          <a:p>
+            <a:r>
+              <a:rPr lang="zh-CN" altLang="en-US" sz="4400" dirty="0">
+                <a:latin typeface="微软雅黑" panose="020B0503020204020204" pitchFamily="34" charset="-122"/>
+                <a:ea typeface="微软雅黑" panose="020B0503020204020204" pitchFamily="34" charset="-122"/>
+              </a:rPr>
+              <a:t>谢谢</a:t>
+            </a:r>
+          </a:p>
+        </p:txBody>
+      </p:sp>
+    </p:spTree>
+    <p:extLst>
+      <p:ext uri="{BB962C8B-B14F-4D97-AF65-F5344CB8AC3E}">
+        <p14:creationId xmlns:p14="http://schemas.microsoft.com/office/powerpoint/2010/main" val="1131528890"/>
       </p:ext>
     </p:extLst>
   </p:cSld>
@@ -16943,7 +17750,7 @@
         </p:nvSpPr>
         <p:spPr>
           <a:xfrm>
-            <a:off x="845395" y="1706323"/>
+            <a:off x="845395" y="1684289"/>
             <a:ext cx="10581644" cy="707886"/>
           </a:xfrm>
           <a:prstGeom prst="rect">
